--- a/Pictures/Figures/Figure 10.pptx
+++ b/Pictures/Figures/Figure 10.pptx
@@ -243,7 +243,7 @@
           <a:p>
             <a:fld id="{08FB4423-B689-4126-9E07-8A1EBABC939D}" type="datetimeFigureOut">
               <a:rPr lang="en-US" smtClean="0"/>
-              <a:t>11/4/2022</a:t>
+              <a:t>11/7/2022</a:t>
             </a:fld>
             <a:endParaRPr lang="en-US"/>
           </a:p>
@@ -413,7 +413,7 @@
           <a:p>
             <a:fld id="{08FB4423-B689-4126-9E07-8A1EBABC939D}" type="datetimeFigureOut">
               <a:rPr lang="en-US" smtClean="0"/>
-              <a:t>11/4/2022</a:t>
+              <a:t>11/7/2022</a:t>
             </a:fld>
             <a:endParaRPr lang="en-US"/>
           </a:p>
@@ -593,7 +593,7 @@
           <a:p>
             <a:fld id="{08FB4423-B689-4126-9E07-8A1EBABC939D}" type="datetimeFigureOut">
               <a:rPr lang="en-US" smtClean="0"/>
-              <a:t>11/4/2022</a:t>
+              <a:t>11/7/2022</a:t>
             </a:fld>
             <a:endParaRPr lang="en-US"/>
           </a:p>
@@ -763,7 +763,7 @@
           <a:p>
             <a:fld id="{08FB4423-B689-4126-9E07-8A1EBABC939D}" type="datetimeFigureOut">
               <a:rPr lang="en-US" smtClean="0"/>
-              <a:t>11/4/2022</a:t>
+              <a:t>11/7/2022</a:t>
             </a:fld>
             <a:endParaRPr lang="en-US"/>
           </a:p>
@@ -1007,7 +1007,7 @@
           <a:p>
             <a:fld id="{08FB4423-B689-4126-9E07-8A1EBABC939D}" type="datetimeFigureOut">
               <a:rPr lang="en-US" smtClean="0"/>
-              <a:t>11/4/2022</a:t>
+              <a:t>11/7/2022</a:t>
             </a:fld>
             <a:endParaRPr lang="en-US"/>
           </a:p>
@@ -1239,7 +1239,7 @@
           <a:p>
             <a:fld id="{08FB4423-B689-4126-9E07-8A1EBABC939D}" type="datetimeFigureOut">
               <a:rPr lang="en-US" smtClean="0"/>
-              <a:t>11/4/2022</a:t>
+              <a:t>11/7/2022</a:t>
             </a:fld>
             <a:endParaRPr lang="en-US"/>
           </a:p>
@@ -1606,7 +1606,7 @@
           <a:p>
             <a:fld id="{08FB4423-B689-4126-9E07-8A1EBABC939D}" type="datetimeFigureOut">
               <a:rPr lang="en-US" smtClean="0"/>
-              <a:t>11/4/2022</a:t>
+              <a:t>11/7/2022</a:t>
             </a:fld>
             <a:endParaRPr lang="en-US"/>
           </a:p>
@@ -1724,7 +1724,7 @@
           <a:p>
             <a:fld id="{08FB4423-B689-4126-9E07-8A1EBABC939D}" type="datetimeFigureOut">
               <a:rPr lang="en-US" smtClean="0"/>
-              <a:t>11/4/2022</a:t>
+              <a:t>11/7/2022</a:t>
             </a:fld>
             <a:endParaRPr lang="en-US"/>
           </a:p>
@@ -1819,7 +1819,7 @@
           <a:p>
             <a:fld id="{08FB4423-B689-4126-9E07-8A1EBABC939D}" type="datetimeFigureOut">
               <a:rPr lang="en-US" smtClean="0"/>
-              <a:t>11/4/2022</a:t>
+              <a:t>11/7/2022</a:t>
             </a:fld>
             <a:endParaRPr lang="en-US"/>
           </a:p>
@@ -2096,7 +2096,7 @@
           <a:p>
             <a:fld id="{08FB4423-B689-4126-9E07-8A1EBABC939D}" type="datetimeFigureOut">
               <a:rPr lang="en-US" smtClean="0"/>
-              <a:t>11/4/2022</a:t>
+              <a:t>11/7/2022</a:t>
             </a:fld>
             <a:endParaRPr lang="en-US"/>
           </a:p>
@@ -2353,7 +2353,7 @@
           <a:p>
             <a:fld id="{08FB4423-B689-4126-9E07-8A1EBABC939D}" type="datetimeFigureOut">
               <a:rPr lang="en-US" smtClean="0"/>
-              <a:t>11/4/2022</a:t>
+              <a:t>11/7/2022</a:t>
             </a:fld>
             <a:endParaRPr lang="en-US"/>
           </a:p>
@@ -2566,7 +2566,7 @@
           <a:p>
             <a:fld id="{08FB4423-B689-4126-9E07-8A1EBABC939D}" type="datetimeFigureOut">
               <a:rPr lang="en-US" smtClean="0"/>
-              <a:t>11/4/2022</a:t>
+              <a:t>11/7/2022</a:t>
             </a:fld>
             <a:endParaRPr lang="en-US"/>
           </a:p>
@@ -3005,7 +3005,7 @@
                 <a:latin typeface="Arial" panose="020B0604020202020204" pitchFamily="34" charset="0"/>
                 <a:cs typeface="Arial" panose="020B0604020202020204" pitchFamily="34" charset="0"/>
               </a:rPr>
-              <a:t>(A) Resized 3DBenchy Layers</a:t>
+              <a:t>(A) Resized 3DBenchy Jobs</a:t>
             </a:r>
           </a:p>
         </p:txBody>
@@ -3054,7 +3054,7 @@
                 <a:latin typeface="Arial" panose="020B0604020202020204" pitchFamily="34" charset="0"/>
                 <a:cs typeface="Arial" panose="020B0604020202020204" pitchFamily="34" charset="0"/>
               </a:rPr>
-              <a:t>Layer 0</a:t>
+              <a:t>Job 0</a:t>
             </a:r>
           </a:p>
         </p:txBody>
@@ -3211,7 +3211,7 @@
                 <a:latin typeface="Arial" panose="020B0604020202020204" pitchFamily="34" charset="0"/>
                 <a:cs typeface="Arial" panose="020B0604020202020204" pitchFamily="34" charset="0"/>
               </a:rPr>
-              <a:t>Layer 1</a:t>
+              <a:t>Job 1</a:t>
             </a:r>
           </a:p>
         </p:txBody>
@@ -3296,7 +3296,7 @@
                 <a:latin typeface="Arial" panose="020B0604020202020204" pitchFamily="34" charset="0"/>
                 <a:cs typeface="Arial" panose="020B0604020202020204" pitchFamily="34" charset="0"/>
               </a:rPr>
-              <a:t>Layer 2</a:t>
+              <a:t>Job 2</a:t>
             </a:r>
           </a:p>
         </p:txBody>
@@ -3381,7 +3381,7 @@
                 <a:latin typeface="Arial" panose="020B0604020202020204" pitchFamily="34" charset="0"/>
                 <a:cs typeface="Arial" panose="020B0604020202020204" pitchFamily="34" charset="0"/>
               </a:rPr>
-              <a:t>Layer 3</a:t>
+              <a:t>Job 3</a:t>
             </a:r>
           </a:p>
         </p:txBody>

--- a/Pictures/Figures/Figure 10.pptx
+++ b/Pictures/Figures/Figure 10.pptx
@@ -2,12 +2,12 @@
 <file path=ppt/presentation.xml><?xml version="1.0" encoding="utf-8"?>
 <p:presentation xmlns:a="http://schemas.openxmlformats.org/drawingml/2006/main" xmlns:r="http://schemas.openxmlformats.org/officeDocument/2006/relationships" xmlns:p="http://schemas.openxmlformats.org/presentationml/2006/main" saveSubsetFonts="1">
   <p:sldMasterIdLst>
-    <p:sldMasterId id="2147483684" r:id="rId1"/>
+    <p:sldMasterId id="2147483660" r:id="rId1"/>
   </p:sldMasterIdLst>
   <p:sldIdLst>
     <p:sldId id="256" r:id="rId2"/>
   </p:sldIdLst>
-  <p:sldSz cx="9144000" cy="10058400"/>
+  <p:sldSz cx="9144000" cy="2743200"/>
   <p:notesSz cx="6858000" cy="9144000"/>
   <p:defaultTextStyle>
     <a:defPPr>
@@ -104,11 +104,6 @@
       </a:defRPr>
     </a:lvl9pPr>
   </p:defaultTextStyle>
-  <p:extLst>
-    <p:ext uri="{EFAFB233-063F-42B5-8137-9DF3F51BA10A}">
-      <p15:sldGuideLst xmlns:p15="http://schemas.microsoft.com/office/powerpoint/2012/main"/>
-    </p:ext>
-  </p:extLst>
 </p:presentation>
 </file>
 
@@ -141,15 +136,15 @@
         </p:nvSpPr>
         <p:spPr>
           <a:xfrm>
-            <a:off x="685800" y="1646133"/>
-            <a:ext cx="7772400" cy="3501813"/>
+            <a:off x="1143000" y="448945"/>
+            <a:ext cx="6858000" cy="955040"/>
           </a:xfrm>
         </p:spPr>
         <p:txBody>
           <a:bodyPr anchor="b"/>
           <a:lstStyle>
             <a:lvl1pPr algn="ctr">
-              <a:defRPr sz="6000"/>
+              <a:defRPr sz="2400"/>
             </a:lvl1pPr>
           </a:lstStyle>
           <a:p>
@@ -173,8 +168,8 @@
         </p:nvSpPr>
         <p:spPr>
           <a:xfrm>
-            <a:off x="1143000" y="5282989"/>
-            <a:ext cx="6858000" cy="2428451"/>
+            <a:off x="1143000" y="1440815"/>
+            <a:ext cx="6858000" cy="662305"/>
           </a:xfrm>
         </p:spPr>
         <p:txBody>
@@ -182,39 +177,39 @@
           <a:lstStyle>
             <a:lvl1pPr marL="0" indent="0" algn="ctr">
               <a:buNone/>
-              <a:defRPr sz="2400"/>
+              <a:defRPr sz="960"/>
             </a:lvl1pPr>
-            <a:lvl2pPr marL="457200" indent="0" algn="ctr">
-              <a:buNone/>
-              <a:defRPr sz="2000"/>
+            <a:lvl2pPr marL="182880" indent="0" algn="ctr">
+              <a:buNone/>
+              <a:defRPr sz="800"/>
             </a:lvl2pPr>
-            <a:lvl3pPr marL="914400" indent="0" algn="ctr">
-              <a:buNone/>
-              <a:defRPr sz="1800"/>
+            <a:lvl3pPr marL="365760" indent="0" algn="ctr">
+              <a:buNone/>
+              <a:defRPr sz="720"/>
             </a:lvl3pPr>
-            <a:lvl4pPr marL="1371600" indent="0" algn="ctr">
-              <a:buNone/>
-              <a:defRPr sz="1600"/>
+            <a:lvl4pPr marL="548640" indent="0" algn="ctr">
+              <a:buNone/>
+              <a:defRPr sz="640"/>
             </a:lvl4pPr>
-            <a:lvl5pPr marL="1828800" indent="0" algn="ctr">
-              <a:buNone/>
-              <a:defRPr sz="1600"/>
+            <a:lvl5pPr marL="731520" indent="0" algn="ctr">
+              <a:buNone/>
+              <a:defRPr sz="640"/>
             </a:lvl5pPr>
-            <a:lvl6pPr marL="2286000" indent="0" algn="ctr">
-              <a:buNone/>
-              <a:defRPr sz="1600"/>
+            <a:lvl6pPr marL="914400" indent="0" algn="ctr">
+              <a:buNone/>
+              <a:defRPr sz="640"/>
             </a:lvl6pPr>
-            <a:lvl7pPr marL="2743200" indent="0" algn="ctr">
-              <a:buNone/>
-              <a:defRPr sz="1600"/>
+            <a:lvl7pPr marL="1097280" indent="0" algn="ctr">
+              <a:buNone/>
+              <a:defRPr sz="640"/>
             </a:lvl7pPr>
-            <a:lvl8pPr marL="3200400" indent="0" algn="ctr">
-              <a:buNone/>
-              <a:defRPr sz="1600"/>
+            <a:lvl8pPr marL="1280160" indent="0" algn="ctr">
+              <a:buNone/>
+              <a:defRPr sz="640"/>
             </a:lvl8pPr>
-            <a:lvl9pPr marL="3657600" indent="0" algn="ctr">
-              <a:buNone/>
-              <a:defRPr sz="1600"/>
+            <a:lvl9pPr marL="1463040" indent="0" algn="ctr">
+              <a:buNone/>
+              <a:defRPr sz="640"/>
             </a:lvl9pPr>
           </a:lstStyle>
           <a:p>
@@ -241,9 +236,9 @@
           <a:bodyPr/>
           <a:lstStyle/>
           <a:p>
-            <a:fld id="{08FB4423-B689-4126-9E07-8A1EBABC939D}" type="datetimeFigureOut">
+            <a:fld id="{568F182D-5CCD-4052-9931-92819F05CA8B}" type="datetimeFigureOut">
               <a:rPr lang="en-US" smtClean="0"/>
-              <a:t>11/7/2022</a:t>
+              <a:t>11/3/2022</a:t>
             </a:fld>
             <a:endParaRPr lang="en-US"/>
           </a:p>
@@ -283,7 +278,7 @@
           <a:bodyPr/>
           <a:lstStyle/>
           <a:p>
-            <a:fld id="{E0048D48-D819-4BA7-97FC-A5B418AE56E4}" type="slidenum">
+            <a:fld id="{CB71CBD7-3BB3-4FBF-8565-E5AB240A50D7}" type="slidenum">
               <a:rPr lang="en-US" smtClean="0"/>
               <a:t>‹#›</a:t>
             </a:fld>
@@ -294,7 +289,7 @@
     </p:spTree>
     <p:extLst>
       <p:ext uri="{BB962C8B-B14F-4D97-AF65-F5344CB8AC3E}">
-        <p14:creationId xmlns:p14="http://schemas.microsoft.com/office/powerpoint/2010/main" val="830809855"/>
+        <p14:creationId xmlns:p14="http://schemas.microsoft.com/office/powerpoint/2010/main" val="1983646749"/>
       </p:ext>
     </p:extLst>
   </p:cSld>
@@ -411,9 +406,9 @@
           <a:bodyPr/>
           <a:lstStyle/>
           <a:p>
-            <a:fld id="{08FB4423-B689-4126-9E07-8A1EBABC939D}" type="datetimeFigureOut">
+            <a:fld id="{568F182D-5CCD-4052-9931-92819F05CA8B}" type="datetimeFigureOut">
               <a:rPr lang="en-US" smtClean="0"/>
-              <a:t>11/7/2022</a:t>
+              <a:t>11/3/2022</a:t>
             </a:fld>
             <a:endParaRPr lang="en-US"/>
           </a:p>
@@ -453,7 +448,7 @@
           <a:bodyPr/>
           <a:lstStyle/>
           <a:p>
-            <a:fld id="{E0048D48-D819-4BA7-97FC-A5B418AE56E4}" type="slidenum">
+            <a:fld id="{CB71CBD7-3BB3-4FBF-8565-E5AB240A50D7}" type="slidenum">
               <a:rPr lang="en-US" smtClean="0"/>
               <a:t>‹#›</a:t>
             </a:fld>
@@ -464,7 +459,7 @@
     </p:spTree>
     <p:extLst>
       <p:ext uri="{BB962C8B-B14F-4D97-AF65-F5344CB8AC3E}">
-        <p14:creationId xmlns:p14="http://schemas.microsoft.com/office/powerpoint/2010/main" val="3099198274"/>
+        <p14:creationId xmlns:p14="http://schemas.microsoft.com/office/powerpoint/2010/main" val="3116383964"/>
       </p:ext>
     </p:extLst>
   </p:cSld>
@@ -503,8 +498,8 @@
         </p:nvSpPr>
         <p:spPr>
           <a:xfrm>
-            <a:off x="6543676" y="535517"/>
-            <a:ext cx="1971675" cy="8524029"/>
+            <a:off x="6543675" y="146050"/>
+            <a:ext cx="1971675" cy="2324735"/>
           </a:xfrm>
         </p:spPr>
         <p:txBody>
@@ -531,8 +526,8 @@
         </p:nvSpPr>
         <p:spPr>
           <a:xfrm>
-            <a:off x="628651" y="535517"/>
-            <a:ext cx="5800725" cy="8524029"/>
+            <a:off x="628650" y="146050"/>
+            <a:ext cx="5800725" cy="2324735"/>
           </a:xfrm>
         </p:spPr>
         <p:txBody>
@@ -591,9 +586,9 @@
           <a:bodyPr/>
           <a:lstStyle/>
           <a:p>
-            <a:fld id="{08FB4423-B689-4126-9E07-8A1EBABC939D}" type="datetimeFigureOut">
+            <a:fld id="{568F182D-5CCD-4052-9931-92819F05CA8B}" type="datetimeFigureOut">
               <a:rPr lang="en-US" smtClean="0"/>
-              <a:t>11/7/2022</a:t>
+              <a:t>11/3/2022</a:t>
             </a:fld>
             <a:endParaRPr lang="en-US"/>
           </a:p>
@@ -633,7 +628,7 @@
           <a:bodyPr/>
           <a:lstStyle/>
           <a:p>
-            <a:fld id="{E0048D48-D819-4BA7-97FC-A5B418AE56E4}" type="slidenum">
+            <a:fld id="{CB71CBD7-3BB3-4FBF-8565-E5AB240A50D7}" type="slidenum">
               <a:rPr lang="en-US" smtClean="0"/>
               <a:t>‹#›</a:t>
             </a:fld>
@@ -644,7 +639,7 @@
     </p:spTree>
     <p:extLst>
       <p:ext uri="{BB962C8B-B14F-4D97-AF65-F5344CB8AC3E}">
-        <p14:creationId xmlns:p14="http://schemas.microsoft.com/office/powerpoint/2010/main" val="945774250"/>
+        <p14:creationId xmlns:p14="http://schemas.microsoft.com/office/powerpoint/2010/main" val="2053762084"/>
       </p:ext>
     </p:extLst>
   </p:cSld>
@@ -761,9 +756,9 @@
           <a:bodyPr/>
           <a:lstStyle/>
           <a:p>
-            <a:fld id="{08FB4423-B689-4126-9E07-8A1EBABC939D}" type="datetimeFigureOut">
+            <a:fld id="{568F182D-5CCD-4052-9931-92819F05CA8B}" type="datetimeFigureOut">
               <a:rPr lang="en-US" smtClean="0"/>
-              <a:t>11/7/2022</a:t>
+              <a:t>11/3/2022</a:t>
             </a:fld>
             <a:endParaRPr lang="en-US"/>
           </a:p>
@@ -803,7 +798,7 @@
           <a:bodyPr/>
           <a:lstStyle/>
           <a:p>
-            <a:fld id="{E0048D48-D819-4BA7-97FC-A5B418AE56E4}" type="slidenum">
+            <a:fld id="{CB71CBD7-3BB3-4FBF-8565-E5AB240A50D7}" type="slidenum">
               <a:rPr lang="en-US" smtClean="0"/>
               <a:t>‹#›</a:t>
             </a:fld>
@@ -814,7 +809,7 @@
     </p:spTree>
     <p:extLst>
       <p:ext uri="{BB962C8B-B14F-4D97-AF65-F5344CB8AC3E}">
-        <p14:creationId xmlns:p14="http://schemas.microsoft.com/office/powerpoint/2010/main" val="3073248055"/>
+        <p14:creationId xmlns:p14="http://schemas.microsoft.com/office/powerpoint/2010/main" val="4125771643"/>
       </p:ext>
     </p:extLst>
   </p:cSld>
@@ -853,15 +848,15 @@
         </p:nvSpPr>
         <p:spPr>
           <a:xfrm>
-            <a:off x="623888" y="2507618"/>
-            <a:ext cx="7886700" cy="4184014"/>
+            <a:off x="623888" y="683895"/>
+            <a:ext cx="7886700" cy="1141095"/>
           </a:xfrm>
         </p:spPr>
         <p:txBody>
           <a:bodyPr anchor="b"/>
           <a:lstStyle>
             <a:lvl1pPr>
-              <a:defRPr sz="6000"/>
+              <a:defRPr sz="2400"/>
             </a:lvl1pPr>
           </a:lstStyle>
           <a:p>
@@ -885,8 +880,8 @@
         </p:nvSpPr>
         <p:spPr>
           <a:xfrm>
-            <a:off x="623888" y="6731215"/>
-            <a:ext cx="7886700" cy="2200274"/>
+            <a:off x="623888" y="1835785"/>
+            <a:ext cx="7886700" cy="600075"/>
           </a:xfrm>
         </p:spPr>
         <p:txBody>
@@ -894,15 +889,17 @@
           <a:lstStyle>
             <a:lvl1pPr marL="0" indent="0">
               <a:buNone/>
-              <a:defRPr sz="2400">
+              <a:defRPr sz="960">
                 <a:solidFill>
-                  <a:schemeClr val="tx1"/>
+                  <a:schemeClr val="tx1">
+                    <a:tint val="75000"/>
+                  </a:schemeClr>
                 </a:solidFill>
               </a:defRPr>
             </a:lvl1pPr>
-            <a:lvl2pPr marL="457200" indent="0">
-              <a:buNone/>
-              <a:defRPr sz="2000">
+            <a:lvl2pPr marL="182880" indent="0">
+              <a:buNone/>
+              <a:defRPr sz="800">
                 <a:solidFill>
                   <a:schemeClr val="tx1">
                     <a:tint val="75000"/>
@@ -910,9 +907,9 @@
                 </a:solidFill>
               </a:defRPr>
             </a:lvl2pPr>
-            <a:lvl3pPr marL="914400" indent="0">
-              <a:buNone/>
-              <a:defRPr sz="1800">
+            <a:lvl3pPr marL="365760" indent="0">
+              <a:buNone/>
+              <a:defRPr sz="720">
                 <a:solidFill>
                   <a:schemeClr val="tx1">
                     <a:tint val="75000"/>
@@ -920,9 +917,9 @@
                 </a:solidFill>
               </a:defRPr>
             </a:lvl3pPr>
-            <a:lvl4pPr marL="1371600" indent="0">
-              <a:buNone/>
-              <a:defRPr sz="1600">
+            <a:lvl4pPr marL="548640" indent="0">
+              <a:buNone/>
+              <a:defRPr sz="640">
                 <a:solidFill>
                   <a:schemeClr val="tx1">
                     <a:tint val="75000"/>
@@ -930,9 +927,9 @@
                 </a:solidFill>
               </a:defRPr>
             </a:lvl4pPr>
-            <a:lvl5pPr marL="1828800" indent="0">
-              <a:buNone/>
-              <a:defRPr sz="1600">
+            <a:lvl5pPr marL="731520" indent="0">
+              <a:buNone/>
+              <a:defRPr sz="640">
                 <a:solidFill>
                   <a:schemeClr val="tx1">
                     <a:tint val="75000"/>
@@ -940,9 +937,9 @@
                 </a:solidFill>
               </a:defRPr>
             </a:lvl5pPr>
-            <a:lvl6pPr marL="2286000" indent="0">
-              <a:buNone/>
-              <a:defRPr sz="1600">
+            <a:lvl6pPr marL="914400" indent="0">
+              <a:buNone/>
+              <a:defRPr sz="640">
                 <a:solidFill>
                   <a:schemeClr val="tx1">
                     <a:tint val="75000"/>
@@ -950,9 +947,9 @@
                 </a:solidFill>
               </a:defRPr>
             </a:lvl6pPr>
-            <a:lvl7pPr marL="2743200" indent="0">
-              <a:buNone/>
-              <a:defRPr sz="1600">
+            <a:lvl7pPr marL="1097280" indent="0">
+              <a:buNone/>
+              <a:defRPr sz="640">
                 <a:solidFill>
                   <a:schemeClr val="tx1">
                     <a:tint val="75000"/>
@@ -960,9 +957,9 @@
                 </a:solidFill>
               </a:defRPr>
             </a:lvl7pPr>
-            <a:lvl8pPr marL="3200400" indent="0">
-              <a:buNone/>
-              <a:defRPr sz="1600">
+            <a:lvl8pPr marL="1280160" indent="0">
+              <a:buNone/>
+              <a:defRPr sz="640">
                 <a:solidFill>
                   <a:schemeClr val="tx1">
                     <a:tint val="75000"/>
@@ -970,9 +967,9 @@
                 </a:solidFill>
               </a:defRPr>
             </a:lvl8pPr>
-            <a:lvl9pPr marL="3657600" indent="0">
-              <a:buNone/>
-              <a:defRPr sz="1600">
+            <a:lvl9pPr marL="1463040" indent="0">
+              <a:buNone/>
+              <a:defRPr sz="640">
                 <a:solidFill>
                   <a:schemeClr val="tx1">
                     <a:tint val="75000"/>
@@ -1005,9 +1002,9 @@
           <a:bodyPr/>
           <a:lstStyle/>
           <a:p>
-            <a:fld id="{08FB4423-B689-4126-9E07-8A1EBABC939D}" type="datetimeFigureOut">
+            <a:fld id="{568F182D-5CCD-4052-9931-92819F05CA8B}" type="datetimeFigureOut">
               <a:rPr lang="en-US" smtClean="0"/>
-              <a:t>11/7/2022</a:t>
+              <a:t>11/3/2022</a:t>
             </a:fld>
             <a:endParaRPr lang="en-US"/>
           </a:p>
@@ -1047,7 +1044,7 @@
           <a:bodyPr/>
           <a:lstStyle/>
           <a:p>
-            <a:fld id="{E0048D48-D819-4BA7-97FC-A5B418AE56E4}" type="slidenum">
+            <a:fld id="{CB71CBD7-3BB3-4FBF-8565-E5AB240A50D7}" type="slidenum">
               <a:rPr lang="en-US" smtClean="0"/>
               <a:t>‹#›</a:t>
             </a:fld>
@@ -1058,7 +1055,7 @@
     </p:spTree>
     <p:extLst>
       <p:ext uri="{BB962C8B-B14F-4D97-AF65-F5344CB8AC3E}">
-        <p14:creationId xmlns:p14="http://schemas.microsoft.com/office/powerpoint/2010/main" val="854754761"/>
+        <p14:creationId xmlns:p14="http://schemas.microsoft.com/office/powerpoint/2010/main" val="1378005386"/>
       </p:ext>
     </p:extLst>
   </p:cSld>
@@ -1120,8 +1117,8 @@
         </p:nvSpPr>
         <p:spPr>
           <a:xfrm>
-            <a:off x="628650" y="2677584"/>
-            <a:ext cx="3886200" cy="6381962"/>
+            <a:off x="628650" y="730250"/>
+            <a:ext cx="3886200" cy="1740535"/>
           </a:xfrm>
         </p:spPr>
         <p:txBody>
@@ -1177,8 +1174,8 @@
         </p:nvSpPr>
         <p:spPr>
           <a:xfrm>
-            <a:off x="4629150" y="2677584"/>
-            <a:ext cx="3886200" cy="6381962"/>
+            <a:off x="4629150" y="730250"/>
+            <a:ext cx="3886200" cy="1740535"/>
           </a:xfrm>
         </p:spPr>
         <p:txBody>
@@ -1237,9 +1234,9 @@
           <a:bodyPr/>
           <a:lstStyle/>
           <a:p>
-            <a:fld id="{08FB4423-B689-4126-9E07-8A1EBABC939D}" type="datetimeFigureOut">
+            <a:fld id="{568F182D-5CCD-4052-9931-92819F05CA8B}" type="datetimeFigureOut">
               <a:rPr lang="en-US" smtClean="0"/>
-              <a:t>11/7/2022</a:t>
+              <a:t>11/3/2022</a:t>
             </a:fld>
             <a:endParaRPr lang="en-US"/>
           </a:p>
@@ -1279,7 +1276,7 @@
           <a:bodyPr/>
           <a:lstStyle/>
           <a:p>
-            <a:fld id="{E0048D48-D819-4BA7-97FC-A5B418AE56E4}" type="slidenum">
+            <a:fld id="{CB71CBD7-3BB3-4FBF-8565-E5AB240A50D7}" type="slidenum">
               <a:rPr lang="en-US" smtClean="0"/>
               <a:t>‹#›</a:t>
             </a:fld>
@@ -1290,7 +1287,7 @@
     </p:spTree>
     <p:extLst>
       <p:ext uri="{BB962C8B-B14F-4D97-AF65-F5344CB8AC3E}">
-        <p14:creationId xmlns:p14="http://schemas.microsoft.com/office/powerpoint/2010/main" val="2335893193"/>
+        <p14:creationId xmlns:p14="http://schemas.microsoft.com/office/powerpoint/2010/main" val="727548037"/>
       </p:ext>
     </p:extLst>
   </p:cSld>
@@ -1329,8 +1326,8 @@
         </p:nvSpPr>
         <p:spPr>
           <a:xfrm>
-            <a:off x="629841" y="535519"/>
-            <a:ext cx="7886700" cy="1944159"/>
+            <a:off x="629841" y="146050"/>
+            <a:ext cx="7886700" cy="530225"/>
           </a:xfrm>
         </p:spPr>
         <p:txBody>
@@ -1357,8 +1354,8 @@
         </p:nvSpPr>
         <p:spPr>
           <a:xfrm>
-            <a:off x="629842" y="2465706"/>
-            <a:ext cx="3868340" cy="1208404"/>
+            <a:off x="629842" y="672465"/>
+            <a:ext cx="3868340" cy="329565"/>
           </a:xfrm>
         </p:spPr>
         <p:txBody>
@@ -1366,39 +1363,39 @@
           <a:lstStyle>
             <a:lvl1pPr marL="0" indent="0">
               <a:buNone/>
-              <a:defRPr sz="2400" b="1"/>
+              <a:defRPr sz="960" b="1"/>
             </a:lvl1pPr>
-            <a:lvl2pPr marL="457200" indent="0">
-              <a:buNone/>
-              <a:defRPr sz="2000" b="1"/>
+            <a:lvl2pPr marL="182880" indent="0">
+              <a:buNone/>
+              <a:defRPr sz="800" b="1"/>
             </a:lvl2pPr>
-            <a:lvl3pPr marL="914400" indent="0">
-              <a:buNone/>
-              <a:defRPr sz="1800" b="1"/>
+            <a:lvl3pPr marL="365760" indent="0">
+              <a:buNone/>
+              <a:defRPr sz="720" b="1"/>
             </a:lvl3pPr>
-            <a:lvl4pPr marL="1371600" indent="0">
-              <a:buNone/>
-              <a:defRPr sz="1600" b="1"/>
+            <a:lvl4pPr marL="548640" indent="0">
+              <a:buNone/>
+              <a:defRPr sz="640" b="1"/>
             </a:lvl4pPr>
-            <a:lvl5pPr marL="1828800" indent="0">
-              <a:buNone/>
-              <a:defRPr sz="1600" b="1"/>
+            <a:lvl5pPr marL="731520" indent="0">
+              <a:buNone/>
+              <a:defRPr sz="640" b="1"/>
             </a:lvl5pPr>
-            <a:lvl6pPr marL="2286000" indent="0">
-              <a:buNone/>
-              <a:defRPr sz="1600" b="1"/>
+            <a:lvl6pPr marL="914400" indent="0">
+              <a:buNone/>
+              <a:defRPr sz="640" b="1"/>
             </a:lvl6pPr>
-            <a:lvl7pPr marL="2743200" indent="0">
-              <a:buNone/>
-              <a:defRPr sz="1600" b="1"/>
+            <a:lvl7pPr marL="1097280" indent="0">
+              <a:buNone/>
+              <a:defRPr sz="640" b="1"/>
             </a:lvl7pPr>
-            <a:lvl8pPr marL="3200400" indent="0">
-              <a:buNone/>
-              <a:defRPr sz="1600" b="1"/>
+            <a:lvl8pPr marL="1280160" indent="0">
+              <a:buNone/>
+              <a:defRPr sz="640" b="1"/>
             </a:lvl8pPr>
-            <a:lvl9pPr marL="3657600" indent="0">
-              <a:buNone/>
-              <a:defRPr sz="1600" b="1"/>
+            <a:lvl9pPr marL="1463040" indent="0">
+              <a:buNone/>
+              <a:defRPr sz="640" b="1"/>
             </a:lvl9pPr>
           </a:lstStyle>
           <a:p>
@@ -1422,8 +1419,8 @@
         </p:nvSpPr>
         <p:spPr>
           <a:xfrm>
-            <a:off x="629842" y="3674110"/>
-            <a:ext cx="3868340" cy="5404062"/>
+            <a:off x="629842" y="1002030"/>
+            <a:ext cx="3868340" cy="1473835"/>
           </a:xfrm>
         </p:spPr>
         <p:txBody>
@@ -1479,8 +1476,8 @@
         </p:nvSpPr>
         <p:spPr>
           <a:xfrm>
-            <a:off x="4629151" y="2465706"/>
-            <a:ext cx="3887391" cy="1208404"/>
+            <a:off x="4629150" y="672465"/>
+            <a:ext cx="3887391" cy="329565"/>
           </a:xfrm>
         </p:spPr>
         <p:txBody>
@@ -1488,39 +1485,39 @@
           <a:lstStyle>
             <a:lvl1pPr marL="0" indent="0">
               <a:buNone/>
-              <a:defRPr sz="2400" b="1"/>
+              <a:defRPr sz="960" b="1"/>
             </a:lvl1pPr>
-            <a:lvl2pPr marL="457200" indent="0">
-              <a:buNone/>
-              <a:defRPr sz="2000" b="1"/>
+            <a:lvl2pPr marL="182880" indent="0">
+              <a:buNone/>
+              <a:defRPr sz="800" b="1"/>
             </a:lvl2pPr>
-            <a:lvl3pPr marL="914400" indent="0">
-              <a:buNone/>
-              <a:defRPr sz="1800" b="1"/>
+            <a:lvl3pPr marL="365760" indent="0">
+              <a:buNone/>
+              <a:defRPr sz="720" b="1"/>
             </a:lvl3pPr>
-            <a:lvl4pPr marL="1371600" indent="0">
-              <a:buNone/>
-              <a:defRPr sz="1600" b="1"/>
+            <a:lvl4pPr marL="548640" indent="0">
+              <a:buNone/>
+              <a:defRPr sz="640" b="1"/>
             </a:lvl4pPr>
-            <a:lvl5pPr marL="1828800" indent="0">
-              <a:buNone/>
-              <a:defRPr sz="1600" b="1"/>
+            <a:lvl5pPr marL="731520" indent="0">
+              <a:buNone/>
+              <a:defRPr sz="640" b="1"/>
             </a:lvl5pPr>
-            <a:lvl6pPr marL="2286000" indent="0">
-              <a:buNone/>
-              <a:defRPr sz="1600" b="1"/>
+            <a:lvl6pPr marL="914400" indent="0">
+              <a:buNone/>
+              <a:defRPr sz="640" b="1"/>
             </a:lvl6pPr>
-            <a:lvl7pPr marL="2743200" indent="0">
-              <a:buNone/>
-              <a:defRPr sz="1600" b="1"/>
+            <a:lvl7pPr marL="1097280" indent="0">
+              <a:buNone/>
+              <a:defRPr sz="640" b="1"/>
             </a:lvl7pPr>
-            <a:lvl8pPr marL="3200400" indent="0">
-              <a:buNone/>
-              <a:defRPr sz="1600" b="1"/>
+            <a:lvl8pPr marL="1280160" indent="0">
+              <a:buNone/>
+              <a:defRPr sz="640" b="1"/>
             </a:lvl8pPr>
-            <a:lvl9pPr marL="3657600" indent="0">
-              <a:buNone/>
-              <a:defRPr sz="1600" b="1"/>
+            <a:lvl9pPr marL="1463040" indent="0">
+              <a:buNone/>
+              <a:defRPr sz="640" b="1"/>
             </a:lvl9pPr>
           </a:lstStyle>
           <a:p>
@@ -1544,8 +1541,8 @@
         </p:nvSpPr>
         <p:spPr>
           <a:xfrm>
-            <a:off x="4629151" y="3674110"/>
-            <a:ext cx="3887391" cy="5404062"/>
+            <a:off x="4629150" y="1002030"/>
+            <a:ext cx="3887391" cy="1473835"/>
           </a:xfrm>
         </p:spPr>
         <p:txBody>
@@ -1604,9 +1601,9 @@
           <a:bodyPr/>
           <a:lstStyle/>
           <a:p>
-            <a:fld id="{08FB4423-B689-4126-9E07-8A1EBABC939D}" type="datetimeFigureOut">
+            <a:fld id="{568F182D-5CCD-4052-9931-92819F05CA8B}" type="datetimeFigureOut">
               <a:rPr lang="en-US" smtClean="0"/>
-              <a:t>11/7/2022</a:t>
+              <a:t>11/3/2022</a:t>
             </a:fld>
             <a:endParaRPr lang="en-US"/>
           </a:p>
@@ -1646,7 +1643,7 @@
           <a:bodyPr/>
           <a:lstStyle/>
           <a:p>
-            <a:fld id="{E0048D48-D819-4BA7-97FC-A5B418AE56E4}" type="slidenum">
+            <a:fld id="{CB71CBD7-3BB3-4FBF-8565-E5AB240A50D7}" type="slidenum">
               <a:rPr lang="en-US" smtClean="0"/>
               <a:t>‹#›</a:t>
             </a:fld>
@@ -1657,7 +1654,7 @@
     </p:spTree>
     <p:extLst>
       <p:ext uri="{BB962C8B-B14F-4D97-AF65-F5344CB8AC3E}">
-        <p14:creationId xmlns:p14="http://schemas.microsoft.com/office/powerpoint/2010/main" val="1009417275"/>
+        <p14:creationId xmlns:p14="http://schemas.microsoft.com/office/powerpoint/2010/main" val="3906472362"/>
       </p:ext>
     </p:extLst>
   </p:cSld>
@@ -1722,9 +1719,9 @@
           <a:bodyPr/>
           <a:lstStyle/>
           <a:p>
-            <a:fld id="{08FB4423-B689-4126-9E07-8A1EBABC939D}" type="datetimeFigureOut">
+            <a:fld id="{568F182D-5CCD-4052-9931-92819F05CA8B}" type="datetimeFigureOut">
               <a:rPr lang="en-US" smtClean="0"/>
-              <a:t>11/7/2022</a:t>
+              <a:t>11/3/2022</a:t>
             </a:fld>
             <a:endParaRPr lang="en-US"/>
           </a:p>
@@ -1764,7 +1761,7 @@
           <a:bodyPr/>
           <a:lstStyle/>
           <a:p>
-            <a:fld id="{E0048D48-D819-4BA7-97FC-A5B418AE56E4}" type="slidenum">
+            <a:fld id="{CB71CBD7-3BB3-4FBF-8565-E5AB240A50D7}" type="slidenum">
               <a:rPr lang="en-US" smtClean="0"/>
               <a:t>‹#›</a:t>
             </a:fld>
@@ -1775,7 +1772,7 @@
     </p:spTree>
     <p:extLst>
       <p:ext uri="{BB962C8B-B14F-4D97-AF65-F5344CB8AC3E}">
-        <p14:creationId xmlns:p14="http://schemas.microsoft.com/office/powerpoint/2010/main" val="592189900"/>
+        <p14:creationId xmlns:p14="http://schemas.microsoft.com/office/powerpoint/2010/main" val="3690736834"/>
       </p:ext>
     </p:extLst>
   </p:cSld>
@@ -1817,9 +1814,9 @@
           <a:bodyPr/>
           <a:lstStyle/>
           <a:p>
-            <a:fld id="{08FB4423-B689-4126-9E07-8A1EBABC939D}" type="datetimeFigureOut">
+            <a:fld id="{568F182D-5CCD-4052-9931-92819F05CA8B}" type="datetimeFigureOut">
               <a:rPr lang="en-US" smtClean="0"/>
-              <a:t>11/7/2022</a:t>
+              <a:t>11/3/2022</a:t>
             </a:fld>
             <a:endParaRPr lang="en-US"/>
           </a:p>
@@ -1859,7 +1856,7 @@
           <a:bodyPr/>
           <a:lstStyle/>
           <a:p>
-            <a:fld id="{E0048D48-D819-4BA7-97FC-A5B418AE56E4}" type="slidenum">
+            <a:fld id="{CB71CBD7-3BB3-4FBF-8565-E5AB240A50D7}" type="slidenum">
               <a:rPr lang="en-US" smtClean="0"/>
               <a:t>‹#›</a:t>
             </a:fld>
@@ -1870,7 +1867,7 @@
     </p:spTree>
     <p:extLst>
       <p:ext uri="{BB962C8B-B14F-4D97-AF65-F5344CB8AC3E}">
-        <p14:creationId xmlns:p14="http://schemas.microsoft.com/office/powerpoint/2010/main" val="1012108371"/>
+        <p14:creationId xmlns:p14="http://schemas.microsoft.com/office/powerpoint/2010/main" val="1965342195"/>
       </p:ext>
     </p:extLst>
   </p:cSld>
@@ -1909,15 +1906,15 @@
         </p:nvSpPr>
         <p:spPr>
           <a:xfrm>
-            <a:off x="629841" y="670560"/>
-            <a:ext cx="2949178" cy="2346960"/>
+            <a:off x="629841" y="182880"/>
+            <a:ext cx="2949178" cy="640080"/>
           </a:xfrm>
         </p:spPr>
         <p:txBody>
           <a:bodyPr anchor="b"/>
           <a:lstStyle>
             <a:lvl1pPr>
-              <a:defRPr sz="3200"/>
+              <a:defRPr sz="1280"/>
             </a:lvl1pPr>
           </a:lstStyle>
           <a:p>
@@ -1941,39 +1938,39 @@
         </p:nvSpPr>
         <p:spPr>
           <a:xfrm>
-            <a:off x="3887391" y="1448226"/>
-            <a:ext cx="4629150" cy="7147983"/>
+            <a:off x="3887391" y="394970"/>
+            <a:ext cx="4629150" cy="1949450"/>
           </a:xfrm>
         </p:spPr>
         <p:txBody>
           <a:bodyPr/>
           <a:lstStyle>
             <a:lvl1pPr>
-              <a:defRPr sz="3200"/>
+              <a:defRPr sz="1280"/>
             </a:lvl1pPr>
             <a:lvl2pPr>
-              <a:defRPr sz="2800"/>
+              <a:defRPr sz="1120"/>
             </a:lvl2pPr>
             <a:lvl3pPr>
-              <a:defRPr sz="2400"/>
+              <a:defRPr sz="960"/>
             </a:lvl3pPr>
             <a:lvl4pPr>
-              <a:defRPr sz="2000"/>
+              <a:defRPr sz="800"/>
             </a:lvl4pPr>
             <a:lvl5pPr>
-              <a:defRPr sz="2000"/>
+              <a:defRPr sz="800"/>
             </a:lvl5pPr>
             <a:lvl6pPr>
-              <a:defRPr sz="2000"/>
+              <a:defRPr sz="800"/>
             </a:lvl6pPr>
             <a:lvl7pPr>
-              <a:defRPr sz="2000"/>
+              <a:defRPr sz="800"/>
             </a:lvl7pPr>
             <a:lvl8pPr>
-              <a:defRPr sz="2000"/>
+              <a:defRPr sz="800"/>
             </a:lvl8pPr>
             <a:lvl9pPr>
-              <a:defRPr sz="2000"/>
+              <a:defRPr sz="800"/>
             </a:lvl9pPr>
           </a:lstStyle>
           <a:p>
@@ -2026,8 +2023,8 @@
         </p:nvSpPr>
         <p:spPr>
           <a:xfrm>
-            <a:off x="629841" y="3017520"/>
-            <a:ext cx="2949178" cy="5590329"/>
+            <a:off x="629841" y="822960"/>
+            <a:ext cx="2949178" cy="1524635"/>
           </a:xfrm>
         </p:spPr>
         <p:txBody>
@@ -2035,39 +2032,39 @@
           <a:lstStyle>
             <a:lvl1pPr marL="0" indent="0">
               <a:buNone/>
-              <a:defRPr sz="1600"/>
+              <a:defRPr sz="640"/>
             </a:lvl1pPr>
-            <a:lvl2pPr marL="457200" indent="0">
-              <a:buNone/>
-              <a:defRPr sz="1400"/>
+            <a:lvl2pPr marL="182880" indent="0">
+              <a:buNone/>
+              <a:defRPr sz="560"/>
             </a:lvl2pPr>
-            <a:lvl3pPr marL="914400" indent="0">
-              <a:buNone/>
-              <a:defRPr sz="1200"/>
+            <a:lvl3pPr marL="365760" indent="0">
+              <a:buNone/>
+              <a:defRPr sz="480"/>
             </a:lvl3pPr>
-            <a:lvl4pPr marL="1371600" indent="0">
-              <a:buNone/>
-              <a:defRPr sz="1000"/>
+            <a:lvl4pPr marL="548640" indent="0">
+              <a:buNone/>
+              <a:defRPr sz="400"/>
             </a:lvl4pPr>
-            <a:lvl5pPr marL="1828800" indent="0">
-              <a:buNone/>
-              <a:defRPr sz="1000"/>
+            <a:lvl5pPr marL="731520" indent="0">
+              <a:buNone/>
+              <a:defRPr sz="400"/>
             </a:lvl5pPr>
-            <a:lvl6pPr marL="2286000" indent="0">
-              <a:buNone/>
-              <a:defRPr sz="1000"/>
+            <a:lvl6pPr marL="914400" indent="0">
+              <a:buNone/>
+              <a:defRPr sz="400"/>
             </a:lvl6pPr>
-            <a:lvl7pPr marL="2743200" indent="0">
-              <a:buNone/>
-              <a:defRPr sz="1000"/>
+            <a:lvl7pPr marL="1097280" indent="0">
+              <a:buNone/>
+              <a:defRPr sz="400"/>
             </a:lvl7pPr>
-            <a:lvl8pPr marL="3200400" indent="0">
-              <a:buNone/>
-              <a:defRPr sz="1000"/>
+            <a:lvl8pPr marL="1280160" indent="0">
+              <a:buNone/>
+              <a:defRPr sz="400"/>
             </a:lvl8pPr>
-            <a:lvl9pPr marL="3657600" indent="0">
-              <a:buNone/>
-              <a:defRPr sz="1000"/>
+            <a:lvl9pPr marL="1463040" indent="0">
+              <a:buNone/>
+              <a:defRPr sz="400"/>
             </a:lvl9pPr>
           </a:lstStyle>
           <a:p>
@@ -2094,9 +2091,9 @@
           <a:bodyPr/>
           <a:lstStyle/>
           <a:p>
-            <a:fld id="{08FB4423-B689-4126-9E07-8A1EBABC939D}" type="datetimeFigureOut">
+            <a:fld id="{568F182D-5CCD-4052-9931-92819F05CA8B}" type="datetimeFigureOut">
               <a:rPr lang="en-US" smtClean="0"/>
-              <a:t>11/7/2022</a:t>
+              <a:t>11/3/2022</a:t>
             </a:fld>
             <a:endParaRPr lang="en-US"/>
           </a:p>
@@ -2136,7 +2133,7 @@
           <a:bodyPr/>
           <a:lstStyle/>
           <a:p>
-            <a:fld id="{E0048D48-D819-4BA7-97FC-A5B418AE56E4}" type="slidenum">
+            <a:fld id="{CB71CBD7-3BB3-4FBF-8565-E5AB240A50D7}" type="slidenum">
               <a:rPr lang="en-US" smtClean="0"/>
               <a:t>‹#›</a:t>
             </a:fld>
@@ -2147,7 +2144,7 @@
     </p:spTree>
     <p:extLst>
       <p:ext uri="{BB962C8B-B14F-4D97-AF65-F5344CB8AC3E}">
-        <p14:creationId xmlns:p14="http://schemas.microsoft.com/office/powerpoint/2010/main" val="498217598"/>
+        <p14:creationId xmlns:p14="http://schemas.microsoft.com/office/powerpoint/2010/main" val="3734739924"/>
       </p:ext>
     </p:extLst>
   </p:cSld>
@@ -2186,15 +2183,15 @@
         </p:nvSpPr>
         <p:spPr>
           <a:xfrm>
-            <a:off x="629841" y="670560"/>
-            <a:ext cx="2949178" cy="2346960"/>
+            <a:off x="629841" y="182880"/>
+            <a:ext cx="2949178" cy="640080"/>
           </a:xfrm>
         </p:spPr>
         <p:txBody>
           <a:bodyPr anchor="b"/>
           <a:lstStyle>
             <a:lvl1pPr>
-              <a:defRPr sz="3200"/>
+              <a:defRPr sz="1280"/>
             </a:lvl1pPr>
           </a:lstStyle>
           <a:p>
@@ -2218,8 +2215,8 @@
         </p:nvSpPr>
         <p:spPr>
           <a:xfrm>
-            <a:off x="3887391" y="1448226"/>
-            <a:ext cx="4629150" cy="7147983"/>
+            <a:off x="3887391" y="394970"/>
+            <a:ext cx="4629150" cy="1949450"/>
           </a:xfrm>
         </p:spPr>
         <p:txBody>
@@ -2227,39 +2224,39 @@
           <a:lstStyle>
             <a:lvl1pPr marL="0" indent="0">
               <a:buNone/>
-              <a:defRPr sz="3200"/>
+              <a:defRPr sz="1280"/>
             </a:lvl1pPr>
-            <a:lvl2pPr marL="457200" indent="0">
-              <a:buNone/>
-              <a:defRPr sz="2800"/>
+            <a:lvl2pPr marL="182880" indent="0">
+              <a:buNone/>
+              <a:defRPr sz="1120"/>
             </a:lvl2pPr>
-            <a:lvl3pPr marL="914400" indent="0">
-              <a:buNone/>
-              <a:defRPr sz="2400"/>
+            <a:lvl3pPr marL="365760" indent="0">
+              <a:buNone/>
+              <a:defRPr sz="960"/>
             </a:lvl3pPr>
-            <a:lvl4pPr marL="1371600" indent="0">
-              <a:buNone/>
-              <a:defRPr sz="2000"/>
+            <a:lvl4pPr marL="548640" indent="0">
+              <a:buNone/>
+              <a:defRPr sz="800"/>
             </a:lvl4pPr>
-            <a:lvl5pPr marL="1828800" indent="0">
-              <a:buNone/>
-              <a:defRPr sz="2000"/>
+            <a:lvl5pPr marL="731520" indent="0">
+              <a:buNone/>
+              <a:defRPr sz="800"/>
             </a:lvl5pPr>
-            <a:lvl6pPr marL="2286000" indent="0">
-              <a:buNone/>
-              <a:defRPr sz="2000"/>
+            <a:lvl6pPr marL="914400" indent="0">
+              <a:buNone/>
+              <a:defRPr sz="800"/>
             </a:lvl6pPr>
-            <a:lvl7pPr marL="2743200" indent="0">
-              <a:buNone/>
-              <a:defRPr sz="2000"/>
+            <a:lvl7pPr marL="1097280" indent="0">
+              <a:buNone/>
+              <a:defRPr sz="800"/>
             </a:lvl7pPr>
-            <a:lvl8pPr marL="3200400" indent="0">
-              <a:buNone/>
-              <a:defRPr sz="2000"/>
+            <a:lvl8pPr marL="1280160" indent="0">
+              <a:buNone/>
+              <a:defRPr sz="800"/>
             </a:lvl8pPr>
-            <a:lvl9pPr marL="3657600" indent="0">
-              <a:buNone/>
-              <a:defRPr sz="2000"/>
+            <a:lvl9pPr marL="1463040" indent="0">
+              <a:buNone/>
+              <a:defRPr sz="800"/>
             </a:lvl9pPr>
           </a:lstStyle>
           <a:p>
@@ -2283,8 +2280,8 @@
         </p:nvSpPr>
         <p:spPr>
           <a:xfrm>
-            <a:off x="629841" y="3017520"/>
-            <a:ext cx="2949178" cy="5590329"/>
+            <a:off x="629841" y="822960"/>
+            <a:ext cx="2949178" cy="1524635"/>
           </a:xfrm>
         </p:spPr>
         <p:txBody>
@@ -2292,39 +2289,39 @@
           <a:lstStyle>
             <a:lvl1pPr marL="0" indent="0">
               <a:buNone/>
-              <a:defRPr sz="1600"/>
+              <a:defRPr sz="640"/>
             </a:lvl1pPr>
-            <a:lvl2pPr marL="457200" indent="0">
-              <a:buNone/>
-              <a:defRPr sz="1400"/>
+            <a:lvl2pPr marL="182880" indent="0">
+              <a:buNone/>
+              <a:defRPr sz="560"/>
             </a:lvl2pPr>
-            <a:lvl3pPr marL="914400" indent="0">
-              <a:buNone/>
-              <a:defRPr sz="1200"/>
+            <a:lvl3pPr marL="365760" indent="0">
+              <a:buNone/>
+              <a:defRPr sz="480"/>
             </a:lvl3pPr>
-            <a:lvl4pPr marL="1371600" indent="0">
-              <a:buNone/>
-              <a:defRPr sz="1000"/>
+            <a:lvl4pPr marL="548640" indent="0">
+              <a:buNone/>
+              <a:defRPr sz="400"/>
             </a:lvl4pPr>
-            <a:lvl5pPr marL="1828800" indent="0">
-              <a:buNone/>
-              <a:defRPr sz="1000"/>
+            <a:lvl5pPr marL="731520" indent="0">
+              <a:buNone/>
+              <a:defRPr sz="400"/>
             </a:lvl5pPr>
-            <a:lvl6pPr marL="2286000" indent="0">
-              <a:buNone/>
-              <a:defRPr sz="1000"/>
+            <a:lvl6pPr marL="914400" indent="0">
+              <a:buNone/>
+              <a:defRPr sz="400"/>
             </a:lvl6pPr>
-            <a:lvl7pPr marL="2743200" indent="0">
-              <a:buNone/>
-              <a:defRPr sz="1000"/>
+            <a:lvl7pPr marL="1097280" indent="0">
+              <a:buNone/>
+              <a:defRPr sz="400"/>
             </a:lvl7pPr>
-            <a:lvl8pPr marL="3200400" indent="0">
-              <a:buNone/>
-              <a:defRPr sz="1000"/>
+            <a:lvl8pPr marL="1280160" indent="0">
+              <a:buNone/>
+              <a:defRPr sz="400"/>
             </a:lvl8pPr>
-            <a:lvl9pPr marL="3657600" indent="0">
-              <a:buNone/>
-              <a:defRPr sz="1000"/>
+            <a:lvl9pPr marL="1463040" indent="0">
+              <a:buNone/>
+              <a:defRPr sz="400"/>
             </a:lvl9pPr>
           </a:lstStyle>
           <a:p>
@@ -2351,9 +2348,9 @@
           <a:bodyPr/>
           <a:lstStyle/>
           <a:p>
-            <a:fld id="{08FB4423-B689-4126-9E07-8A1EBABC939D}" type="datetimeFigureOut">
+            <a:fld id="{568F182D-5CCD-4052-9931-92819F05CA8B}" type="datetimeFigureOut">
               <a:rPr lang="en-US" smtClean="0"/>
-              <a:t>11/7/2022</a:t>
+              <a:t>11/3/2022</a:t>
             </a:fld>
             <a:endParaRPr lang="en-US"/>
           </a:p>
@@ -2393,7 +2390,7 @@
           <a:bodyPr/>
           <a:lstStyle/>
           <a:p>
-            <a:fld id="{E0048D48-D819-4BA7-97FC-A5B418AE56E4}" type="slidenum">
+            <a:fld id="{CB71CBD7-3BB3-4FBF-8565-E5AB240A50D7}" type="slidenum">
               <a:rPr lang="en-US" smtClean="0"/>
               <a:t>‹#›</a:t>
             </a:fld>
@@ -2404,7 +2401,7 @@
     </p:spTree>
     <p:extLst>
       <p:ext uri="{BB962C8B-B14F-4D97-AF65-F5344CB8AC3E}">
-        <p14:creationId xmlns:p14="http://schemas.microsoft.com/office/powerpoint/2010/main" val="1107266632"/>
+        <p14:creationId xmlns:p14="http://schemas.microsoft.com/office/powerpoint/2010/main" val="892643533"/>
       </p:ext>
     </p:extLst>
   </p:cSld>
@@ -2448,8 +2445,8 @@
         </p:nvSpPr>
         <p:spPr>
           <a:xfrm>
-            <a:off x="628650" y="535519"/>
-            <a:ext cx="7886700" cy="1944159"/>
+            <a:off x="628650" y="146050"/>
+            <a:ext cx="7886700" cy="530225"/>
           </a:xfrm>
           <a:prstGeom prst="rect">
             <a:avLst/>
@@ -2481,8 +2478,8 @@
         </p:nvSpPr>
         <p:spPr>
           <a:xfrm>
-            <a:off x="628650" y="2677584"/>
-            <a:ext cx="7886700" cy="6381962"/>
+            <a:off x="628650" y="730250"/>
+            <a:ext cx="7886700" cy="1740535"/>
           </a:xfrm>
           <a:prstGeom prst="rect">
             <a:avLst/>
@@ -2543,8 +2540,8 @@
         </p:nvSpPr>
         <p:spPr>
           <a:xfrm>
-            <a:off x="628650" y="9322649"/>
-            <a:ext cx="2057400" cy="535517"/>
+            <a:off x="628650" y="2542540"/>
+            <a:ext cx="2057400" cy="146050"/>
           </a:xfrm>
           <a:prstGeom prst="rect">
             <a:avLst/>
@@ -2554,7 +2551,7 @@
           <a:bodyPr vert="horz" lIns="91440" tIns="45720" rIns="91440" bIns="45720" rtlCol="0" anchor="ctr"/>
           <a:lstStyle>
             <a:lvl1pPr algn="l">
-              <a:defRPr sz="1200">
+              <a:defRPr sz="480">
                 <a:solidFill>
                   <a:schemeClr val="tx1">
                     <a:tint val="75000"/>
@@ -2564,9 +2561,9 @@
             </a:lvl1pPr>
           </a:lstStyle>
           <a:p>
-            <a:fld id="{08FB4423-B689-4126-9E07-8A1EBABC939D}" type="datetimeFigureOut">
+            <a:fld id="{568F182D-5CCD-4052-9931-92819F05CA8B}" type="datetimeFigureOut">
               <a:rPr lang="en-US" smtClean="0"/>
-              <a:t>11/7/2022</a:t>
+              <a:t>11/3/2022</a:t>
             </a:fld>
             <a:endParaRPr lang="en-US"/>
           </a:p>
@@ -2584,8 +2581,8 @@
         </p:nvSpPr>
         <p:spPr>
           <a:xfrm>
-            <a:off x="3028950" y="9322649"/>
-            <a:ext cx="3086100" cy="535517"/>
+            <a:off x="3028950" y="2542540"/>
+            <a:ext cx="3086100" cy="146050"/>
           </a:xfrm>
           <a:prstGeom prst="rect">
             <a:avLst/>
@@ -2595,7 +2592,7 @@
           <a:bodyPr vert="horz" lIns="91440" tIns="45720" rIns="91440" bIns="45720" rtlCol="0" anchor="ctr"/>
           <a:lstStyle>
             <a:lvl1pPr algn="ctr">
-              <a:defRPr sz="1200">
+              <a:defRPr sz="480">
                 <a:solidFill>
                   <a:schemeClr val="tx1">
                     <a:tint val="75000"/>
@@ -2621,8 +2618,8 @@
         </p:nvSpPr>
         <p:spPr>
           <a:xfrm>
-            <a:off x="6457950" y="9322649"/>
-            <a:ext cx="2057400" cy="535517"/>
+            <a:off x="6457950" y="2542540"/>
+            <a:ext cx="2057400" cy="146050"/>
           </a:xfrm>
           <a:prstGeom prst="rect">
             <a:avLst/>
@@ -2632,7 +2629,7 @@
           <a:bodyPr vert="horz" lIns="91440" tIns="45720" rIns="91440" bIns="45720" rtlCol="0" anchor="ctr"/>
           <a:lstStyle>
             <a:lvl1pPr algn="r">
-              <a:defRPr sz="1200">
+              <a:defRPr sz="480">
                 <a:solidFill>
                   <a:schemeClr val="tx1">
                     <a:tint val="75000"/>
@@ -2642,7 +2639,7 @@
             </a:lvl1pPr>
           </a:lstStyle>
           <a:p>
-            <a:fld id="{E0048D48-D819-4BA7-97FC-A5B418AE56E4}" type="slidenum">
+            <a:fld id="{CB71CBD7-3BB3-4FBF-8565-E5AB240A50D7}" type="slidenum">
               <a:rPr lang="en-US" smtClean="0"/>
               <a:t>‹#›</a:t>
             </a:fld>
@@ -2653,27 +2650,27 @@
     </p:spTree>
     <p:extLst>
       <p:ext uri="{BB962C8B-B14F-4D97-AF65-F5344CB8AC3E}">
-        <p14:creationId xmlns:p14="http://schemas.microsoft.com/office/powerpoint/2010/main" val="3650529604"/>
+        <p14:creationId xmlns:p14="http://schemas.microsoft.com/office/powerpoint/2010/main" val="3806294313"/>
       </p:ext>
     </p:extLst>
   </p:cSld>
   <p:clrMap bg1="lt1" tx1="dk1" bg2="lt2" tx2="dk2" accent1="accent1" accent2="accent2" accent3="accent3" accent4="accent4" accent5="accent5" accent6="accent6" hlink="hlink" folHlink="folHlink"/>
   <p:sldLayoutIdLst>
-    <p:sldLayoutId id="2147483685" r:id="rId1"/>
-    <p:sldLayoutId id="2147483686" r:id="rId2"/>
-    <p:sldLayoutId id="2147483687" r:id="rId3"/>
-    <p:sldLayoutId id="2147483688" r:id="rId4"/>
-    <p:sldLayoutId id="2147483689" r:id="rId5"/>
-    <p:sldLayoutId id="2147483690" r:id="rId6"/>
-    <p:sldLayoutId id="2147483691" r:id="rId7"/>
-    <p:sldLayoutId id="2147483692" r:id="rId8"/>
-    <p:sldLayoutId id="2147483693" r:id="rId9"/>
-    <p:sldLayoutId id="2147483694" r:id="rId10"/>
-    <p:sldLayoutId id="2147483695" r:id="rId11"/>
+    <p:sldLayoutId id="2147483661" r:id="rId1"/>
+    <p:sldLayoutId id="2147483662" r:id="rId2"/>
+    <p:sldLayoutId id="2147483663" r:id="rId3"/>
+    <p:sldLayoutId id="2147483664" r:id="rId4"/>
+    <p:sldLayoutId id="2147483665" r:id="rId5"/>
+    <p:sldLayoutId id="2147483666" r:id="rId6"/>
+    <p:sldLayoutId id="2147483667" r:id="rId7"/>
+    <p:sldLayoutId id="2147483668" r:id="rId8"/>
+    <p:sldLayoutId id="2147483669" r:id="rId9"/>
+    <p:sldLayoutId id="2147483670" r:id="rId10"/>
+    <p:sldLayoutId id="2147483671" r:id="rId11"/>
   </p:sldLayoutIdLst>
   <p:txStyles>
     <p:titleStyle>
-      <a:lvl1pPr algn="l" defTabSz="914400" rtl="0" eaLnBrk="1" latinLnBrk="0" hangingPunct="1">
+      <a:lvl1pPr algn="l" defTabSz="365760" rtl="0" eaLnBrk="1" latinLnBrk="0" hangingPunct="1">
         <a:lnSpc>
           <a:spcPct val="90000"/>
         </a:lnSpc>
@@ -2681,7 +2678,7 @@
           <a:spcPct val="0"/>
         </a:spcBef>
         <a:buNone/>
-        <a:defRPr sz="4400" kern="1200">
+        <a:defRPr sz="1760" kern="1200">
           <a:solidFill>
             <a:schemeClr val="tx1"/>
           </a:solidFill>
@@ -2692,16 +2689,16 @@
       </a:lvl1pPr>
     </p:titleStyle>
     <p:bodyStyle>
-      <a:lvl1pPr marL="228600" indent="-228600" algn="l" defTabSz="914400" rtl="0" eaLnBrk="1" latinLnBrk="0" hangingPunct="1">
+      <a:lvl1pPr marL="91440" indent="-91440" algn="l" defTabSz="365760" rtl="0" eaLnBrk="1" latinLnBrk="0" hangingPunct="1">
         <a:lnSpc>
           <a:spcPct val="90000"/>
         </a:lnSpc>
         <a:spcBef>
-          <a:spcPts val="1000"/>
+          <a:spcPts val="400"/>
         </a:spcBef>
         <a:buFont typeface="Arial" panose="020B0604020202020204" pitchFamily="34" charset="0"/>
         <a:buChar char="•"/>
-        <a:defRPr sz="2800" kern="1200">
+        <a:defRPr sz="1120" kern="1200">
           <a:solidFill>
             <a:schemeClr val="tx1"/>
           </a:solidFill>
@@ -2710,16 +2707,16 @@
           <a:cs typeface="+mn-cs"/>
         </a:defRPr>
       </a:lvl1pPr>
-      <a:lvl2pPr marL="685800" indent="-228600" algn="l" defTabSz="914400" rtl="0" eaLnBrk="1" latinLnBrk="0" hangingPunct="1">
+      <a:lvl2pPr marL="274320" indent="-91440" algn="l" defTabSz="365760" rtl="0" eaLnBrk="1" latinLnBrk="0" hangingPunct="1">
         <a:lnSpc>
           <a:spcPct val="90000"/>
         </a:lnSpc>
         <a:spcBef>
-          <a:spcPts val="500"/>
+          <a:spcPts val="200"/>
         </a:spcBef>
         <a:buFont typeface="Arial" panose="020B0604020202020204" pitchFamily="34" charset="0"/>
         <a:buChar char="•"/>
-        <a:defRPr sz="2400" kern="1200">
+        <a:defRPr sz="960" kern="1200">
           <a:solidFill>
             <a:schemeClr val="tx1"/>
           </a:solidFill>
@@ -2728,16 +2725,16 @@
           <a:cs typeface="+mn-cs"/>
         </a:defRPr>
       </a:lvl2pPr>
-      <a:lvl3pPr marL="1143000" indent="-228600" algn="l" defTabSz="914400" rtl="0" eaLnBrk="1" latinLnBrk="0" hangingPunct="1">
+      <a:lvl3pPr marL="457200" indent="-91440" algn="l" defTabSz="365760" rtl="0" eaLnBrk="1" latinLnBrk="0" hangingPunct="1">
         <a:lnSpc>
           <a:spcPct val="90000"/>
         </a:lnSpc>
         <a:spcBef>
-          <a:spcPts val="500"/>
+          <a:spcPts val="200"/>
         </a:spcBef>
         <a:buFont typeface="Arial" panose="020B0604020202020204" pitchFamily="34" charset="0"/>
         <a:buChar char="•"/>
-        <a:defRPr sz="2000" kern="1200">
+        <a:defRPr sz="800" kern="1200">
           <a:solidFill>
             <a:schemeClr val="tx1"/>
           </a:solidFill>
@@ -2746,16 +2743,16 @@
           <a:cs typeface="+mn-cs"/>
         </a:defRPr>
       </a:lvl3pPr>
-      <a:lvl4pPr marL="1600200" indent="-228600" algn="l" defTabSz="914400" rtl="0" eaLnBrk="1" latinLnBrk="0" hangingPunct="1">
+      <a:lvl4pPr marL="640080" indent="-91440" algn="l" defTabSz="365760" rtl="0" eaLnBrk="1" latinLnBrk="0" hangingPunct="1">
         <a:lnSpc>
           <a:spcPct val="90000"/>
         </a:lnSpc>
         <a:spcBef>
-          <a:spcPts val="500"/>
+          <a:spcPts val="200"/>
         </a:spcBef>
         <a:buFont typeface="Arial" panose="020B0604020202020204" pitchFamily="34" charset="0"/>
         <a:buChar char="•"/>
-        <a:defRPr sz="1800" kern="1200">
+        <a:defRPr sz="720" kern="1200">
           <a:solidFill>
             <a:schemeClr val="tx1"/>
           </a:solidFill>
@@ -2764,16 +2761,16 @@
           <a:cs typeface="+mn-cs"/>
         </a:defRPr>
       </a:lvl4pPr>
-      <a:lvl5pPr marL="2057400" indent="-228600" algn="l" defTabSz="914400" rtl="0" eaLnBrk="1" latinLnBrk="0" hangingPunct="1">
+      <a:lvl5pPr marL="822960" indent="-91440" algn="l" defTabSz="365760" rtl="0" eaLnBrk="1" latinLnBrk="0" hangingPunct="1">
         <a:lnSpc>
           <a:spcPct val="90000"/>
         </a:lnSpc>
         <a:spcBef>
-          <a:spcPts val="500"/>
+          <a:spcPts val="200"/>
         </a:spcBef>
         <a:buFont typeface="Arial" panose="020B0604020202020204" pitchFamily="34" charset="0"/>
         <a:buChar char="•"/>
-        <a:defRPr sz="1800" kern="1200">
+        <a:defRPr sz="720" kern="1200">
           <a:solidFill>
             <a:schemeClr val="tx1"/>
           </a:solidFill>
@@ -2782,16 +2779,16 @@
           <a:cs typeface="+mn-cs"/>
         </a:defRPr>
       </a:lvl5pPr>
-      <a:lvl6pPr marL="2514600" indent="-228600" algn="l" defTabSz="914400" rtl="0" eaLnBrk="1" latinLnBrk="0" hangingPunct="1">
+      <a:lvl6pPr marL="1005840" indent="-91440" algn="l" defTabSz="365760" rtl="0" eaLnBrk="1" latinLnBrk="0" hangingPunct="1">
         <a:lnSpc>
           <a:spcPct val="90000"/>
         </a:lnSpc>
         <a:spcBef>
-          <a:spcPts val="500"/>
+          <a:spcPts val="200"/>
         </a:spcBef>
         <a:buFont typeface="Arial" panose="020B0604020202020204" pitchFamily="34" charset="0"/>
         <a:buChar char="•"/>
-        <a:defRPr sz="1800" kern="1200">
+        <a:defRPr sz="720" kern="1200">
           <a:solidFill>
             <a:schemeClr val="tx1"/>
           </a:solidFill>
@@ -2800,16 +2797,16 @@
           <a:cs typeface="+mn-cs"/>
         </a:defRPr>
       </a:lvl6pPr>
-      <a:lvl7pPr marL="2971800" indent="-228600" algn="l" defTabSz="914400" rtl="0" eaLnBrk="1" latinLnBrk="0" hangingPunct="1">
+      <a:lvl7pPr marL="1188720" indent="-91440" algn="l" defTabSz="365760" rtl="0" eaLnBrk="1" latinLnBrk="0" hangingPunct="1">
         <a:lnSpc>
           <a:spcPct val="90000"/>
         </a:lnSpc>
         <a:spcBef>
-          <a:spcPts val="500"/>
+          <a:spcPts val="200"/>
         </a:spcBef>
         <a:buFont typeface="Arial" panose="020B0604020202020204" pitchFamily="34" charset="0"/>
         <a:buChar char="•"/>
-        <a:defRPr sz="1800" kern="1200">
+        <a:defRPr sz="720" kern="1200">
           <a:solidFill>
             <a:schemeClr val="tx1"/>
           </a:solidFill>
@@ -2818,16 +2815,16 @@
           <a:cs typeface="+mn-cs"/>
         </a:defRPr>
       </a:lvl7pPr>
-      <a:lvl8pPr marL="3429000" indent="-228600" algn="l" defTabSz="914400" rtl="0" eaLnBrk="1" latinLnBrk="0" hangingPunct="1">
+      <a:lvl8pPr marL="1371600" indent="-91440" algn="l" defTabSz="365760" rtl="0" eaLnBrk="1" latinLnBrk="0" hangingPunct="1">
         <a:lnSpc>
           <a:spcPct val="90000"/>
         </a:lnSpc>
         <a:spcBef>
-          <a:spcPts val="500"/>
+          <a:spcPts val="200"/>
         </a:spcBef>
         <a:buFont typeface="Arial" panose="020B0604020202020204" pitchFamily="34" charset="0"/>
         <a:buChar char="•"/>
-        <a:defRPr sz="1800" kern="1200">
+        <a:defRPr sz="720" kern="1200">
           <a:solidFill>
             <a:schemeClr val="tx1"/>
           </a:solidFill>
@@ -2836,16 +2833,16 @@
           <a:cs typeface="+mn-cs"/>
         </a:defRPr>
       </a:lvl8pPr>
-      <a:lvl9pPr marL="3886200" indent="-228600" algn="l" defTabSz="914400" rtl="0" eaLnBrk="1" latinLnBrk="0" hangingPunct="1">
+      <a:lvl9pPr marL="1554480" indent="-91440" algn="l" defTabSz="365760" rtl="0" eaLnBrk="1" latinLnBrk="0" hangingPunct="1">
         <a:lnSpc>
           <a:spcPct val="90000"/>
         </a:lnSpc>
         <a:spcBef>
-          <a:spcPts val="500"/>
+          <a:spcPts val="200"/>
         </a:spcBef>
         <a:buFont typeface="Arial" panose="020B0604020202020204" pitchFamily="34" charset="0"/>
         <a:buChar char="•"/>
-        <a:defRPr sz="1800" kern="1200">
+        <a:defRPr sz="720" kern="1200">
           <a:solidFill>
             <a:schemeClr val="tx1"/>
           </a:solidFill>
@@ -2859,8 +2856,8 @@
       <a:defPPr>
         <a:defRPr lang="en-US"/>
       </a:defPPr>
-      <a:lvl1pPr marL="0" algn="l" defTabSz="914400" rtl="0" eaLnBrk="1" latinLnBrk="0" hangingPunct="1">
-        <a:defRPr sz="1800" kern="1200">
+      <a:lvl1pPr marL="0" algn="l" defTabSz="365760" rtl="0" eaLnBrk="1" latinLnBrk="0" hangingPunct="1">
+        <a:defRPr sz="720" kern="1200">
           <a:solidFill>
             <a:schemeClr val="tx1"/>
           </a:solidFill>
@@ -2869,8 +2866,8 @@
           <a:cs typeface="+mn-cs"/>
         </a:defRPr>
       </a:lvl1pPr>
-      <a:lvl2pPr marL="457200" algn="l" defTabSz="914400" rtl="0" eaLnBrk="1" latinLnBrk="0" hangingPunct="1">
-        <a:defRPr sz="1800" kern="1200">
+      <a:lvl2pPr marL="182880" algn="l" defTabSz="365760" rtl="0" eaLnBrk="1" latinLnBrk="0" hangingPunct="1">
+        <a:defRPr sz="720" kern="1200">
           <a:solidFill>
             <a:schemeClr val="tx1"/>
           </a:solidFill>
@@ -2879,8 +2876,8 @@
           <a:cs typeface="+mn-cs"/>
         </a:defRPr>
       </a:lvl2pPr>
-      <a:lvl3pPr marL="914400" algn="l" defTabSz="914400" rtl="0" eaLnBrk="1" latinLnBrk="0" hangingPunct="1">
-        <a:defRPr sz="1800" kern="1200">
+      <a:lvl3pPr marL="365760" algn="l" defTabSz="365760" rtl="0" eaLnBrk="1" latinLnBrk="0" hangingPunct="1">
+        <a:defRPr sz="720" kern="1200">
           <a:solidFill>
             <a:schemeClr val="tx1"/>
           </a:solidFill>
@@ -2889,8 +2886,8 @@
           <a:cs typeface="+mn-cs"/>
         </a:defRPr>
       </a:lvl3pPr>
-      <a:lvl4pPr marL="1371600" algn="l" defTabSz="914400" rtl="0" eaLnBrk="1" latinLnBrk="0" hangingPunct="1">
-        <a:defRPr sz="1800" kern="1200">
+      <a:lvl4pPr marL="548640" algn="l" defTabSz="365760" rtl="0" eaLnBrk="1" latinLnBrk="0" hangingPunct="1">
+        <a:defRPr sz="720" kern="1200">
           <a:solidFill>
             <a:schemeClr val="tx1"/>
           </a:solidFill>
@@ -2899,8 +2896,8 @@
           <a:cs typeface="+mn-cs"/>
         </a:defRPr>
       </a:lvl4pPr>
-      <a:lvl5pPr marL="1828800" algn="l" defTabSz="914400" rtl="0" eaLnBrk="1" latinLnBrk="0" hangingPunct="1">
-        <a:defRPr sz="1800" kern="1200">
+      <a:lvl5pPr marL="731520" algn="l" defTabSz="365760" rtl="0" eaLnBrk="1" latinLnBrk="0" hangingPunct="1">
+        <a:defRPr sz="720" kern="1200">
           <a:solidFill>
             <a:schemeClr val="tx1"/>
           </a:solidFill>
@@ -2909,8 +2906,8 @@
           <a:cs typeface="+mn-cs"/>
         </a:defRPr>
       </a:lvl5pPr>
-      <a:lvl6pPr marL="2286000" algn="l" defTabSz="914400" rtl="0" eaLnBrk="1" latinLnBrk="0" hangingPunct="1">
-        <a:defRPr sz="1800" kern="1200">
+      <a:lvl6pPr marL="914400" algn="l" defTabSz="365760" rtl="0" eaLnBrk="1" latinLnBrk="0" hangingPunct="1">
+        <a:defRPr sz="720" kern="1200">
           <a:solidFill>
             <a:schemeClr val="tx1"/>
           </a:solidFill>
@@ -2919,8 +2916,8 @@
           <a:cs typeface="+mn-cs"/>
         </a:defRPr>
       </a:lvl6pPr>
-      <a:lvl7pPr marL="2743200" algn="l" defTabSz="914400" rtl="0" eaLnBrk="1" latinLnBrk="0" hangingPunct="1">
-        <a:defRPr sz="1800" kern="1200">
+      <a:lvl7pPr marL="1097280" algn="l" defTabSz="365760" rtl="0" eaLnBrk="1" latinLnBrk="0" hangingPunct="1">
+        <a:defRPr sz="720" kern="1200">
           <a:solidFill>
             <a:schemeClr val="tx1"/>
           </a:solidFill>
@@ -2929,8 +2926,8 @@
           <a:cs typeface="+mn-cs"/>
         </a:defRPr>
       </a:lvl7pPr>
-      <a:lvl8pPr marL="3200400" algn="l" defTabSz="914400" rtl="0" eaLnBrk="1" latinLnBrk="0" hangingPunct="1">
-        <a:defRPr sz="1800" kern="1200">
+      <a:lvl8pPr marL="1280160" algn="l" defTabSz="365760" rtl="0" eaLnBrk="1" latinLnBrk="0" hangingPunct="1">
+        <a:defRPr sz="720" kern="1200">
           <a:solidFill>
             <a:schemeClr val="tx1"/>
           </a:solidFill>
@@ -2939,8 +2936,8 @@
           <a:cs typeface="+mn-cs"/>
         </a:defRPr>
       </a:lvl8pPr>
-      <a:lvl9pPr marL="3657600" algn="l" defTabSz="914400" rtl="0" eaLnBrk="1" latinLnBrk="0" hangingPunct="1">
-        <a:defRPr sz="1800" kern="1200">
+      <a:lvl9pPr marL="1463040" algn="l" defTabSz="365760" rtl="0" eaLnBrk="1" latinLnBrk="0" hangingPunct="1">
+        <a:defRPr sz="720" kern="1200">
           <a:solidFill>
             <a:schemeClr val="tx1"/>
           </a:solidFill>
@@ -2971,12 +2968,1223 @@
           <a:chExt cx="0" cy="0"/>
         </a:xfrm>
       </p:grpSpPr>
-      <p:sp>
-        <p:nvSpPr>
-          <p:cNvPr id="283" name="TextBox 282">
+      <p:graphicFrame>
+        <p:nvGraphicFramePr>
+          <p:cNvPr id="44" name="Table 43">
             <a:extLst>
               <a:ext uri="{FF2B5EF4-FFF2-40B4-BE49-F238E27FC236}">
-                <a16:creationId xmlns:a16="http://schemas.microsoft.com/office/drawing/2014/main" id="{F49DA689-9020-4EBE-AACC-93DC8A82D965}"/>
+                <a16:creationId xmlns:a16="http://schemas.microsoft.com/office/drawing/2014/main" id="{CDED2C68-837C-4283-8F7B-C14ED2E72543}"/>
+              </a:ext>
+            </a:extLst>
+          </p:cNvPr>
+          <p:cNvGraphicFramePr>
+            <a:graphicFrameLocks noGrp="1"/>
+          </p:cNvGraphicFramePr>
+          <p:nvPr>
+            <p:extLst>
+              <p:ext uri="{D42A27DB-BD31-4B8C-83A1-F6EECF244321}">
+                <p14:modId xmlns:p14="http://schemas.microsoft.com/office/powerpoint/2010/main" val="3985792162"/>
+              </p:ext>
+            </p:extLst>
+          </p:nvPr>
+        </p:nvGraphicFramePr>
+        <p:xfrm>
+          <a:off x="185897" y="258001"/>
+          <a:ext cx="5370288" cy="691122"/>
+        </p:xfrm>
+        <a:graphic>
+          <a:graphicData uri="http://schemas.openxmlformats.org/drawingml/2006/table">
+            <a:tbl>
+              <a:tblPr>
+                <a:tableStyleId>{5C22544A-7EE6-4342-B048-85BDC9FD1C3A}</a:tableStyleId>
+              </a:tblPr>
+              <a:tblGrid>
+                <a:gridCol w="895048">
+                  <a:extLst>
+                    <a:ext uri="{9D8B030D-6E8A-4147-A177-3AD203B41FA5}">
+                      <a16:colId xmlns:a16="http://schemas.microsoft.com/office/drawing/2014/main" val="1761799328"/>
+                    </a:ext>
+                  </a:extLst>
+                </a:gridCol>
+                <a:gridCol w="895048">
+                  <a:extLst>
+                    <a:ext uri="{9D8B030D-6E8A-4147-A177-3AD203B41FA5}">
+                      <a16:colId xmlns:a16="http://schemas.microsoft.com/office/drawing/2014/main" val="527918126"/>
+                    </a:ext>
+                  </a:extLst>
+                </a:gridCol>
+                <a:gridCol w="895048">
+                  <a:extLst>
+                    <a:ext uri="{9D8B030D-6E8A-4147-A177-3AD203B41FA5}">
+                      <a16:colId xmlns:a16="http://schemas.microsoft.com/office/drawing/2014/main" val="2936480633"/>
+                    </a:ext>
+                  </a:extLst>
+                </a:gridCol>
+                <a:gridCol w="895048">
+                  <a:extLst>
+                    <a:ext uri="{9D8B030D-6E8A-4147-A177-3AD203B41FA5}">
+                      <a16:colId xmlns:a16="http://schemas.microsoft.com/office/drawing/2014/main" val="181197089"/>
+                    </a:ext>
+                  </a:extLst>
+                </a:gridCol>
+                <a:gridCol w="895048">
+                  <a:extLst>
+                    <a:ext uri="{9D8B030D-6E8A-4147-A177-3AD203B41FA5}">
+                      <a16:colId xmlns:a16="http://schemas.microsoft.com/office/drawing/2014/main" val="1611114035"/>
+                    </a:ext>
+                  </a:extLst>
+                </a:gridCol>
+                <a:gridCol w="895048">
+                  <a:extLst>
+                    <a:ext uri="{9D8B030D-6E8A-4147-A177-3AD203B41FA5}">
+                      <a16:colId xmlns:a16="http://schemas.microsoft.com/office/drawing/2014/main" val="2500327408"/>
+                    </a:ext>
+                  </a:extLst>
+                </a:gridCol>
+              </a:tblGrid>
+              <a:tr h="691122">
+                <a:tc>
+                  <a:txBody>
+                    <a:bodyPr/>
+                    <a:lstStyle/>
+                    <a:p>
+                      <a:pPr algn="ctr"/>
+                      <a:r>
+                        <a:rPr lang="en-US" sz="1400" dirty="0">
+                          <a:latin typeface="Arial" panose="020B0604020202020204" pitchFamily="34" charset="0"/>
+                          <a:cs typeface="Arial" panose="020B0604020202020204" pitchFamily="34" charset="0"/>
+                        </a:rPr>
+                        <a:t>X Position</a:t>
+                      </a:r>
+                    </a:p>
+                  </a:txBody>
+                  <a:tcPr anchor="ctr">
+                    <a:lnL w="12700" cap="flat" cmpd="sng" algn="ctr">
+                      <a:solidFill>
+                        <a:schemeClr val="tx1"/>
+                      </a:solidFill>
+                      <a:prstDash val="solid"/>
+                      <a:round/>
+                      <a:headEnd type="none" w="med" len="med"/>
+                      <a:tailEnd type="none" w="med" len="med"/>
+                    </a:lnL>
+                    <a:lnR w="12700" cap="flat" cmpd="sng" algn="ctr">
+                      <a:solidFill>
+                        <a:schemeClr val="tx1"/>
+                      </a:solidFill>
+                      <a:prstDash val="solid"/>
+                      <a:round/>
+                      <a:headEnd type="none" w="med" len="med"/>
+                      <a:tailEnd type="none" w="med" len="med"/>
+                    </a:lnR>
+                    <a:lnT w="12700" cap="flat" cmpd="sng" algn="ctr">
+                      <a:solidFill>
+                        <a:schemeClr val="tx1"/>
+                      </a:solidFill>
+                      <a:prstDash val="solid"/>
+                      <a:round/>
+                      <a:headEnd type="none" w="med" len="med"/>
+                      <a:tailEnd type="none" w="med" len="med"/>
+                    </a:lnT>
+                    <a:lnB w="12700" cap="flat" cmpd="sng" algn="ctr">
+                      <a:solidFill>
+                        <a:schemeClr val="tx1"/>
+                      </a:solidFill>
+                      <a:prstDash val="solid"/>
+                      <a:round/>
+                      <a:headEnd type="none" w="med" len="med"/>
+                      <a:tailEnd type="none" w="med" len="med"/>
+                    </a:lnB>
+                    <a:lnTlToBr w="12700" cmpd="sng">
+                      <a:noFill/>
+                      <a:prstDash val="solid"/>
+                    </a:lnTlToBr>
+                    <a:lnBlToTr w="12700" cmpd="sng">
+                      <a:noFill/>
+                      <a:prstDash val="solid"/>
+                    </a:lnBlToTr>
+                    <a:solidFill>
+                      <a:schemeClr val="accent2">
+                        <a:lumMod val="20000"/>
+                        <a:lumOff val="80000"/>
+                      </a:schemeClr>
+                    </a:solidFill>
+                  </a:tcPr>
+                </a:tc>
+                <a:tc>
+                  <a:txBody>
+                    <a:bodyPr/>
+                    <a:lstStyle/>
+                    <a:p>
+                      <a:pPr marL="0" marR="0" lvl="0" indent="0" algn="ctr" defTabSz="914400" rtl="0" eaLnBrk="1" fontAlgn="auto" latinLnBrk="0" hangingPunct="1">
+                        <a:lnSpc>
+                          <a:spcPct val="100000"/>
+                        </a:lnSpc>
+                        <a:spcBef>
+                          <a:spcPts val="0"/>
+                        </a:spcBef>
+                        <a:spcAft>
+                          <a:spcPts val="0"/>
+                        </a:spcAft>
+                        <a:buClrTx/>
+                        <a:buSzTx/>
+                        <a:buFontTx/>
+                        <a:buNone/>
+                        <a:tabLst/>
+                        <a:defRPr/>
+                      </a:pPr>
+                      <a:r>
+                        <a:rPr lang="en-US" sz="1400" dirty="0">
+                          <a:latin typeface="Arial" panose="020B0604020202020204" pitchFamily="34" charset="0"/>
+                          <a:cs typeface="Arial" panose="020B0604020202020204" pitchFamily="34" charset="0"/>
+                        </a:rPr>
+                        <a:t>Y Position</a:t>
+                      </a:r>
+                    </a:p>
+                  </a:txBody>
+                  <a:tcPr anchor="ctr">
+                    <a:lnL w="12700" cap="flat" cmpd="sng" algn="ctr">
+                      <a:solidFill>
+                        <a:schemeClr val="tx1"/>
+                      </a:solidFill>
+                      <a:prstDash val="solid"/>
+                      <a:round/>
+                      <a:headEnd type="none" w="med" len="med"/>
+                      <a:tailEnd type="none" w="med" len="med"/>
+                    </a:lnL>
+                    <a:lnR w="12700" cap="flat" cmpd="sng" algn="ctr">
+                      <a:solidFill>
+                        <a:schemeClr val="tx1"/>
+                      </a:solidFill>
+                      <a:prstDash val="solid"/>
+                      <a:round/>
+                      <a:headEnd type="none" w="med" len="med"/>
+                      <a:tailEnd type="none" w="med" len="med"/>
+                    </a:lnR>
+                    <a:lnT w="12700" cap="flat" cmpd="sng" algn="ctr">
+                      <a:solidFill>
+                        <a:schemeClr val="tx1"/>
+                      </a:solidFill>
+                      <a:prstDash val="solid"/>
+                      <a:round/>
+                      <a:headEnd type="none" w="med" len="med"/>
+                      <a:tailEnd type="none" w="med" len="med"/>
+                    </a:lnT>
+                    <a:lnB w="12700" cap="flat" cmpd="sng" algn="ctr">
+                      <a:solidFill>
+                        <a:schemeClr val="tx1"/>
+                      </a:solidFill>
+                      <a:prstDash val="solid"/>
+                      <a:round/>
+                      <a:headEnd type="none" w="med" len="med"/>
+                      <a:tailEnd type="none" w="med" len="med"/>
+                    </a:lnB>
+                    <a:lnTlToBr w="12700" cmpd="sng">
+                      <a:noFill/>
+                      <a:prstDash val="solid"/>
+                    </a:lnTlToBr>
+                    <a:lnBlToTr w="12700" cmpd="sng">
+                      <a:noFill/>
+                      <a:prstDash val="solid"/>
+                    </a:lnBlToTr>
+                    <a:solidFill>
+                      <a:schemeClr val="accent2">
+                        <a:lumMod val="40000"/>
+                        <a:lumOff val="60000"/>
+                      </a:schemeClr>
+                    </a:solidFill>
+                  </a:tcPr>
+                </a:tc>
+                <a:tc>
+                  <a:txBody>
+                    <a:bodyPr/>
+                    <a:lstStyle/>
+                    <a:p>
+                      <a:pPr algn="ctr"/>
+                      <a:r>
+                        <a:rPr lang="en-US" sz="1400" dirty="0">
+                          <a:latin typeface="Arial" panose="020B0604020202020204" pitchFamily="34" charset="0"/>
+                          <a:cs typeface="Arial" panose="020B0604020202020204" pitchFamily="34" charset="0"/>
+                        </a:rPr>
+                        <a:t>Direction</a:t>
+                      </a:r>
+                    </a:p>
+                  </a:txBody>
+                  <a:tcPr anchor="ctr">
+                    <a:lnL w="12700" cap="flat" cmpd="sng" algn="ctr">
+                      <a:solidFill>
+                        <a:schemeClr val="tx1"/>
+                      </a:solidFill>
+                      <a:prstDash val="solid"/>
+                      <a:round/>
+                      <a:headEnd type="none" w="med" len="med"/>
+                      <a:tailEnd type="none" w="med" len="med"/>
+                    </a:lnL>
+                    <a:lnR w="12700" cap="flat" cmpd="sng" algn="ctr">
+                      <a:solidFill>
+                        <a:schemeClr val="tx1"/>
+                      </a:solidFill>
+                      <a:prstDash val="solid"/>
+                      <a:round/>
+                      <a:headEnd type="none" w="med" len="med"/>
+                      <a:tailEnd type="none" w="med" len="med"/>
+                    </a:lnR>
+                    <a:lnT w="12700" cap="flat" cmpd="sng" algn="ctr">
+                      <a:solidFill>
+                        <a:schemeClr val="tx1"/>
+                      </a:solidFill>
+                      <a:prstDash val="solid"/>
+                      <a:round/>
+                      <a:headEnd type="none" w="med" len="med"/>
+                      <a:tailEnd type="none" w="med" len="med"/>
+                    </a:lnT>
+                    <a:lnB w="12700" cap="flat" cmpd="sng" algn="ctr">
+                      <a:solidFill>
+                        <a:schemeClr val="tx1"/>
+                      </a:solidFill>
+                      <a:prstDash val="solid"/>
+                      <a:round/>
+                      <a:headEnd type="none" w="med" len="med"/>
+                      <a:tailEnd type="none" w="med" len="med"/>
+                    </a:lnB>
+                    <a:lnTlToBr w="12700" cmpd="sng">
+                      <a:noFill/>
+                      <a:prstDash val="solid"/>
+                    </a:lnTlToBr>
+                    <a:lnBlToTr w="12700" cmpd="sng">
+                      <a:noFill/>
+                      <a:prstDash val="solid"/>
+                    </a:lnBlToTr>
+                    <a:solidFill>
+                      <a:schemeClr val="accent2">
+                        <a:lumMod val="60000"/>
+                        <a:lumOff val="40000"/>
+                      </a:schemeClr>
+                    </a:solidFill>
+                  </a:tcPr>
+                </a:tc>
+                <a:tc>
+                  <a:txBody>
+                    <a:bodyPr/>
+                    <a:lstStyle/>
+                    <a:p>
+                      <a:pPr algn="ctr"/>
+                      <a:r>
+                        <a:rPr lang="en-US" sz="1400" dirty="0">
+                          <a:latin typeface="Arial" panose="020B0604020202020204" pitchFamily="34" charset="0"/>
+                          <a:cs typeface="Arial" panose="020B0604020202020204" pitchFamily="34" charset="0"/>
+                        </a:rPr>
+                        <a:t>X Position</a:t>
+                      </a:r>
+                    </a:p>
+                  </a:txBody>
+                  <a:tcPr anchor="ctr">
+                    <a:lnL w="12700" cap="flat" cmpd="sng" algn="ctr">
+                      <a:solidFill>
+                        <a:schemeClr val="tx1"/>
+                      </a:solidFill>
+                      <a:prstDash val="solid"/>
+                      <a:round/>
+                      <a:headEnd type="none" w="med" len="med"/>
+                      <a:tailEnd type="none" w="med" len="med"/>
+                    </a:lnL>
+                    <a:lnR w="12700" cap="flat" cmpd="sng" algn="ctr">
+                      <a:solidFill>
+                        <a:schemeClr val="tx1"/>
+                      </a:solidFill>
+                      <a:prstDash val="solid"/>
+                      <a:round/>
+                      <a:headEnd type="none" w="med" len="med"/>
+                      <a:tailEnd type="none" w="med" len="med"/>
+                    </a:lnR>
+                    <a:lnT w="12700" cap="flat" cmpd="sng" algn="ctr">
+                      <a:solidFill>
+                        <a:schemeClr val="tx1"/>
+                      </a:solidFill>
+                      <a:prstDash val="solid"/>
+                      <a:round/>
+                      <a:headEnd type="none" w="med" len="med"/>
+                      <a:tailEnd type="none" w="med" len="med"/>
+                    </a:lnT>
+                    <a:lnB w="12700" cap="flat" cmpd="sng" algn="ctr">
+                      <a:solidFill>
+                        <a:schemeClr val="tx1"/>
+                      </a:solidFill>
+                      <a:prstDash val="solid"/>
+                      <a:round/>
+                      <a:headEnd type="none" w="med" len="med"/>
+                      <a:tailEnd type="none" w="med" len="med"/>
+                    </a:lnB>
+                    <a:lnTlToBr w="12700" cmpd="sng">
+                      <a:noFill/>
+                      <a:prstDash val="solid"/>
+                    </a:lnTlToBr>
+                    <a:lnBlToTr w="12700" cmpd="sng">
+                      <a:noFill/>
+                      <a:prstDash val="solid"/>
+                    </a:lnBlToTr>
+                    <a:solidFill>
+                      <a:schemeClr val="accent4">
+                        <a:lumMod val="20000"/>
+                        <a:lumOff val="80000"/>
+                      </a:schemeClr>
+                    </a:solidFill>
+                  </a:tcPr>
+                </a:tc>
+                <a:tc>
+                  <a:txBody>
+                    <a:bodyPr/>
+                    <a:lstStyle/>
+                    <a:p>
+                      <a:pPr marL="0" marR="0" lvl="0" indent="0" algn="ctr" defTabSz="914400" rtl="0" eaLnBrk="1" fontAlgn="auto" latinLnBrk="0" hangingPunct="1">
+                        <a:lnSpc>
+                          <a:spcPct val="100000"/>
+                        </a:lnSpc>
+                        <a:spcBef>
+                          <a:spcPts val="0"/>
+                        </a:spcBef>
+                        <a:spcAft>
+                          <a:spcPts val="0"/>
+                        </a:spcAft>
+                        <a:buClrTx/>
+                        <a:buSzTx/>
+                        <a:buFontTx/>
+                        <a:buNone/>
+                        <a:tabLst/>
+                        <a:defRPr/>
+                      </a:pPr>
+                      <a:r>
+                        <a:rPr lang="en-US" sz="1400" dirty="0">
+                          <a:latin typeface="Arial" panose="020B0604020202020204" pitchFamily="34" charset="0"/>
+                          <a:cs typeface="Arial" panose="020B0604020202020204" pitchFamily="34" charset="0"/>
+                        </a:rPr>
+                        <a:t>Y Position</a:t>
+                      </a:r>
+                    </a:p>
+                  </a:txBody>
+                  <a:tcPr anchor="ctr">
+                    <a:lnL w="12700" cap="flat" cmpd="sng" algn="ctr">
+                      <a:solidFill>
+                        <a:schemeClr val="tx1"/>
+                      </a:solidFill>
+                      <a:prstDash val="solid"/>
+                      <a:round/>
+                      <a:headEnd type="none" w="med" len="med"/>
+                      <a:tailEnd type="none" w="med" len="med"/>
+                    </a:lnL>
+                    <a:lnR w="12700" cap="flat" cmpd="sng" algn="ctr">
+                      <a:solidFill>
+                        <a:schemeClr val="tx1"/>
+                      </a:solidFill>
+                      <a:prstDash val="solid"/>
+                      <a:round/>
+                      <a:headEnd type="none" w="med" len="med"/>
+                      <a:tailEnd type="none" w="med" len="med"/>
+                    </a:lnR>
+                    <a:lnT w="12700" cap="flat" cmpd="sng" algn="ctr">
+                      <a:solidFill>
+                        <a:schemeClr val="tx1"/>
+                      </a:solidFill>
+                      <a:prstDash val="solid"/>
+                      <a:round/>
+                      <a:headEnd type="none" w="med" len="med"/>
+                      <a:tailEnd type="none" w="med" len="med"/>
+                    </a:lnT>
+                    <a:lnB w="12700" cap="flat" cmpd="sng" algn="ctr">
+                      <a:solidFill>
+                        <a:schemeClr val="tx1"/>
+                      </a:solidFill>
+                      <a:prstDash val="solid"/>
+                      <a:round/>
+                      <a:headEnd type="none" w="med" len="med"/>
+                      <a:tailEnd type="none" w="med" len="med"/>
+                    </a:lnB>
+                    <a:lnTlToBr w="12700" cmpd="sng">
+                      <a:noFill/>
+                      <a:prstDash val="solid"/>
+                    </a:lnTlToBr>
+                    <a:lnBlToTr w="12700" cmpd="sng">
+                      <a:noFill/>
+                      <a:prstDash val="solid"/>
+                    </a:lnBlToTr>
+                    <a:solidFill>
+                      <a:schemeClr val="accent4">
+                        <a:lumMod val="40000"/>
+                        <a:lumOff val="60000"/>
+                      </a:schemeClr>
+                    </a:solidFill>
+                  </a:tcPr>
+                </a:tc>
+                <a:tc>
+                  <a:txBody>
+                    <a:bodyPr/>
+                    <a:lstStyle/>
+                    <a:p>
+                      <a:pPr algn="ctr"/>
+                      <a:r>
+                        <a:rPr lang="en-US" sz="1400" dirty="0">
+                          <a:latin typeface="Arial" panose="020B0604020202020204" pitchFamily="34" charset="0"/>
+                          <a:cs typeface="Arial" panose="020B0604020202020204" pitchFamily="34" charset="0"/>
+                        </a:rPr>
+                        <a:t>Direction</a:t>
+                      </a:r>
+                    </a:p>
+                  </a:txBody>
+                  <a:tcPr anchor="ctr">
+                    <a:lnL w="12700" cap="flat" cmpd="sng" algn="ctr">
+                      <a:solidFill>
+                        <a:schemeClr val="tx1"/>
+                      </a:solidFill>
+                      <a:prstDash val="solid"/>
+                      <a:round/>
+                      <a:headEnd type="none" w="med" len="med"/>
+                      <a:tailEnd type="none" w="med" len="med"/>
+                    </a:lnL>
+                    <a:lnR w="12700" cap="flat" cmpd="sng" algn="ctr">
+                      <a:solidFill>
+                        <a:schemeClr val="tx1"/>
+                      </a:solidFill>
+                      <a:prstDash val="solid"/>
+                      <a:round/>
+                      <a:headEnd type="none" w="med" len="med"/>
+                      <a:tailEnd type="none" w="med" len="med"/>
+                    </a:lnR>
+                    <a:lnT w="12700" cap="flat" cmpd="sng" algn="ctr">
+                      <a:solidFill>
+                        <a:schemeClr val="tx1"/>
+                      </a:solidFill>
+                      <a:prstDash val="solid"/>
+                      <a:round/>
+                      <a:headEnd type="none" w="med" len="med"/>
+                      <a:tailEnd type="none" w="med" len="med"/>
+                    </a:lnT>
+                    <a:lnB w="12700" cap="flat" cmpd="sng" algn="ctr">
+                      <a:solidFill>
+                        <a:schemeClr val="tx1"/>
+                      </a:solidFill>
+                      <a:prstDash val="solid"/>
+                      <a:round/>
+                      <a:headEnd type="none" w="med" len="med"/>
+                      <a:tailEnd type="none" w="med" len="med"/>
+                    </a:lnB>
+                    <a:lnTlToBr w="12700" cmpd="sng">
+                      <a:noFill/>
+                      <a:prstDash val="solid"/>
+                    </a:lnTlToBr>
+                    <a:lnBlToTr w="12700" cmpd="sng">
+                      <a:noFill/>
+                      <a:prstDash val="solid"/>
+                    </a:lnBlToTr>
+                    <a:solidFill>
+                      <a:schemeClr val="accent4">
+                        <a:lumMod val="60000"/>
+                        <a:lumOff val="40000"/>
+                      </a:schemeClr>
+                    </a:solidFill>
+                  </a:tcPr>
+                </a:tc>
+                <a:extLst>
+                  <a:ext uri="{0D108BD9-81ED-4DB2-BD59-A6C34878D82A}">
+                    <a16:rowId xmlns:a16="http://schemas.microsoft.com/office/drawing/2014/main" val="1037960574"/>
+                  </a:ext>
+                </a:extLst>
+              </a:tr>
+            </a:tbl>
+          </a:graphicData>
+        </a:graphic>
+      </p:graphicFrame>
+      <p:graphicFrame>
+        <p:nvGraphicFramePr>
+          <p:cNvPr id="45" name="Table 44">
+            <a:extLst>
+              <a:ext uri="{FF2B5EF4-FFF2-40B4-BE49-F238E27FC236}">
+                <a16:creationId xmlns:a16="http://schemas.microsoft.com/office/drawing/2014/main" id="{B0E9D9B5-AB7C-4FE2-A35D-5E58C0726A15}"/>
+              </a:ext>
+            </a:extLst>
+          </p:cNvPr>
+          <p:cNvGraphicFramePr>
+            <a:graphicFrameLocks noGrp="1"/>
+          </p:cNvGraphicFramePr>
+          <p:nvPr>
+            <p:extLst>
+              <p:ext uri="{D42A27DB-BD31-4B8C-83A1-F6EECF244321}">
+                <p14:modId xmlns:p14="http://schemas.microsoft.com/office/powerpoint/2010/main" val="2437750163"/>
+              </p:ext>
+            </p:extLst>
+          </p:nvPr>
+        </p:nvGraphicFramePr>
+        <p:xfrm>
+          <a:off x="6255046" y="266679"/>
+          <a:ext cx="2685144" cy="691122"/>
+        </p:xfrm>
+        <a:graphic>
+          <a:graphicData uri="http://schemas.openxmlformats.org/drawingml/2006/table">
+            <a:tbl>
+              <a:tblPr>
+                <a:tableStyleId>{5C22544A-7EE6-4342-B048-85BDC9FD1C3A}</a:tableStyleId>
+              </a:tblPr>
+              <a:tblGrid>
+                <a:gridCol w="895048">
+                  <a:extLst>
+                    <a:ext uri="{9D8B030D-6E8A-4147-A177-3AD203B41FA5}">
+                      <a16:colId xmlns:a16="http://schemas.microsoft.com/office/drawing/2014/main" val="4031408392"/>
+                    </a:ext>
+                  </a:extLst>
+                </a:gridCol>
+                <a:gridCol w="895048">
+                  <a:extLst>
+                    <a:ext uri="{9D8B030D-6E8A-4147-A177-3AD203B41FA5}">
+                      <a16:colId xmlns:a16="http://schemas.microsoft.com/office/drawing/2014/main" val="1946811807"/>
+                    </a:ext>
+                  </a:extLst>
+                </a:gridCol>
+                <a:gridCol w="895048">
+                  <a:extLst>
+                    <a:ext uri="{9D8B030D-6E8A-4147-A177-3AD203B41FA5}">
+                      <a16:colId xmlns:a16="http://schemas.microsoft.com/office/drawing/2014/main" val="1648810522"/>
+                    </a:ext>
+                  </a:extLst>
+                </a:gridCol>
+              </a:tblGrid>
+              <a:tr h="691122">
+                <a:tc>
+                  <a:txBody>
+                    <a:bodyPr/>
+                    <a:lstStyle/>
+                    <a:p>
+                      <a:pPr algn="ctr"/>
+                      <a:r>
+                        <a:rPr lang="en-US" sz="1400" dirty="0">
+                          <a:latin typeface="Arial" panose="020B0604020202020204" pitchFamily="34" charset="0"/>
+                          <a:cs typeface="Arial" panose="020B0604020202020204" pitchFamily="34" charset="0"/>
+                        </a:rPr>
+                        <a:t>X Position</a:t>
+                      </a:r>
+                    </a:p>
+                  </a:txBody>
+                  <a:tcPr anchor="ctr">
+                    <a:lnL w="12700" cap="flat" cmpd="sng" algn="ctr">
+                      <a:solidFill>
+                        <a:schemeClr val="tx1"/>
+                      </a:solidFill>
+                      <a:prstDash val="solid"/>
+                      <a:round/>
+                      <a:headEnd type="none" w="med" len="med"/>
+                      <a:tailEnd type="none" w="med" len="med"/>
+                    </a:lnL>
+                    <a:lnR w="12700" cap="flat" cmpd="sng" algn="ctr">
+                      <a:solidFill>
+                        <a:schemeClr val="tx1"/>
+                      </a:solidFill>
+                      <a:prstDash val="solid"/>
+                      <a:round/>
+                      <a:headEnd type="none" w="med" len="med"/>
+                      <a:tailEnd type="none" w="med" len="med"/>
+                    </a:lnR>
+                    <a:lnT w="12700" cap="flat" cmpd="sng" algn="ctr">
+                      <a:solidFill>
+                        <a:schemeClr val="tx1"/>
+                      </a:solidFill>
+                      <a:prstDash val="solid"/>
+                      <a:round/>
+                      <a:headEnd type="none" w="med" len="med"/>
+                      <a:tailEnd type="none" w="med" len="med"/>
+                    </a:lnT>
+                    <a:lnB w="12700" cap="flat" cmpd="sng" algn="ctr">
+                      <a:solidFill>
+                        <a:schemeClr val="tx1"/>
+                      </a:solidFill>
+                      <a:prstDash val="solid"/>
+                      <a:round/>
+                      <a:headEnd type="none" w="med" len="med"/>
+                      <a:tailEnd type="none" w="med" len="med"/>
+                    </a:lnB>
+                    <a:lnTlToBr w="12700" cmpd="sng">
+                      <a:noFill/>
+                      <a:prstDash val="solid"/>
+                    </a:lnTlToBr>
+                    <a:lnBlToTr w="12700" cmpd="sng">
+                      <a:noFill/>
+                      <a:prstDash val="solid"/>
+                    </a:lnBlToTr>
+                    <a:solidFill>
+                      <a:schemeClr val="accent1">
+                        <a:lumMod val="20000"/>
+                        <a:lumOff val="80000"/>
+                      </a:schemeClr>
+                    </a:solidFill>
+                  </a:tcPr>
+                </a:tc>
+                <a:tc>
+                  <a:txBody>
+                    <a:bodyPr/>
+                    <a:lstStyle/>
+                    <a:p>
+                      <a:pPr marL="0" marR="0" lvl="0" indent="0" algn="ctr" defTabSz="914400" rtl="0" eaLnBrk="1" fontAlgn="auto" latinLnBrk="0" hangingPunct="1">
+                        <a:lnSpc>
+                          <a:spcPct val="100000"/>
+                        </a:lnSpc>
+                        <a:spcBef>
+                          <a:spcPts val="0"/>
+                        </a:spcBef>
+                        <a:spcAft>
+                          <a:spcPts val="0"/>
+                        </a:spcAft>
+                        <a:buClrTx/>
+                        <a:buSzTx/>
+                        <a:buFontTx/>
+                        <a:buNone/>
+                        <a:tabLst/>
+                        <a:defRPr/>
+                      </a:pPr>
+                      <a:r>
+                        <a:rPr lang="en-US" sz="1400" dirty="0">
+                          <a:latin typeface="Arial" panose="020B0604020202020204" pitchFamily="34" charset="0"/>
+                          <a:cs typeface="Arial" panose="020B0604020202020204" pitchFamily="34" charset="0"/>
+                        </a:rPr>
+                        <a:t>Y Position</a:t>
+                      </a:r>
+                    </a:p>
+                  </a:txBody>
+                  <a:tcPr anchor="ctr">
+                    <a:lnL w="12700" cap="flat" cmpd="sng" algn="ctr">
+                      <a:solidFill>
+                        <a:schemeClr val="tx1"/>
+                      </a:solidFill>
+                      <a:prstDash val="solid"/>
+                      <a:round/>
+                      <a:headEnd type="none" w="med" len="med"/>
+                      <a:tailEnd type="none" w="med" len="med"/>
+                    </a:lnL>
+                    <a:lnR w="12700" cap="flat" cmpd="sng" algn="ctr">
+                      <a:solidFill>
+                        <a:schemeClr val="tx1"/>
+                      </a:solidFill>
+                      <a:prstDash val="solid"/>
+                      <a:round/>
+                      <a:headEnd type="none" w="med" len="med"/>
+                      <a:tailEnd type="none" w="med" len="med"/>
+                    </a:lnR>
+                    <a:lnT w="12700" cap="flat" cmpd="sng" algn="ctr">
+                      <a:solidFill>
+                        <a:schemeClr val="tx1"/>
+                      </a:solidFill>
+                      <a:prstDash val="solid"/>
+                      <a:round/>
+                      <a:headEnd type="none" w="med" len="med"/>
+                      <a:tailEnd type="none" w="med" len="med"/>
+                    </a:lnT>
+                    <a:lnB w="12700" cap="flat" cmpd="sng" algn="ctr">
+                      <a:solidFill>
+                        <a:schemeClr val="tx1"/>
+                      </a:solidFill>
+                      <a:prstDash val="solid"/>
+                      <a:round/>
+                      <a:headEnd type="none" w="med" len="med"/>
+                      <a:tailEnd type="none" w="med" len="med"/>
+                    </a:lnB>
+                    <a:lnTlToBr w="12700" cmpd="sng">
+                      <a:noFill/>
+                      <a:prstDash val="solid"/>
+                    </a:lnTlToBr>
+                    <a:lnBlToTr w="12700" cmpd="sng">
+                      <a:noFill/>
+                      <a:prstDash val="solid"/>
+                    </a:lnBlToTr>
+                    <a:solidFill>
+                      <a:schemeClr val="accent1">
+                        <a:lumMod val="40000"/>
+                        <a:lumOff val="60000"/>
+                      </a:schemeClr>
+                    </a:solidFill>
+                  </a:tcPr>
+                </a:tc>
+                <a:tc>
+                  <a:txBody>
+                    <a:bodyPr/>
+                    <a:lstStyle/>
+                    <a:p>
+                      <a:pPr algn="ctr"/>
+                      <a:r>
+                        <a:rPr lang="en-US" sz="1400" dirty="0">
+                          <a:latin typeface="Arial" panose="020B0604020202020204" pitchFamily="34" charset="0"/>
+                          <a:cs typeface="Arial" panose="020B0604020202020204" pitchFamily="34" charset="0"/>
+                        </a:rPr>
+                        <a:t>Direction</a:t>
+                      </a:r>
+                    </a:p>
+                  </a:txBody>
+                  <a:tcPr anchor="ctr">
+                    <a:lnL w="12700" cap="flat" cmpd="sng" algn="ctr">
+                      <a:solidFill>
+                        <a:schemeClr val="tx1"/>
+                      </a:solidFill>
+                      <a:prstDash val="solid"/>
+                      <a:round/>
+                      <a:headEnd type="none" w="med" len="med"/>
+                      <a:tailEnd type="none" w="med" len="med"/>
+                    </a:lnL>
+                    <a:lnR w="12700" cap="flat" cmpd="sng" algn="ctr">
+                      <a:solidFill>
+                        <a:schemeClr val="tx1"/>
+                      </a:solidFill>
+                      <a:prstDash val="solid"/>
+                      <a:round/>
+                      <a:headEnd type="none" w="med" len="med"/>
+                      <a:tailEnd type="none" w="med" len="med"/>
+                    </a:lnR>
+                    <a:lnT w="12700" cap="flat" cmpd="sng" algn="ctr">
+                      <a:solidFill>
+                        <a:schemeClr val="tx1"/>
+                      </a:solidFill>
+                      <a:prstDash val="solid"/>
+                      <a:round/>
+                      <a:headEnd type="none" w="med" len="med"/>
+                      <a:tailEnd type="none" w="med" len="med"/>
+                    </a:lnT>
+                    <a:lnB w="12700" cap="flat" cmpd="sng" algn="ctr">
+                      <a:solidFill>
+                        <a:schemeClr val="tx1"/>
+                      </a:solidFill>
+                      <a:prstDash val="solid"/>
+                      <a:round/>
+                      <a:headEnd type="none" w="med" len="med"/>
+                      <a:tailEnd type="none" w="med" len="med"/>
+                    </a:lnB>
+                    <a:lnTlToBr w="12700" cmpd="sng">
+                      <a:noFill/>
+                      <a:prstDash val="solid"/>
+                    </a:lnTlToBr>
+                    <a:lnBlToTr w="12700" cmpd="sng">
+                      <a:noFill/>
+                      <a:prstDash val="solid"/>
+                    </a:lnBlToTr>
+                    <a:solidFill>
+                      <a:schemeClr val="accent1">
+                        <a:lumMod val="60000"/>
+                        <a:lumOff val="40000"/>
+                      </a:schemeClr>
+                    </a:solidFill>
+                  </a:tcPr>
+                </a:tc>
+                <a:extLst>
+                  <a:ext uri="{0D108BD9-81ED-4DB2-BD59-A6C34878D82A}">
+                    <a16:rowId xmlns:a16="http://schemas.microsoft.com/office/drawing/2014/main" val="912868632"/>
+                  </a:ext>
+                </a:extLst>
+              </a:tr>
+            </a:tbl>
+          </a:graphicData>
+        </a:graphic>
+      </p:graphicFrame>
+      <p:grpSp>
+        <p:nvGrpSpPr>
+          <p:cNvPr id="46" name="Group 45">
+            <a:extLst>
+              <a:ext uri="{FF2B5EF4-FFF2-40B4-BE49-F238E27FC236}">
+                <a16:creationId xmlns:a16="http://schemas.microsoft.com/office/drawing/2014/main" id="{8220910A-F2C5-44D4-A7D4-FD13851261EF}"/>
+              </a:ext>
+            </a:extLst>
+          </p:cNvPr>
+          <p:cNvGrpSpPr/>
+          <p:nvPr/>
+        </p:nvGrpSpPr>
+        <p:grpSpPr>
+          <a:xfrm>
+            <a:off x="185897" y="1062334"/>
+            <a:ext cx="2685144" cy="235132"/>
+            <a:chOff x="847634" y="2142308"/>
+            <a:chExt cx="2685144" cy="235132"/>
+          </a:xfrm>
+        </p:grpSpPr>
+        <p:cxnSp>
+          <p:nvCxnSpPr>
+            <p:cNvPr id="47" name="Straight Connector 46">
+              <a:extLst>
+                <a:ext uri="{FF2B5EF4-FFF2-40B4-BE49-F238E27FC236}">
+                  <a16:creationId xmlns:a16="http://schemas.microsoft.com/office/drawing/2014/main" id="{8D7CB926-D6B9-4A3E-97B6-FC34D3985990}"/>
+                </a:ext>
+              </a:extLst>
+            </p:cNvPr>
+            <p:cNvCxnSpPr/>
+            <p:nvPr/>
+          </p:nvCxnSpPr>
+          <p:spPr>
+            <a:xfrm>
+              <a:off x="847634" y="2142309"/>
+              <a:ext cx="0" cy="235131"/>
+            </a:xfrm>
+            <a:prstGeom prst="line">
+              <a:avLst/>
+            </a:prstGeom>
+            <a:ln w="12700"/>
+          </p:spPr>
+          <p:style>
+            <a:lnRef idx="1">
+              <a:schemeClr val="dk1"/>
+            </a:lnRef>
+            <a:fillRef idx="0">
+              <a:schemeClr val="dk1"/>
+            </a:fillRef>
+            <a:effectRef idx="0">
+              <a:schemeClr val="dk1"/>
+            </a:effectRef>
+            <a:fontRef idx="minor">
+              <a:schemeClr val="tx1"/>
+            </a:fontRef>
+          </p:style>
+        </p:cxnSp>
+        <p:cxnSp>
+          <p:nvCxnSpPr>
+            <p:cNvPr id="48" name="Straight Connector 47">
+              <a:extLst>
+                <a:ext uri="{FF2B5EF4-FFF2-40B4-BE49-F238E27FC236}">
+                  <a16:creationId xmlns:a16="http://schemas.microsoft.com/office/drawing/2014/main" id="{BDCA95B5-0955-4D99-BF0F-F16E15C05647}"/>
+                </a:ext>
+              </a:extLst>
+            </p:cNvPr>
+            <p:cNvCxnSpPr/>
+            <p:nvPr/>
+          </p:nvCxnSpPr>
+          <p:spPr>
+            <a:xfrm>
+              <a:off x="3532778" y="2142308"/>
+              <a:ext cx="0" cy="235131"/>
+            </a:xfrm>
+            <a:prstGeom prst="line">
+              <a:avLst/>
+            </a:prstGeom>
+            <a:ln w="12700"/>
+          </p:spPr>
+          <p:style>
+            <a:lnRef idx="1">
+              <a:schemeClr val="dk1"/>
+            </a:lnRef>
+            <a:fillRef idx="0">
+              <a:schemeClr val="dk1"/>
+            </a:fillRef>
+            <a:effectRef idx="0">
+              <a:schemeClr val="dk1"/>
+            </a:effectRef>
+            <a:fontRef idx="minor">
+              <a:schemeClr val="tx1"/>
+            </a:fontRef>
+          </p:style>
+        </p:cxnSp>
+        <p:cxnSp>
+          <p:nvCxnSpPr>
+            <p:cNvPr id="49" name="Straight Connector 48">
+              <a:extLst>
+                <a:ext uri="{FF2B5EF4-FFF2-40B4-BE49-F238E27FC236}">
+                  <a16:creationId xmlns:a16="http://schemas.microsoft.com/office/drawing/2014/main" id="{7F48A64B-C3FB-4121-A08C-F51D2E3D7EC7}"/>
+                </a:ext>
+              </a:extLst>
+            </p:cNvPr>
+            <p:cNvCxnSpPr>
+              <a:cxnSpLocks/>
+            </p:cNvCxnSpPr>
+            <p:nvPr/>
+          </p:nvCxnSpPr>
+          <p:spPr>
+            <a:xfrm>
+              <a:off x="847634" y="2377439"/>
+              <a:ext cx="2685144" cy="0"/>
+            </a:xfrm>
+            <a:prstGeom prst="line">
+              <a:avLst/>
+            </a:prstGeom>
+            <a:ln w="12700"/>
+          </p:spPr>
+          <p:style>
+            <a:lnRef idx="1">
+              <a:schemeClr val="dk1"/>
+            </a:lnRef>
+            <a:fillRef idx="0">
+              <a:schemeClr val="dk1"/>
+            </a:fillRef>
+            <a:effectRef idx="0">
+              <a:schemeClr val="dk1"/>
+            </a:effectRef>
+            <a:fontRef idx="minor">
+              <a:schemeClr val="tx1"/>
+            </a:fontRef>
+          </p:style>
+        </p:cxnSp>
+      </p:grpSp>
+      <p:grpSp>
+        <p:nvGrpSpPr>
+          <p:cNvPr id="50" name="Group 49">
+            <a:extLst>
+              <a:ext uri="{FF2B5EF4-FFF2-40B4-BE49-F238E27FC236}">
+                <a16:creationId xmlns:a16="http://schemas.microsoft.com/office/drawing/2014/main" id="{042B6CE9-4819-4752-8437-4916D1F71D3B}"/>
+              </a:ext>
+            </a:extLst>
+          </p:cNvPr>
+          <p:cNvGrpSpPr/>
+          <p:nvPr/>
+        </p:nvGrpSpPr>
+        <p:grpSpPr>
+          <a:xfrm>
+            <a:off x="2871041" y="1062333"/>
+            <a:ext cx="2685144" cy="235132"/>
+            <a:chOff x="847634" y="2142308"/>
+            <a:chExt cx="2685144" cy="235132"/>
+          </a:xfrm>
+        </p:grpSpPr>
+        <p:cxnSp>
+          <p:nvCxnSpPr>
+            <p:cNvPr id="51" name="Straight Connector 50">
+              <a:extLst>
+                <a:ext uri="{FF2B5EF4-FFF2-40B4-BE49-F238E27FC236}">
+                  <a16:creationId xmlns:a16="http://schemas.microsoft.com/office/drawing/2014/main" id="{63D267C6-3A96-4C06-A9ED-2A5C6B5BCCB4}"/>
+                </a:ext>
+              </a:extLst>
+            </p:cNvPr>
+            <p:cNvCxnSpPr/>
+            <p:nvPr/>
+          </p:nvCxnSpPr>
+          <p:spPr>
+            <a:xfrm>
+              <a:off x="847634" y="2142309"/>
+              <a:ext cx="0" cy="235131"/>
+            </a:xfrm>
+            <a:prstGeom prst="line">
+              <a:avLst/>
+            </a:prstGeom>
+            <a:ln w="12700"/>
+          </p:spPr>
+          <p:style>
+            <a:lnRef idx="1">
+              <a:schemeClr val="dk1"/>
+            </a:lnRef>
+            <a:fillRef idx="0">
+              <a:schemeClr val="dk1"/>
+            </a:fillRef>
+            <a:effectRef idx="0">
+              <a:schemeClr val="dk1"/>
+            </a:effectRef>
+            <a:fontRef idx="minor">
+              <a:schemeClr val="tx1"/>
+            </a:fontRef>
+          </p:style>
+        </p:cxnSp>
+        <p:cxnSp>
+          <p:nvCxnSpPr>
+            <p:cNvPr id="52" name="Straight Connector 51">
+              <a:extLst>
+                <a:ext uri="{FF2B5EF4-FFF2-40B4-BE49-F238E27FC236}">
+                  <a16:creationId xmlns:a16="http://schemas.microsoft.com/office/drawing/2014/main" id="{474877EB-704A-40DF-B06E-242D79C75E4E}"/>
+                </a:ext>
+              </a:extLst>
+            </p:cNvPr>
+            <p:cNvCxnSpPr/>
+            <p:nvPr/>
+          </p:nvCxnSpPr>
+          <p:spPr>
+            <a:xfrm>
+              <a:off x="3532778" y="2142308"/>
+              <a:ext cx="0" cy="235131"/>
+            </a:xfrm>
+            <a:prstGeom prst="line">
+              <a:avLst/>
+            </a:prstGeom>
+            <a:ln w="12700"/>
+          </p:spPr>
+          <p:style>
+            <a:lnRef idx="1">
+              <a:schemeClr val="dk1"/>
+            </a:lnRef>
+            <a:fillRef idx="0">
+              <a:schemeClr val="dk1"/>
+            </a:fillRef>
+            <a:effectRef idx="0">
+              <a:schemeClr val="dk1"/>
+            </a:effectRef>
+            <a:fontRef idx="minor">
+              <a:schemeClr val="tx1"/>
+            </a:fontRef>
+          </p:style>
+        </p:cxnSp>
+        <p:cxnSp>
+          <p:nvCxnSpPr>
+            <p:cNvPr id="53" name="Straight Connector 52">
+              <a:extLst>
+                <a:ext uri="{FF2B5EF4-FFF2-40B4-BE49-F238E27FC236}">
+                  <a16:creationId xmlns:a16="http://schemas.microsoft.com/office/drawing/2014/main" id="{5062654D-D027-491A-A104-70E0C2B06C38}"/>
+                </a:ext>
+              </a:extLst>
+            </p:cNvPr>
+            <p:cNvCxnSpPr>
+              <a:cxnSpLocks/>
+            </p:cNvCxnSpPr>
+            <p:nvPr/>
+          </p:nvCxnSpPr>
+          <p:spPr>
+            <a:xfrm>
+              <a:off x="847634" y="2377439"/>
+              <a:ext cx="2685144" cy="0"/>
+            </a:xfrm>
+            <a:prstGeom prst="line">
+              <a:avLst/>
+            </a:prstGeom>
+            <a:ln w="12700"/>
+          </p:spPr>
+          <p:style>
+            <a:lnRef idx="1">
+              <a:schemeClr val="dk1"/>
+            </a:lnRef>
+            <a:fillRef idx="0">
+              <a:schemeClr val="dk1"/>
+            </a:fillRef>
+            <a:effectRef idx="0">
+              <a:schemeClr val="dk1"/>
+            </a:effectRef>
+            <a:fontRef idx="minor">
+              <a:schemeClr val="tx1"/>
+            </a:fontRef>
+          </p:style>
+        </p:cxnSp>
+      </p:grpSp>
+      <p:grpSp>
+        <p:nvGrpSpPr>
+          <p:cNvPr id="54" name="Group 53">
+            <a:extLst>
+              <a:ext uri="{FF2B5EF4-FFF2-40B4-BE49-F238E27FC236}">
+                <a16:creationId xmlns:a16="http://schemas.microsoft.com/office/drawing/2014/main" id="{55116D1E-78AF-4C73-90EF-34B49A77CED7}"/>
+              </a:ext>
+            </a:extLst>
+          </p:cNvPr>
+          <p:cNvGrpSpPr/>
+          <p:nvPr/>
+        </p:nvGrpSpPr>
+        <p:grpSpPr>
+          <a:xfrm>
+            <a:off x="6255046" y="1062332"/>
+            <a:ext cx="2685144" cy="235132"/>
+            <a:chOff x="847634" y="2142308"/>
+            <a:chExt cx="2685144" cy="235132"/>
+          </a:xfrm>
+        </p:grpSpPr>
+        <p:cxnSp>
+          <p:nvCxnSpPr>
+            <p:cNvPr id="55" name="Straight Connector 54">
+              <a:extLst>
+                <a:ext uri="{FF2B5EF4-FFF2-40B4-BE49-F238E27FC236}">
+                  <a16:creationId xmlns:a16="http://schemas.microsoft.com/office/drawing/2014/main" id="{A4B73523-9E59-482E-BC35-62C54CF2F5D5}"/>
+                </a:ext>
+              </a:extLst>
+            </p:cNvPr>
+            <p:cNvCxnSpPr/>
+            <p:nvPr/>
+          </p:nvCxnSpPr>
+          <p:spPr>
+            <a:xfrm>
+              <a:off x="847634" y="2142309"/>
+              <a:ext cx="0" cy="235131"/>
+            </a:xfrm>
+            <a:prstGeom prst="line">
+              <a:avLst/>
+            </a:prstGeom>
+            <a:ln w="12700"/>
+          </p:spPr>
+          <p:style>
+            <a:lnRef idx="1">
+              <a:schemeClr val="dk1"/>
+            </a:lnRef>
+            <a:fillRef idx="0">
+              <a:schemeClr val="dk1"/>
+            </a:fillRef>
+            <a:effectRef idx="0">
+              <a:schemeClr val="dk1"/>
+            </a:effectRef>
+            <a:fontRef idx="minor">
+              <a:schemeClr val="tx1"/>
+            </a:fontRef>
+          </p:style>
+        </p:cxnSp>
+        <p:cxnSp>
+          <p:nvCxnSpPr>
+            <p:cNvPr id="56" name="Straight Connector 55">
+              <a:extLst>
+                <a:ext uri="{FF2B5EF4-FFF2-40B4-BE49-F238E27FC236}">
+                  <a16:creationId xmlns:a16="http://schemas.microsoft.com/office/drawing/2014/main" id="{25407987-4C81-4073-BF8E-877030EABA76}"/>
+                </a:ext>
+              </a:extLst>
+            </p:cNvPr>
+            <p:cNvCxnSpPr/>
+            <p:nvPr/>
+          </p:nvCxnSpPr>
+          <p:spPr>
+            <a:xfrm>
+              <a:off x="3532778" y="2142308"/>
+              <a:ext cx="0" cy="235131"/>
+            </a:xfrm>
+            <a:prstGeom prst="line">
+              <a:avLst/>
+            </a:prstGeom>
+            <a:ln w="12700"/>
+          </p:spPr>
+          <p:style>
+            <a:lnRef idx="1">
+              <a:schemeClr val="dk1"/>
+            </a:lnRef>
+            <a:fillRef idx="0">
+              <a:schemeClr val="dk1"/>
+            </a:fillRef>
+            <a:effectRef idx="0">
+              <a:schemeClr val="dk1"/>
+            </a:effectRef>
+            <a:fontRef idx="minor">
+              <a:schemeClr val="tx1"/>
+            </a:fontRef>
+          </p:style>
+        </p:cxnSp>
+        <p:cxnSp>
+          <p:nvCxnSpPr>
+            <p:cNvPr id="57" name="Straight Connector 56">
+              <a:extLst>
+                <a:ext uri="{FF2B5EF4-FFF2-40B4-BE49-F238E27FC236}">
+                  <a16:creationId xmlns:a16="http://schemas.microsoft.com/office/drawing/2014/main" id="{027C84C7-0E19-4D5E-AC26-8C0D53F5EF82}"/>
+                </a:ext>
+              </a:extLst>
+            </p:cNvPr>
+            <p:cNvCxnSpPr>
+              <a:cxnSpLocks/>
+            </p:cNvCxnSpPr>
+            <p:nvPr/>
+          </p:nvCxnSpPr>
+          <p:spPr>
+            <a:xfrm>
+              <a:off x="847634" y="2377439"/>
+              <a:ext cx="2685144" cy="0"/>
+            </a:xfrm>
+            <a:prstGeom prst="line">
+              <a:avLst/>
+            </a:prstGeom>
+            <a:ln w="12700"/>
+          </p:spPr>
+          <p:style>
+            <a:lnRef idx="1">
+              <a:schemeClr val="dk1"/>
+            </a:lnRef>
+            <a:fillRef idx="0">
+              <a:schemeClr val="dk1"/>
+            </a:fillRef>
+            <a:effectRef idx="0">
+              <a:schemeClr val="dk1"/>
+            </a:effectRef>
+            <a:fontRef idx="minor">
+              <a:schemeClr val="tx1"/>
+            </a:fontRef>
+          </p:style>
+        </p:cxnSp>
+      </p:grpSp>
+      <p:sp>
+        <p:nvSpPr>
+          <p:cNvPr id="58" name="TextBox 57">
+            <a:extLst>
+              <a:ext uri="{FF2B5EF4-FFF2-40B4-BE49-F238E27FC236}">
+                <a16:creationId xmlns:a16="http://schemas.microsoft.com/office/drawing/2014/main" id="{27F2B391-B091-4DCC-8B31-E12C632ACEE4}"/>
               </a:ext>
             </a:extLst>
           </p:cNvPr>
@@ -2985,8 +4193,8 @@
         </p:nvSpPr>
         <p:spPr>
           <a:xfrm>
-            <a:off x="132694" y="3735252"/>
-            <a:ext cx="6307606" cy="369332"/>
+            <a:off x="735989" y="1301763"/>
+            <a:ext cx="1584960" cy="461665"/>
           </a:xfrm>
           <a:prstGeom prst="rect">
             <a:avLst/>
@@ -3001,21 +4209,21 @@
           <a:p>
             <a:pPr algn="ctr"/>
             <a:r>
-              <a:rPr lang="en-US" dirty="0">
+              <a:rPr lang="en-US" sz="2400" dirty="0">
                 <a:latin typeface="Arial" panose="020B0604020202020204" pitchFamily="34" charset="0"/>
                 <a:cs typeface="Arial" panose="020B0604020202020204" pitchFamily="34" charset="0"/>
               </a:rPr>
-              <a:t>(A) Resized 3DBenchy Jobs</a:t>
-            </a:r>
-          </a:p>
-        </p:txBody>
-      </p:sp>
-      <p:sp>
-        <p:nvSpPr>
-          <p:cNvPr id="303" name="TextBox 302">
+              <a:t>Job 1</a:t>
+            </a:r>
+          </a:p>
+        </p:txBody>
+      </p:sp>
+      <p:sp>
+        <p:nvSpPr>
+          <p:cNvPr id="59" name="TextBox 58">
             <a:extLst>
               <a:ext uri="{FF2B5EF4-FFF2-40B4-BE49-F238E27FC236}">
-                <a16:creationId xmlns:a16="http://schemas.microsoft.com/office/drawing/2014/main" id="{2D884C32-68F7-45CF-B403-0976D1A1F52C}"/>
+                <a16:creationId xmlns:a16="http://schemas.microsoft.com/office/drawing/2014/main" id="{97165B4B-68FD-4A9A-9089-7735A572662F}"/>
               </a:ext>
             </a:extLst>
           </p:cNvPr>
@@ -3024,8 +4232,8 @@
         </p:nvSpPr>
         <p:spPr>
           <a:xfrm>
-            <a:off x="258462" y="9231952"/>
-            <a:ext cx="2955664" cy="641989"/>
+            <a:off x="3421133" y="1301763"/>
+            <a:ext cx="1584960" cy="461665"/>
           </a:xfrm>
           <a:prstGeom prst="rect">
             <a:avLst/>
@@ -3040,139 +4248,21 @@
           <a:p>
             <a:pPr algn="ctr"/>
             <a:r>
-              <a:rPr lang="en-US" dirty="0">
+              <a:rPr lang="en-US" sz="2400" dirty="0">
                 <a:latin typeface="Arial" panose="020B0604020202020204" pitchFamily="34" charset="0"/>
                 <a:cs typeface="Arial" panose="020B0604020202020204" pitchFamily="34" charset="0"/>
               </a:rPr>
-              <a:t>(B) Chunk Configuration </a:t>
-            </a:r>
-          </a:p>
-          <a:p>
-            <a:pPr algn="ctr"/>
-            <a:r>
-              <a:rPr lang="en-US" dirty="0">
-                <a:latin typeface="Arial" panose="020B0604020202020204" pitchFamily="34" charset="0"/>
-                <a:cs typeface="Arial" panose="020B0604020202020204" pitchFamily="34" charset="0"/>
-              </a:rPr>
-              <a:t>Job 0</a:t>
-            </a:r>
-          </a:p>
-        </p:txBody>
-      </p:sp>
-      <p:pic>
-        <p:nvPicPr>
-          <p:cNvPr id="3" name="Picture 2">
+              <a:t>Job 2</a:t>
+            </a:r>
+          </a:p>
+        </p:txBody>
+      </p:sp>
+      <p:sp>
+        <p:nvSpPr>
+          <p:cNvPr id="60" name="TextBox 59">
             <a:extLst>
               <a:ext uri="{FF2B5EF4-FFF2-40B4-BE49-F238E27FC236}">
-                <a16:creationId xmlns:a16="http://schemas.microsoft.com/office/drawing/2014/main" id="{CC06C2DC-BF84-4E20-B3E8-4947652CB2BC}"/>
-              </a:ext>
-            </a:extLst>
-          </p:cNvPr>
-          <p:cNvPicPr>
-            <a:picLocks noChangeAspect="1"/>
-          </p:cNvPicPr>
-          <p:nvPr/>
-        </p:nvPicPr>
-        <p:blipFill>
-          <a:blip r:embed="rId2">
-            <a:extLst>
-              <a:ext uri="{28A0092B-C50C-407E-A947-70E740481C1C}">
-                <a14:useLocalDpi xmlns:a14="http://schemas.microsoft.com/office/drawing/2010/main" val="0"/>
-              </a:ext>
-            </a:extLst>
-          </a:blip>
-          <a:stretch>
-            <a:fillRect/>
-          </a:stretch>
-        </p:blipFill>
-        <p:spPr>
-          <a:xfrm>
-            <a:off x="132694" y="77306"/>
-            <a:ext cx="6307606" cy="3713236"/>
-          </a:xfrm>
-          <a:prstGeom prst="rect">
-            <a:avLst/>
-          </a:prstGeom>
-        </p:spPr>
-      </p:pic>
-      <p:pic>
-        <p:nvPicPr>
-          <p:cNvPr id="5" name="Picture 4">
-            <a:extLst>
-              <a:ext uri="{FF2B5EF4-FFF2-40B4-BE49-F238E27FC236}">
-                <a16:creationId xmlns:a16="http://schemas.microsoft.com/office/drawing/2014/main" id="{91B72605-AAAD-494C-B069-2BC48603045B}"/>
-              </a:ext>
-            </a:extLst>
-          </p:cNvPr>
-          <p:cNvPicPr>
-            <a:picLocks noChangeAspect="1"/>
-          </p:cNvPicPr>
-          <p:nvPr/>
-        </p:nvPicPr>
-        <p:blipFill>
-          <a:blip r:embed="rId3">
-            <a:extLst>
-              <a:ext uri="{28A0092B-C50C-407E-A947-70E740481C1C}">
-                <a14:useLocalDpi xmlns:a14="http://schemas.microsoft.com/office/drawing/2010/main" val="0"/>
-              </a:ext>
-            </a:extLst>
-          </a:blip>
-          <a:stretch>
-            <a:fillRect/>
-          </a:stretch>
-        </p:blipFill>
-        <p:spPr>
-          <a:xfrm rot="5400000">
-            <a:off x="-737646" y="5280181"/>
-            <a:ext cx="4947878" cy="2955663"/>
-          </a:xfrm>
-          <a:prstGeom prst="rect">
-            <a:avLst/>
-          </a:prstGeom>
-        </p:spPr>
-      </p:pic>
-      <p:pic>
-        <p:nvPicPr>
-          <p:cNvPr id="7" name="Picture 6">
-            <a:extLst>
-              <a:ext uri="{FF2B5EF4-FFF2-40B4-BE49-F238E27FC236}">
-                <a16:creationId xmlns:a16="http://schemas.microsoft.com/office/drawing/2014/main" id="{C2C163BF-3BE4-4616-9CFE-0EC87451CAD4}"/>
-              </a:ext>
-            </a:extLst>
-          </p:cNvPr>
-          <p:cNvPicPr>
-            <a:picLocks noChangeAspect="1"/>
-          </p:cNvPicPr>
-          <p:nvPr/>
-        </p:nvPicPr>
-        <p:blipFill>
-          <a:blip r:embed="rId4">
-            <a:extLst>
-              <a:ext uri="{28A0092B-C50C-407E-A947-70E740481C1C}">
-                <a14:useLocalDpi xmlns:a14="http://schemas.microsoft.com/office/drawing/2010/main" val="0"/>
-              </a:ext>
-            </a:extLst>
-          </a:blip>
-          <a:stretch>
-            <a:fillRect/>
-          </a:stretch>
-        </p:blipFill>
-        <p:spPr>
-          <a:xfrm rot="5400000">
-            <a:off x="2399617" y="5375562"/>
-            <a:ext cx="4948429" cy="2765453"/>
-          </a:xfrm>
-          <a:prstGeom prst="rect">
-            <a:avLst/>
-          </a:prstGeom>
-        </p:spPr>
-      </p:pic>
-      <p:sp>
-        <p:nvSpPr>
-          <p:cNvPr id="101" name="TextBox 100">
-            <a:extLst>
-              <a:ext uri="{FF2B5EF4-FFF2-40B4-BE49-F238E27FC236}">
-                <a16:creationId xmlns:a16="http://schemas.microsoft.com/office/drawing/2014/main" id="{8592ABAC-10F8-4D51-9BF6-6AEBEF322C75}"/>
+                <a16:creationId xmlns:a16="http://schemas.microsoft.com/office/drawing/2014/main" id="{5345C5A2-7550-482E-9DD4-F7AB89A50FAF}"/>
               </a:ext>
             </a:extLst>
           </p:cNvPr>
@@ -3181,8 +4271,8 @@
         </p:nvSpPr>
         <p:spPr>
           <a:xfrm>
-            <a:off x="3395999" y="9231952"/>
-            <a:ext cx="2955664" cy="641989"/>
+            <a:off x="6805137" y="1301763"/>
+            <a:ext cx="1584960" cy="461665"/>
           </a:xfrm>
           <a:prstGeom prst="rect">
             <a:avLst/>
@@ -3197,67 +4287,21 @@
           <a:p>
             <a:pPr algn="ctr"/>
             <a:r>
-              <a:rPr lang="en-US" dirty="0">
+              <a:rPr lang="en-US" sz="2400" dirty="0">
                 <a:latin typeface="Arial" panose="020B0604020202020204" pitchFamily="34" charset="0"/>
                 <a:cs typeface="Arial" panose="020B0604020202020204" pitchFamily="34" charset="0"/>
               </a:rPr>
-              <a:t>(C) Chunk Configuration </a:t>
-            </a:r>
-          </a:p>
-          <a:p>
-            <a:pPr algn="ctr"/>
-            <a:r>
-              <a:rPr lang="en-US" dirty="0">
-                <a:latin typeface="Arial" panose="020B0604020202020204" pitchFamily="34" charset="0"/>
-                <a:cs typeface="Arial" panose="020B0604020202020204" pitchFamily="34" charset="0"/>
-              </a:rPr>
-              <a:t>Job 1</a:t>
-            </a:r>
-          </a:p>
-        </p:txBody>
-      </p:sp>
-      <p:pic>
-        <p:nvPicPr>
-          <p:cNvPr id="9" name="Picture 8">
+              <a:t>Job N</a:t>
+            </a:r>
+          </a:p>
+        </p:txBody>
+      </p:sp>
+      <p:sp>
+        <p:nvSpPr>
+          <p:cNvPr id="61" name="TextBox 60">
             <a:extLst>
               <a:ext uri="{FF2B5EF4-FFF2-40B4-BE49-F238E27FC236}">
-                <a16:creationId xmlns:a16="http://schemas.microsoft.com/office/drawing/2014/main" id="{AC5F25A0-91F0-4427-A520-97E90E99DFC0}"/>
-              </a:ext>
-            </a:extLst>
-          </p:cNvPr>
-          <p:cNvPicPr>
-            <a:picLocks noChangeAspect="1"/>
-          </p:cNvPicPr>
-          <p:nvPr/>
-        </p:nvPicPr>
-        <p:blipFill>
-          <a:blip r:embed="rId5">
-            <a:extLst>
-              <a:ext uri="{28A0092B-C50C-407E-A947-70E740481C1C}">
-                <a14:useLocalDpi xmlns:a14="http://schemas.microsoft.com/office/drawing/2010/main" val="0"/>
-              </a:ext>
-            </a:extLst>
-          </a:blip>
-          <a:stretch>
-            <a:fillRect/>
-          </a:stretch>
-        </p:blipFill>
-        <p:spPr>
-          <a:xfrm rot="5400000">
-            <a:off x="6103669" y="5654626"/>
-            <a:ext cx="3249372" cy="2389633"/>
-          </a:xfrm>
-          <a:prstGeom prst="rect">
-            <a:avLst/>
-          </a:prstGeom>
-        </p:spPr>
-      </p:pic>
-      <p:sp>
-        <p:nvSpPr>
-          <p:cNvPr id="104" name="TextBox 103">
-            <a:extLst>
-              <a:ext uri="{FF2B5EF4-FFF2-40B4-BE49-F238E27FC236}">
-                <a16:creationId xmlns:a16="http://schemas.microsoft.com/office/drawing/2014/main" id="{5FF9848E-E584-476D-A8CB-7799A4374CF1}"/>
+                <a16:creationId xmlns:a16="http://schemas.microsoft.com/office/drawing/2014/main" id="{0776F1F2-E361-429C-AE9A-6464540F45C4}"/>
               </a:ext>
             </a:extLst>
           </p:cNvPr>
@@ -3266,8 +4310,8 @@
         </p:nvSpPr>
         <p:spPr>
           <a:xfrm>
-            <a:off x="6533537" y="8449630"/>
-            <a:ext cx="2389634" cy="923330"/>
+            <a:off x="5113136" y="713904"/>
+            <a:ext cx="1584960" cy="461665"/>
           </a:xfrm>
           <a:prstGeom prst="rect">
             <a:avLst/>
@@ -3282,67 +4326,213 @@
           <a:p>
             <a:pPr algn="ctr"/>
             <a:r>
-              <a:rPr lang="en-US" dirty="0">
+              <a:rPr lang="en-US" sz="2400" dirty="0">
                 <a:latin typeface="Arial" panose="020B0604020202020204" pitchFamily="34" charset="0"/>
                 <a:cs typeface="Arial" panose="020B0604020202020204" pitchFamily="34" charset="0"/>
               </a:rPr>
-              <a:t>(D) Chunk Configuration </a:t>
-            </a:r>
-          </a:p>
-          <a:p>
-            <a:pPr algn="ctr"/>
-            <a:r>
-              <a:rPr lang="en-US" dirty="0">
-                <a:latin typeface="Arial" panose="020B0604020202020204" pitchFamily="34" charset="0"/>
-                <a:cs typeface="Arial" panose="020B0604020202020204" pitchFamily="34" charset="0"/>
-              </a:rPr>
-              <a:t>Job 2</a:t>
-            </a:r>
-          </a:p>
-        </p:txBody>
-      </p:sp>
-      <p:pic>
-        <p:nvPicPr>
-          <p:cNvPr id="11" name="Picture 10">
+              <a:t>…</a:t>
+            </a:r>
+          </a:p>
+        </p:txBody>
+      </p:sp>
+      <p:grpSp>
+        <p:nvGrpSpPr>
+          <p:cNvPr id="62" name="Group 61">
             <a:extLst>
               <a:ext uri="{FF2B5EF4-FFF2-40B4-BE49-F238E27FC236}">
-                <a16:creationId xmlns:a16="http://schemas.microsoft.com/office/drawing/2014/main" id="{54726D8E-BD5C-416D-8A26-800983EEFD3A}"/>
+                <a16:creationId xmlns:a16="http://schemas.microsoft.com/office/drawing/2014/main" id="{036A98B8-E5CE-4CEE-BF37-07573FF8E1CA}"/>
               </a:ext>
             </a:extLst>
           </p:cNvPr>
-          <p:cNvPicPr>
-            <a:picLocks noChangeAspect="1"/>
-          </p:cNvPicPr>
+          <p:cNvGrpSpPr/>
           <p:nvPr/>
-        </p:nvPicPr>
-        <p:blipFill>
-          <a:blip r:embed="rId6">
-            <a:extLst>
-              <a:ext uri="{28A0092B-C50C-407E-A947-70E740481C1C}">
-                <a14:useLocalDpi xmlns:a14="http://schemas.microsoft.com/office/drawing/2010/main" val="0"/>
-              </a:ext>
-            </a:extLst>
-          </a:blip>
-          <a:stretch>
-            <a:fillRect/>
-          </a:stretch>
-        </p:blipFill>
-        <p:spPr>
-          <a:xfrm rot="10800000">
-            <a:off x="6853237" y="584199"/>
-            <a:ext cx="1947863" cy="2409825"/>
+        </p:nvGrpSpPr>
+        <p:grpSpPr>
+          <a:xfrm>
+            <a:off x="185896" y="1396348"/>
+            <a:ext cx="8754281" cy="885187"/>
+            <a:chOff x="847633" y="2476322"/>
+            <a:chExt cx="8754281" cy="885187"/>
           </a:xfrm>
-          <a:prstGeom prst="rect">
-            <a:avLst/>
-          </a:prstGeom>
-        </p:spPr>
-      </p:pic>
-      <p:sp>
-        <p:nvSpPr>
-          <p:cNvPr id="107" name="TextBox 106">
+        </p:grpSpPr>
+        <p:grpSp>
+          <p:nvGrpSpPr>
+            <p:cNvPr id="63" name="Group 62">
+              <a:extLst>
+                <a:ext uri="{FF2B5EF4-FFF2-40B4-BE49-F238E27FC236}">
+                  <a16:creationId xmlns:a16="http://schemas.microsoft.com/office/drawing/2014/main" id="{B6B5E580-9153-4951-9C46-2FE55B287855}"/>
+                </a:ext>
+              </a:extLst>
+            </p:cNvPr>
+            <p:cNvGrpSpPr/>
+            <p:nvPr/>
+          </p:nvGrpSpPr>
+          <p:grpSpPr>
+            <a:xfrm>
+              <a:off x="847633" y="2476322"/>
+              <a:ext cx="8754281" cy="680535"/>
+              <a:chOff x="847634" y="2142308"/>
+              <a:chExt cx="2685144" cy="235132"/>
+            </a:xfrm>
+          </p:grpSpPr>
+          <p:cxnSp>
+            <p:nvCxnSpPr>
+              <p:cNvPr id="65" name="Straight Connector 64">
+                <a:extLst>
+                  <a:ext uri="{FF2B5EF4-FFF2-40B4-BE49-F238E27FC236}">
+                    <a16:creationId xmlns:a16="http://schemas.microsoft.com/office/drawing/2014/main" id="{1A6885D5-A963-4402-8C00-6E7E5C392457}"/>
+                  </a:ext>
+                </a:extLst>
+              </p:cNvPr>
+              <p:cNvCxnSpPr/>
+              <p:nvPr/>
+            </p:nvCxnSpPr>
+            <p:spPr>
+              <a:xfrm>
+                <a:off x="847634" y="2142309"/>
+                <a:ext cx="0" cy="235131"/>
+              </a:xfrm>
+              <a:prstGeom prst="line">
+                <a:avLst/>
+              </a:prstGeom>
+              <a:ln w="19050"/>
+            </p:spPr>
+            <p:style>
+              <a:lnRef idx="1">
+                <a:schemeClr val="dk1"/>
+              </a:lnRef>
+              <a:fillRef idx="0">
+                <a:schemeClr val="dk1"/>
+              </a:fillRef>
+              <a:effectRef idx="0">
+                <a:schemeClr val="dk1"/>
+              </a:effectRef>
+              <a:fontRef idx="minor">
+                <a:schemeClr val="tx1"/>
+              </a:fontRef>
+            </p:style>
+          </p:cxnSp>
+          <p:cxnSp>
+            <p:nvCxnSpPr>
+              <p:cNvPr id="66" name="Straight Connector 65">
+                <a:extLst>
+                  <a:ext uri="{FF2B5EF4-FFF2-40B4-BE49-F238E27FC236}">
+                    <a16:creationId xmlns:a16="http://schemas.microsoft.com/office/drawing/2014/main" id="{07125041-74FF-4392-899D-34256BB83B7D}"/>
+                  </a:ext>
+                </a:extLst>
+              </p:cNvPr>
+              <p:cNvCxnSpPr/>
+              <p:nvPr/>
+            </p:nvCxnSpPr>
+            <p:spPr>
+              <a:xfrm>
+                <a:off x="3532778" y="2142308"/>
+                <a:ext cx="0" cy="235131"/>
+              </a:xfrm>
+              <a:prstGeom prst="line">
+                <a:avLst/>
+              </a:prstGeom>
+              <a:ln w="19050"/>
+            </p:spPr>
+            <p:style>
+              <a:lnRef idx="1">
+                <a:schemeClr val="dk1"/>
+              </a:lnRef>
+              <a:fillRef idx="0">
+                <a:schemeClr val="dk1"/>
+              </a:fillRef>
+              <a:effectRef idx="0">
+                <a:schemeClr val="dk1"/>
+              </a:effectRef>
+              <a:fontRef idx="minor">
+                <a:schemeClr val="tx1"/>
+              </a:fontRef>
+            </p:style>
+          </p:cxnSp>
+          <p:cxnSp>
+            <p:nvCxnSpPr>
+              <p:cNvPr id="67" name="Straight Connector 66">
+                <a:extLst>
+                  <a:ext uri="{FF2B5EF4-FFF2-40B4-BE49-F238E27FC236}">
+                    <a16:creationId xmlns:a16="http://schemas.microsoft.com/office/drawing/2014/main" id="{720164E3-1A6D-44A7-8B48-8F912EAEF4A3}"/>
+                  </a:ext>
+                </a:extLst>
+              </p:cNvPr>
+              <p:cNvCxnSpPr>
+                <a:cxnSpLocks/>
+              </p:cNvCxnSpPr>
+              <p:nvPr/>
+            </p:nvCxnSpPr>
+            <p:spPr>
+              <a:xfrm>
+                <a:off x="847634" y="2377439"/>
+                <a:ext cx="2685144" cy="0"/>
+              </a:xfrm>
+              <a:prstGeom prst="line">
+                <a:avLst/>
+              </a:prstGeom>
+              <a:ln w="19050"/>
+            </p:spPr>
+            <p:style>
+              <a:lnRef idx="1">
+                <a:schemeClr val="dk1"/>
+              </a:lnRef>
+              <a:fillRef idx="0">
+                <a:schemeClr val="dk1"/>
+              </a:fillRef>
+              <a:effectRef idx="0">
+                <a:schemeClr val="dk1"/>
+              </a:effectRef>
+              <a:fontRef idx="minor">
+                <a:schemeClr val="tx1"/>
+              </a:fontRef>
+            </p:style>
+          </p:cxnSp>
+        </p:grpSp>
+        <p:cxnSp>
+          <p:nvCxnSpPr>
+            <p:cNvPr id="64" name="Straight Connector 63">
+              <a:extLst>
+                <a:ext uri="{FF2B5EF4-FFF2-40B4-BE49-F238E27FC236}">
+                  <a16:creationId xmlns:a16="http://schemas.microsoft.com/office/drawing/2014/main" id="{982941BB-B8FC-45D1-89CD-EC387C25A752}"/>
+                </a:ext>
+              </a:extLst>
+            </p:cNvPr>
+            <p:cNvCxnSpPr/>
+            <p:nvPr/>
+          </p:nvCxnSpPr>
+          <p:spPr>
+            <a:xfrm>
+              <a:off x="5224773" y="3156854"/>
+              <a:ext cx="0" cy="204655"/>
+            </a:xfrm>
+            <a:prstGeom prst="line">
+              <a:avLst/>
+            </a:prstGeom>
+            <a:ln w="19050"/>
+          </p:spPr>
+          <p:style>
+            <a:lnRef idx="1">
+              <a:schemeClr val="dk1"/>
+            </a:lnRef>
+            <a:fillRef idx="0">
+              <a:schemeClr val="dk1"/>
+            </a:fillRef>
+            <a:effectRef idx="0">
+              <a:schemeClr val="dk1"/>
+            </a:effectRef>
+            <a:fontRef idx="minor">
+              <a:schemeClr val="tx1"/>
+            </a:fontRef>
+          </p:style>
+        </p:cxnSp>
+      </p:grpSp>
+      <p:sp>
+        <p:nvSpPr>
+          <p:cNvPr id="68" name="TextBox 67">
             <a:extLst>
               <a:ext uri="{FF2B5EF4-FFF2-40B4-BE49-F238E27FC236}">
-                <a16:creationId xmlns:a16="http://schemas.microsoft.com/office/drawing/2014/main" id="{B3CA47B6-759F-4045-A238-3ECD255B34D0}"/>
+                <a16:creationId xmlns:a16="http://schemas.microsoft.com/office/drawing/2014/main" id="{21EFBF62-BFC2-4924-912B-D68B80F4BE64}"/>
               </a:ext>
             </a:extLst>
           </p:cNvPr>
@@ -3351,8 +4541,8 @@
         </p:nvSpPr>
         <p:spPr>
           <a:xfrm>
-            <a:off x="6632351" y="2996588"/>
-            <a:ext cx="2389634" cy="923330"/>
+            <a:off x="3770556" y="2281535"/>
+            <a:ext cx="1584960" cy="461665"/>
           </a:xfrm>
           <a:prstGeom prst="rect">
             <a:avLst/>
@@ -3367,1880 +4557,19 @@
           <a:p>
             <a:pPr algn="ctr"/>
             <a:r>
-              <a:rPr lang="en-US" dirty="0">
+              <a:rPr lang="en-US" sz="2400" dirty="0">
                 <a:latin typeface="Arial" panose="020B0604020202020204" pitchFamily="34" charset="0"/>
                 <a:cs typeface="Arial" panose="020B0604020202020204" pitchFamily="34" charset="0"/>
               </a:rPr>
-              <a:t>(E) Chunk Configuration </a:t>
-            </a:r>
-          </a:p>
-          <a:p>
-            <a:pPr algn="ctr"/>
-            <a:r>
-              <a:rPr lang="en-US" dirty="0">
-                <a:latin typeface="Arial" panose="020B0604020202020204" pitchFamily="34" charset="0"/>
-                <a:cs typeface="Arial" panose="020B0604020202020204" pitchFamily="34" charset="0"/>
-              </a:rPr>
-              <a:t>Job 3</a:t>
-            </a:r>
-          </a:p>
-        </p:txBody>
-      </p:sp>
-      <p:sp>
-        <p:nvSpPr>
-          <p:cNvPr id="288" name="TextBox 287">
-            <a:extLst>
-              <a:ext uri="{FF2B5EF4-FFF2-40B4-BE49-F238E27FC236}">
-                <a16:creationId xmlns:a16="http://schemas.microsoft.com/office/drawing/2014/main" id="{9128F5B2-EEDD-4B7B-9EB9-0A3C7E5F0A8E}"/>
-              </a:ext>
-            </a:extLst>
-          </p:cNvPr>
-          <p:cNvSpPr txBox="1"/>
-          <p:nvPr/>
-        </p:nvSpPr>
-        <p:spPr>
-          <a:xfrm>
-            <a:off x="891956" y="5120584"/>
-            <a:ext cx="555844" cy="461665"/>
-          </a:xfrm>
-          <a:prstGeom prst="rect">
-            <a:avLst/>
-          </a:prstGeom>
-          <a:noFill/>
-        </p:spPr>
-        <p:txBody>
-          <a:bodyPr wrap="square" rtlCol="0">
-            <a:spAutoFit/>
-          </a:bodyPr>
-          <a:lstStyle/>
-          <a:p>
-            <a:pPr algn="ctr"/>
-            <a:r>
-              <a:rPr lang="en-US" sz="1200" dirty="0">
-                <a:solidFill>
-                  <a:schemeClr val="bg1"/>
-                </a:solidFill>
-                <a:latin typeface="Arial" panose="020B0604020202020204" pitchFamily="34" charset="0"/>
-                <a:cs typeface="Arial" panose="020B0604020202020204" pitchFamily="34" charset="0"/>
-              </a:rPr>
-              <a:t>C 0:</a:t>
-            </a:r>
-          </a:p>
-          <a:p>
-            <a:pPr algn="ctr"/>
-            <a:r>
-              <a:rPr lang="en-US" sz="1200" dirty="0">
-                <a:solidFill>
-                  <a:schemeClr val="bg1"/>
-                </a:solidFill>
-                <a:latin typeface="Arial" panose="020B0604020202020204" pitchFamily="34" charset="0"/>
-                <a:cs typeface="Arial" panose="020B0604020202020204" pitchFamily="34" charset="0"/>
-              </a:rPr>
-              <a:t>1152</a:t>
-            </a:r>
-          </a:p>
-        </p:txBody>
-      </p:sp>
-      <p:sp>
-        <p:nvSpPr>
-          <p:cNvPr id="110" name="TextBox 109">
-            <a:extLst>
-              <a:ext uri="{FF2B5EF4-FFF2-40B4-BE49-F238E27FC236}">
-                <a16:creationId xmlns:a16="http://schemas.microsoft.com/office/drawing/2014/main" id="{4B309053-0AE1-4D79-A35E-4EA480B04FF7}"/>
-              </a:ext>
-            </a:extLst>
-          </p:cNvPr>
-          <p:cNvSpPr txBox="1"/>
-          <p:nvPr/>
-        </p:nvSpPr>
-        <p:spPr>
-          <a:xfrm>
-            <a:off x="2081295" y="5120584"/>
-            <a:ext cx="555844" cy="461665"/>
-          </a:xfrm>
-          <a:prstGeom prst="rect">
-            <a:avLst/>
-          </a:prstGeom>
-          <a:noFill/>
-        </p:spPr>
-        <p:txBody>
-          <a:bodyPr wrap="square" rtlCol="0">
-            <a:spAutoFit/>
-          </a:bodyPr>
-          <a:lstStyle/>
-          <a:p>
-            <a:pPr algn="ctr"/>
-            <a:r>
-              <a:rPr lang="en-US" sz="1200" dirty="0">
-                <a:solidFill>
-                  <a:schemeClr val="bg1"/>
-                </a:solidFill>
-                <a:latin typeface="Arial" panose="020B0604020202020204" pitchFamily="34" charset="0"/>
-                <a:cs typeface="Arial" panose="020B0604020202020204" pitchFamily="34" charset="0"/>
-              </a:rPr>
-              <a:t>C 1:</a:t>
-            </a:r>
-          </a:p>
-          <a:p>
-            <a:pPr algn="ctr"/>
-            <a:r>
-              <a:rPr lang="en-US" sz="1200" dirty="0">
-                <a:solidFill>
-                  <a:schemeClr val="bg1"/>
-                </a:solidFill>
-                <a:latin typeface="Arial" panose="020B0604020202020204" pitchFamily="34" charset="0"/>
-                <a:cs typeface="Arial" panose="020B0604020202020204" pitchFamily="34" charset="0"/>
-              </a:rPr>
-              <a:t>655</a:t>
-            </a:r>
-          </a:p>
-        </p:txBody>
-      </p:sp>
-      <p:sp>
-        <p:nvSpPr>
-          <p:cNvPr id="111" name="TextBox 110">
-            <a:extLst>
-              <a:ext uri="{FF2B5EF4-FFF2-40B4-BE49-F238E27FC236}">
-                <a16:creationId xmlns:a16="http://schemas.microsoft.com/office/drawing/2014/main" id="{9CC76096-CA18-40F2-8C0C-0292401F6295}"/>
-              </a:ext>
-            </a:extLst>
-          </p:cNvPr>
-          <p:cNvSpPr txBox="1"/>
-          <p:nvPr/>
-        </p:nvSpPr>
-        <p:spPr>
-          <a:xfrm>
-            <a:off x="891956" y="6598864"/>
-            <a:ext cx="555844" cy="461665"/>
-          </a:xfrm>
-          <a:prstGeom prst="rect">
-            <a:avLst/>
-          </a:prstGeom>
-          <a:noFill/>
-        </p:spPr>
-        <p:txBody>
-          <a:bodyPr wrap="square" rtlCol="0">
-            <a:spAutoFit/>
-          </a:bodyPr>
-          <a:lstStyle/>
-          <a:p>
-            <a:pPr algn="ctr"/>
-            <a:r>
-              <a:rPr lang="en-US" sz="1200" dirty="0">
-                <a:solidFill>
-                  <a:schemeClr val="bg1"/>
-                </a:solidFill>
-                <a:latin typeface="Arial" panose="020B0604020202020204" pitchFamily="34" charset="0"/>
-                <a:cs typeface="Arial" panose="020B0604020202020204" pitchFamily="34" charset="0"/>
-              </a:rPr>
-              <a:t>C 2:</a:t>
-            </a:r>
-          </a:p>
-          <a:p>
-            <a:pPr algn="ctr"/>
-            <a:r>
-              <a:rPr lang="en-US" sz="1200" dirty="0">
-                <a:solidFill>
-                  <a:schemeClr val="bg1"/>
-                </a:solidFill>
-                <a:latin typeface="Arial" panose="020B0604020202020204" pitchFamily="34" charset="0"/>
-                <a:cs typeface="Arial" panose="020B0604020202020204" pitchFamily="34" charset="0"/>
-              </a:rPr>
-              <a:t>2039</a:t>
-            </a:r>
-          </a:p>
-        </p:txBody>
-      </p:sp>
-      <p:sp>
-        <p:nvSpPr>
-          <p:cNvPr id="112" name="TextBox 111">
-            <a:extLst>
-              <a:ext uri="{FF2B5EF4-FFF2-40B4-BE49-F238E27FC236}">
-                <a16:creationId xmlns:a16="http://schemas.microsoft.com/office/drawing/2014/main" id="{F8ABA0DF-B3FE-4B80-9151-076BE14510D5}"/>
-              </a:ext>
-            </a:extLst>
-          </p:cNvPr>
-          <p:cNvSpPr txBox="1"/>
-          <p:nvPr/>
-        </p:nvSpPr>
-        <p:spPr>
-          <a:xfrm>
-            <a:off x="2081295" y="6598864"/>
-            <a:ext cx="555844" cy="461665"/>
-          </a:xfrm>
-          <a:prstGeom prst="rect">
-            <a:avLst/>
-          </a:prstGeom>
-          <a:noFill/>
-        </p:spPr>
-        <p:txBody>
-          <a:bodyPr wrap="square" rtlCol="0">
-            <a:spAutoFit/>
-          </a:bodyPr>
-          <a:lstStyle/>
-          <a:p>
-            <a:pPr algn="ctr"/>
-            <a:r>
-              <a:rPr lang="en-US" sz="1200" dirty="0">
-                <a:solidFill>
-                  <a:schemeClr val="bg1"/>
-                </a:solidFill>
-                <a:latin typeface="Arial" panose="020B0604020202020204" pitchFamily="34" charset="0"/>
-                <a:cs typeface="Arial" panose="020B0604020202020204" pitchFamily="34" charset="0"/>
-              </a:rPr>
-              <a:t>C 3:</a:t>
-            </a:r>
-          </a:p>
-          <a:p>
-            <a:pPr algn="ctr"/>
-            <a:r>
-              <a:rPr lang="en-US" sz="1200" dirty="0">
-                <a:solidFill>
-                  <a:schemeClr val="bg1"/>
-                </a:solidFill>
-                <a:latin typeface="Arial" panose="020B0604020202020204" pitchFamily="34" charset="0"/>
-                <a:cs typeface="Arial" panose="020B0604020202020204" pitchFamily="34" charset="0"/>
-              </a:rPr>
-              <a:t>1496</a:t>
-            </a:r>
-          </a:p>
-        </p:txBody>
-      </p:sp>
-      <p:sp>
-        <p:nvSpPr>
-          <p:cNvPr id="113" name="TextBox 112">
-            <a:extLst>
-              <a:ext uri="{FF2B5EF4-FFF2-40B4-BE49-F238E27FC236}">
-                <a16:creationId xmlns:a16="http://schemas.microsoft.com/office/drawing/2014/main" id="{5D47E7F3-F548-458F-9652-FA0D2EEA9372}"/>
-              </a:ext>
-            </a:extLst>
-          </p:cNvPr>
-          <p:cNvSpPr txBox="1"/>
-          <p:nvPr/>
-        </p:nvSpPr>
-        <p:spPr>
-          <a:xfrm>
-            <a:off x="891956" y="8243296"/>
-            <a:ext cx="555844" cy="461665"/>
-          </a:xfrm>
-          <a:prstGeom prst="rect">
-            <a:avLst/>
-          </a:prstGeom>
-          <a:noFill/>
-        </p:spPr>
-        <p:txBody>
-          <a:bodyPr wrap="square" rtlCol="0">
-            <a:spAutoFit/>
-          </a:bodyPr>
-          <a:lstStyle/>
-          <a:p>
-            <a:pPr algn="ctr"/>
-            <a:r>
-              <a:rPr lang="en-US" sz="1200" dirty="0">
-                <a:solidFill>
-                  <a:schemeClr val="bg1"/>
-                </a:solidFill>
-                <a:latin typeface="Arial" panose="020B0604020202020204" pitchFamily="34" charset="0"/>
-                <a:cs typeface="Arial" panose="020B0604020202020204" pitchFamily="34" charset="0"/>
-              </a:rPr>
-              <a:t>C 4:</a:t>
-            </a:r>
-          </a:p>
-          <a:p>
-            <a:pPr algn="ctr"/>
-            <a:r>
-              <a:rPr lang="en-US" sz="1200" dirty="0">
-                <a:solidFill>
-                  <a:schemeClr val="bg1"/>
-                </a:solidFill>
-                <a:latin typeface="Arial" panose="020B0604020202020204" pitchFamily="34" charset="0"/>
-                <a:cs typeface="Arial" panose="020B0604020202020204" pitchFamily="34" charset="0"/>
-              </a:rPr>
-              <a:t>561</a:t>
-            </a:r>
-          </a:p>
-        </p:txBody>
-      </p:sp>
-      <p:sp>
-        <p:nvSpPr>
-          <p:cNvPr id="114" name="TextBox 113">
-            <a:extLst>
-              <a:ext uri="{FF2B5EF4-FFF2-40B4-BE49-F238E27FC236}">
-                <a16:creationId xmlns:a16="http://schemas.microsoft.com/office/drawing/2014/main" id="{C1150FDC-8BD5-49BD-A65E-C28377CA3642}"/>
-              </a:ext>
-            </a:extLst>
-          </p:cNvPr>
-          <p:cNvSpPr txBox="1"/>
-          <p:nvPr/>
-        </p:nvSpPr>
-        <p:spPr>
-          <a:xfrm>
-            <a:off x="2202101" y="8218797"/>
-            <a:ext cx="555844" cy="461665"/>
-          </a:xfrm>
-          <a:prstGeom prst="rect">
-            <a:avLst/>
-          </a:prstGeom>
-          <a:noFill/>
-        </p:spPr>
-        <p:txBody>
-          <a:bodyPr wrap="square" rtlCol="0">
-            <a:spAutoFit/>
-          </a:bodyPr>
-          <a:lstStyle/>
-          <a:p>
-            <a:pPr algn="ctr"/>
-            <a:r>
-              <a:rPr lang="en-US" sz="1200" dirty="0">
-                <a:solidFill>
-                  <a:schemeClr val="bg1"/>
-                </a:solidFill>
-                <a:latin typeface="Arial" panose="020B0604020202020204" pitchFamily="34" charset="0"/>
-                <a:cs typeface="Arial" panose="020B0604020202020204" pitchFamily="34" charset="0"/>
-              </a:rPr>
-              <a:t>C 5:</a:t>
-            </a:r>
-          </a:p>
-          <a:p>
-            <a:pPr algn="ctr"/>
-            <a:r>
-              <a:rPr lang="en-US" sz="1200" dirty="0">
-                <a:solidFill>
-                  <a:schemeClr val="bg1"/>
-                </a:solidFill>
-                <a:latin typeface="Arial" panose="020B0604020202020204" pitchFamily="34" charset="0"/>
-                <a:cs typeface="Arial" panose="020B0604020202020204" pitchFamily="34" charset="0"/>
-              </a:rPr>
-              <a:t>217</a:t>
-            </a:r>
-          </a:p>
-        </p:txBody>
-      </p:sp>
-      <p:cxnSp>
-        <p:nvCxnSpPr>
-          <p:cNvPr id="15" name="Straight Arrow Connector 14">
-            <a:extLst>
-              <a:ext uri="{FF2B5EF4-FFF2-40B4-BE49-F238E27FC236}">
-                <a16:creationId xmlns:a16="http://schemas.microsoft.com/office/drawing/2014/main" id="{B9D97686-5E9D-4C41-B9FE-DF6203F98633}"/>
-              </a:ext>
-            </a:extLst>
-          </p:cNvPr>
-          <p:cNvCxnSpPr>
-            <a:cxnSpLocks/>
-            <a:stCxn id="111" idx="0"/>
-            <a:endCxn id="288" idx="2"/>
-          </p:cNvCxnSpPr>
-          <p:nvPr/>
-        </p:nvCxnSpPr>
-        <p:spPr>
-          <a:xfrm flipV="1">
-            <a:off x="1169878" y="5582249"/>
-            <a:ext cx="0" cy="1016615"/>
-          </a:xfrm>
-          <a:prstGeom prst="straightConnector1">
-            <a:avLst/>
-          </a:prstGeom>
-          <a:ln>
-            <a:solidFill>
-              <a:srgbClr val="FF0000"/>
-            </a:solidFill>
-            <a:tailEnd type="triangle"/>
-          </a:ln>
-        </p:spPr>
-        <p:style>
-          <a:lnRef idx="1">
-            <a:schemeClr val="accent1"/>
-          </a:lnRef>
-          <a:fillRef idx="0">
-            <a:schemeClr val="accent1"/>
-          </a:fillRef>
-          <a:effectRef idx="0">
-            <a:schemeClr val="accent1"/>
-          </a:effectRef>
-          <a:fontRef idx="minor">
-            <a:schemeClr val="tx1"/>
-          </a:fontRef>
-        </p:style>
-      </p:cxnSp>
-      <p:cxnSp>
-        <p:nvCxnSpPr>
-          <p:cNvPr id="17" name="Straight Arrow Connector 16">
-            <a:extLst>
-              <a:ext uri="{FF2B5EF4-FFF2-40B4-BE49-F238E27FC236}">
-                <a16:creationId xmlns:a16="http://schemas.microsoft.com/office/drawing/2014/main" id="{DBB8857B-E40A-4ACD-A19E-11E05693D833}"/>
-              </a:ext>
-            </a:extLst>
-          </p:cNvPr>
-          <p:cNvCxnSpPr>
-            <a:stCxn id="113" idx="0"/>
-            <a:endCxn id="111" idx="2"/>
-          </p:cNvCxnSpPr>
-          <p:nvPr/>
-        </p:nvCxnSpPr>
-        <p:spPr>
-          <a:xfrm flipV="1">
-            <a:off x="1169878" y="7060529"/>
-            <a:ext cx="0" cy="1182767"/>
-          </a:xfrm>
-          <a:prstGeom prst="straightConnector1">
-            <a:avLst/>
-          </a:prstGeom>
-          <a:ln>
-            <a:solidFill>
-              <a:srgbClr val="FF0000"/>
-            </a:solidFill>
-            <a:tailEnd type="triangle"/>
-          </a:ln>
-        </p:spPr>
-        <p:style>
-          <a:lnRef idx="1">
-            <a:schemeClr val="accent1"/>
-          </a:lnRef>
-          <a:fillRef idx="0">
-            <a:schemeClr val="accent1"/>
-          </a:fillRef>
-          <a:effectRef idx="0">
-            <a:schemeClr val="accent1"/>
-          </a:effectRef>
-          <a:fontRef idx="minor">
-            <a:schemeClr val="tx1"/>
-          </a:fontRef>
-        </p:style>
-      </p:cxnSp>
-      <p:cxnSp>
-        <p:nvCxnSpPr>
-          <p:cNvPr id="22" name="Straight Arrow Connector 21">
-            <a:extLst>
-              <a:ext uri="{FF2B5EF4-FFF2-40B4-BE49-F238E27FC236}">
-                <a16:creationId xmlns:a16="http://schemas.microsoft.com/office/drawing/2014/main" id="{70ED0B9F-8D87-4FB6-8606-BD847C165F6B}"/>
-              </a:ext>
-            </a:extLst>
-          </p:cNvPr>
-          <p:cNvCxnSpPr>
-            <a:cxnSpLocks/>
-            <a:endCxn id="112" idx="2"/>
-          </p:cNvCxnSpPr>
-          <p:nvPr/>
-        </p:nvCxnSpPr>
-        <p:spPr>
-          <a:xfrm flipV="1">
-            <a:off x="2359217" y="7060529"/>
-            <a:ext cx="0" cy="1158268"/>
-          </a:xfrm>
-          <a:prstGeom prst="straightConnector1">
-            <a:avLst/>
-          </a:prstGeom>
-          <a:ln>
-            <a:solidFill>
-              <a:srgbClr val="FF0000"/>
-            </a:solidFill>
-            <a:tailEnd type="triangle"/>
-          </a:ln>
-        </p:spPr>
-        <p:style>
-          <a:lnRef idx="1">
-            <a:schemeClr val="accent1"/>
-          </a:lnRef>
-          <a:fillRef idx="0">
-            <a:schemeClr val="accent1"/>
-          </a:fillRef>
-          <a:effectRef idx="0">
-            <a:schemeClr val="accent1"/>
-          </a:effectRef>
-          <a:fontRef idx="minor">
-            <a:schemeClr val="tx1"/>
-          </a:fontRef>
-        </p:style>
-      </p:cxnSp>
-      <p:cxnSp>
-        <p:nvCxnSpPr>
-          <p:cNvPr id="25" name="Straight Arrow Connector 24">
-            <a:extLst>
-              <a:ext uri="{FF2B5EF4-FFF2-40B4-BE49-F238E27FC236}">
-                <a16:creationId xmlns:a16="http://schemas.microsoft.com/office/drawing/2014/main" id="{2E3B188B-2FFC-44E6-8C6A-A9BAD598DCEA}"/>
-              </a:ext>
-            </a:extLst>
-          </p:cNvPr>
-          <p:cNvCxnSpPr>
-            <a:stCxn id="112" idx="0"/>
-            <a:endCxn id="110" idx="2"/>
-          </p:cNvCxnSpPr>
-          <p:nvPr/>
-        </p:nvCxnSpPr>
-        <p:spPr>
-          <a:xfrm flipV="1">
-            <a:off x="2359217" y="5582249"/>
-            <a:ext cx="0" cy="1016615"/>
-          </a:xfrm>
-          <a:prstGeom prst="straightConnector1">
-            <a:avLst/>
-          </a:prstGeom>
-          <a:ln>
-            <a:solidFill>
-              <a:srgbClr val="FF0000"/>
-            </a:solidFill>
-            <a:tailEnd type="triangle"/>
-          </a:ln>
-        </p:spPr>
-        <p:style>
-          <a:lnRef idx="1">
-            <a:schemeClr val="accent1"/>
-          </a:lnRef>
-          <a:fillRef idx="0">
-            <a:schemeClr val="accent1"/>
-          </a:fillRef>
-          <a:effectRef idx="0">
-            <a:schemeClr val="accent1"/>
-          </a:effectRef>
-          <a:fontRef idx="minor">
-            <a:schemeClr val="tx1"/>
-          </a:fontRef>
-        </p:style>
-      </p:cxnSp>
-      <p:cxnSp>
-        <p:nvCxnSpPr>
-          <p:cNvPr id="27" name="Straight Arrow Connector 26">
-            <a:extLst>
-              <a:ext uri="{FF2B5EF4-FFF2-40B4-BE49-F238E27FC236}">
-                <a16:creationId xmlns:a16="http://schemas.microsoft.com/office/drawing/2014/main" id="{ADE0C296-E755-4156-BC12-45E8E4C625EE}"/>
-              </a:ext>
-            </a:extLst>
-          </p:cNvPr>
-          <p:cNvCxnSpPr>
-            <a:stCxn id="110" idx="1"/>
-            <a:endCxn id="288" idx="3"/>
-          </p:cNvCxnSpPr>
-          <p:nvPr/>
-        </p:nvCxnSpPr>
-        <p:spPr>
-          <a:xfrm flipH="1">
-            <a:off x="1447800" y="5351417"/>
-            <a:ext cx="633495" cy="0"/>
-          </a:xfrm>
-          <a:prstGeom prst="straightConnector1">
-            <a:avLst/>
-          </a:prstGeom>
-          <a:ln>
-            <a:solidFill>
-              <a:srgbClr val="FF0000"/>
-            </a:solidFill>
-            <a:tailEnd type="triangle"/>
-          </a:ln>
-        </p:spPr>
-        <p:style>
-          <a:lnRef idx="1">
-            <a:schemeClr val="accent1"/>
-          </a:lnRef>
-          <a:fillRef idx="0">
-            <a:schemeClr val="accent1"/>
-          </a:fillRef>
-          <a:effectRef idx="0">
-            <a:schemeClr val="accent1"/>
-          </a:effectRef>
-          <a:fontRef idx="minor">
-            <a:schemeClr val="tx1"/>
-          </a:fontRef>
-        </p:style>
-      </p:cxnSp>
-      <p:cxnSp>
-        <p:nvCxnSpPr>
-          <p:cNvPr id="29" name="Straight Arrow Connector 28">
-            <a:extLst>
-              <a:ext uri="{FF2B5EF4-FFF2-40B4-BE49-F238E27FC236}">
-                <a16:creationId xmlns:a16="http://schemas.microsoft.com/office/drawing/2014/main" id="{DC698B00-72DA-494A-999A-1DE51BA5D0BA}"/>
-              </a:ext>
-            </a:extLst>
-          </p:cNvPr>
-          <p:cNvCxnSpPr>
-            <a:stCxn id="112" idx="1"/>
-            <a:endCxn id="111" idx="3"/>
-          </p:cNvCxnSpPr>
-          <p:nvPr/>
-        </p:nvCxnSpPr>
-        <p:spPr>
-          <a:xfrm flipH="1">
-            <a:off x="1447800" y="6829697"/>
-            <a:ext cx="633495" cy="0"/>
-          </a:xfrm>
-          <a:prstGeom prst="straightConnector1">
-            <a:avLst/>
-          </a:prstGeom>
-          <a:ln>
-            <a:solidFill>
-              <a:srgbClr val="FF0000"/>
-            </a:solidFill>
-            <a:tailEnd type="triangle"/>
-          </a:ln>
-        </p:spPr>
-        <p:style>
-          <a:lnRef idx="1">
-            <a:schemeClr val="accent1"/>
-          </a:lnRef>
-          <a:fillRef idx="0">
-            <a:schemeClr val="accent1"/>
-          </a:fillRef>
-          <a:effectRef idx="0">
-            <a:schemeClr val="accent1"/>
-          </a:effectRef>
-          <a:fontRef idx="minor">
-            <a:schemeClr val="tx1"/>
-          </a:fontRef>
-        </p:style>
-      </p:cxnSp>
-      <p:cxnSp>
-        <p:nvCxnSpPr>
-          <p:cNvPr id="31" name="Straight Arrow Connector 30">
-            <a:extLst>
-              <a:ext uri="{FF2B5EF4-FFF2-40B4-BE49-F238E27FC236}">
-                <a16:creationId xmlns:a16="http://schemas.microsoft.com/office/drawing/2014/main" id="{4D49966F-CAAA-4BCF-B75D-6C9AEC4938ED}"/>
-              </a:ext>
-            </a:extLst>
-          </p:cNvPr>
-          <p:cNvCxnSpPr>
-            <a:cxnSpLocks/>
-            <a:endCxn id="113" idx="3"/>
-          </p:cNvCxnSpPr>
-          <p:nvPr/>
-        </p:nvCxnSpPr>
-        <p:spPr>
-          <a:xfrm flipH="1">
-            <a:off x="1447800" y="8474128"/>
-            <a:ext cx="754301" cy="1"/>
-          </a:xfrm>
-          <a:prstGeom prst="straightConnector1">
-            <a:avLst/>
-          </a:prstGeom>
-          <a:ln>
-            <a:solidFill>
-              <a:srgbClr val="FF0000"/>
-            </a:solidFill>
-            <a:tailEnd type="triangle"/>
-          </a:ln>
-        </p:spPr>
-        <p:style>
-          <a:lnRef idx="1">
-            <a:schemeClr val="accent1"/>
-          </a:lnRef>
-          <a:fillRef idx="0">
-            <a:schemeClr val="accent1"/>
-          </a:fillRef>
-          <a:effectRef idx="0">
-            <a:schemeClr val="accent1"/>
-          </a:effectRef>
-          <a:fontRef idx="minor">
-            <a:schemeClr val="tx1"/>
-          </a:fontRef>
-        </p:style>
-      </p:cxnSp>
-      <p:sp>
-        <p:nvSpPr>
-          <p:cNvPr id="134" name="TextBox 133">
-            <a:extLst>
-              <a:ext uri="{FF2B5EF4-FFF2-40B4-BE49-F238E27FC236}">
-                <a16:creationId xmlns:a16="http://schemas.microsoft.com/office/drawing/2014/main" id="{9A886F97-F659-4BC3-A9E2-D60CFFF108CB}"/>
-              </a:ext>
-            </a:extLst>
-          </p:cNvPr>
-          <p:cNvSpPr txBox="1"/>
-          <p:nvPr/>
-        </p:nvSpPr>
-        <p:spPr>
-          <a:xfrm>
-            <a:off x="4086343" y="5293661"/>
-            <a:ext cx="555844" cy="461665"/>
-          </a:xfrm>
-          <a:prstGeom prst="rect">
-            <a:avLst/>
-          </a:prstGeom>
-          <a:noFill/>
-        </p:spPr>
-        <p:txBody>
-          <a:bodyPr wrap="square" rtlCol="0">
-            <a:spAutoFit/>
-          </a:bodyPr>
-          <a:lstStyle/>
-          <a:p>
-            <a:pPr algn="ctr"/>
-            <a:r>
-              <a:rPr lang="en-US" sz="1200" dirty="0">
-                <a:solidFill>
-                  <a:schemeClr val="bg1"/>
-                </a:solidFill>
-                <a:latin typeface="Arial" panose="020B0604020202020204" pitchFamily="34" charset="0"/>
-                <a:cs typeface="Arial" panose="020B0604020202020204" pitchFamily="34" charset="0"/>
-              </a:rPr>
-              <a:t>C 0:</a:t>
-            </a:r>
-          </a:p>
-          <a:p>
-            <a:pPr algn="ctr"/>
-            <a:r>
-              <a:rPr lang="en-US" sz="1200" dirty="0">
-                <a:solidFill>
-                  <a:schemeClr val="bg1"/>
-                </a:solidFill>
-                <a:latin typeface="Arial" panose="020B0604020202020204" pitchFamily="34" charset="0"/>
-                <a:cs typeface="Arial" panose="020B0604020202020204" pitchFamily="34" charset="0"/>
-              </a:rPr>
-              <a:t>1075</a:t>
-            </a:r>
-          </a:p>
-        </p:txBody>
-      </p:sp>
-      <p:sp>
-        <p:nvSpPr>
-          <p:cNvPr id="135" name="TextBox 134">
-            <a:extLst>
-              <a:ext uri="{FF2B5EF4-FFF2-40B4-BE49-F238E27FC236}">
-                <a16:creationId xmlns:a16="http://schemas.microsoft.com/office/drawing/2014/main" id="{F58EDBC8-1BCF-47CC-A5AB-AEC8C77B3476}"/>
-              </a:ext>
-            </a:extLst>
-          </p:cNvPr>
-          <p:cNvSpPr txBox="1"/>
-          <p:nvPr/>
-        </p:nvSpPr>
-        <p:spPr>
-          <a:xfrm>
-            <a:off x="5275682" y="5293661"/>
-            <a:ext cx="555844" cy="461665"/>
-          </a:xfrm>
-          <a:prstGeom prst="rect">
-            <a:avLst/>
-          </a:prstGeom>
-          <a:noFill/>
-        </p:spPr>
-        <p:txBody>
-          <a:bodyPr wrap="square" rtlCol="0">
-            <a:spAutoFit/>
-          </a:bodyPr>
-          <a:lstStyle/>
-          <a:p>
-            <a:pPr algn="ctr"/>
-            <a:r>
-              <a:rPr lang="en-US" sz="1200" dirty="0">
-                <a:solidFill>
-                  <a:schemeClr val="bg1"/>
-                </a:solidFill>
-                <a:latin typeface="Arial" panose="020B0604020202020204" pitchFamily="34" charset="0"/>
-                <a:cs typeface="Arial" panose="020B0604020202020204" pitchFamily="34" charset="0"/>
-              </a:rPr>
-              <a:t>C 1:</a:t>
-            </a:r>
-          </a:p>
-          <a:p>
-            <a:pPr algn="ctr"/>
-            <a:r>
-              <a:rPr lang="en-US" sz="1200" dirty="0">
-                <a:solidFill>
-                  <a:schemeClr val="bg1"/>
-                </a:solidFill>
-                <a:latin typeface="Arial" panose="020B0604020202020204" pitchFamily="34" charset="0"/>
-                <a:cs typeface="Arial" panose="020B0604020202020204" pitchFamily="34" charset="0"/>
-              </a:rPr>
-              <a:t>722</a:t>
-            </a:r>
-          </a:p>
-        </p:txBody>
-      </p:sp>
-      <p:sp>
-        <p:nvSpPr>
-          <p:cNvPr id="136" name="TextBox 135">
-            <a:extLst>
-              <a:ext uri="{FF2B5EF4-FFF2-40B4-BE49-F238E27FC236}">
-                <a16:creationId xmlns:a16="http://schemas.microsoft.com/office/drawing/2014/main" id="{1B972F8B-B08D-4548-A580-0D2D52293560}"/>
-              </a:ext>
-            </a:extLst>
-          </p:cNvPr>
-          <p:cNvSpPr txBox="1"/>
-          <p:nvPr/>
-        </p:nvSpPr>
-        <p:spPr>
-          <a:xfrm>
-            <a:off x="4086343" y="6771941"/>
-            <a:ext cx="555844" cy="461665"/>
-          </a:xfrm>
-          <a:prstGeom prst="rect">
-            <a:avLst/>
-          </a:prstGeom>
-          <a:noFill/>
-        </p:spPr>
-        <p:txBody>
-          <a:bodyPr wrap="square" rtlCol="0">
-            <a:spAutoFit/>
-          </a:bodyPr>
-          <a:lstStyle/>
-          <a:p>
-            <a:pPr algn="ctr"/>
-            <a:r>
-              <a:rPr lang="en-US" sz="1200" dirty="0">
-                <a:solidFill>
-                  <a:schemeClr val="bg1"/>
-                </a:solidFill>
-                <a:latin typeface="Arial" panose="020B0604020202020204" pitchFamily="34" charset="0"/>
-                <a:cs typeface="Arial" panose="020B0604020202020204" pitchFamily="34" charset="0"/>
-              </a:rPr>
-              <a:t>C 2:</a:t>
-            </a:r>
-          </a:p>
-          <a:p>
-            <a:pPr algn="ctr"/>
-            <a:r>
-              <a:rPr lang="en-US" sz="1200" dirty="0">
-                <a:solidFill>
-                  <a:schemeClr val="bg1"/>
-                </a:solidFill>
-                <a:latin typeface="Arial" panose="020B0604020202020204" pitchFamily="34" charset="0"/>
-                <a:cs typeface="Arial" panose="020B0604020202020204" pitchFamily="34" charset="0"/>
-              </a:rPr>
-              <a:t>716</a:t>
-            </a:r>
-          </a:p>
-        </p:txBody>
-      </p:sp>
-      <p:sp>
-        <p:nvSpPr>
-          <p:cNvPr id="137" name="TextBox 136">
-            <a:extLst>
-              <a:ext uri="{FF2B5EF4-FFF2-40B4-BE49-F238E27FC236}">
-                <a16:creationId xmlns:a16="http://schemas.microsoft.com/office/drawing/2014/main" id="{4A15897D-B7B9-4B10-B72A-1ED6EC68748D}"/>
-              </a:ext>
-            </a:extLst>
-          </p:cNvPr>
-          <p:cNvSpPr txBox="1"/>
-          <p:nvPr/>
-        </p:nvSpPr>
-        <p:spPr>
-          <a:xfrm>
-            <a:off x="5275682" y="6771941"/>
-            <a:ext cx="555844" cy="461665"/>
-          </a:xfrm>
-          <a:prstGeom prst="rect">
-            <a:avLst/>
-          </a:prstGeom>
-          <a:noFill/>
-        </p:spPr>
-        <p:txBody>
-          <a:bodyPr wrap="square" rtlCol="0">
-            <a:spAutoFit/>
-          </a:bodyPr>
-          <a:lstStyle/>
-          <a:p>
-            <a:pPr algn="ctr"/>
-            <a:r>
-              <a:rPr lang="en-US" sz="1200" dirty="0">
-                <a:solidFill>
-                  <a:schemeClr val="bg1"/>
-                </a:solidFill>
-                <a:latin typeface="Arial" panose="020B0604020202020204" pitchFamily="34" charset="0"/>
-                <a:cs typeface="Arial" panose="020B0604020202020204" pitchFamily="34" charset="0"/>
-              </a:rPr>
-              <a:t>C 3:</a:t>
-            </a:r>
-          </a:p>
-          <a:p>
-            <a:pPr algn="ctr"/>
-            <a:r>
-              <a:rPr lang="en-US" sz="1200" dirty="0">
-                <a:solidFill>
-                  <a:schemeClr val="bg1"/>
-                </a:solidFill>
-                <a:latin typeface="Arial" panose="020B0604020202020204" pitchFamily="34" charset="0"/>
-                <a:cs typeface="Arial" panose="020B0604020202020204" pitchFamily="34" charset="0"/>
-              </a:rPr>
-              <a:t>564</a:t>
-            </a:r>
-          </a:p>
-        </p:txBody>
-      </p:sp>
-      <p:sp>
-        <p:nvSpPr>
-          <p:cNvPr id="138" name="TextBox 137">
-            <a:extLst>
-              <a:ext uri="{FF2B5EF4-FFF2-40B4-BE49-F238E27FC236}">
-                <a16:creationId xmlns:a16="http://schemas.microsoft.com/office/drawing/2014/main" id="{A740AB18-4740-49EA-B0B5-8597CEB1D980}"/>
-              </a:ext>
-            </a:extLst>
-          </p:cNvPr>
-          <p:cNvSpPr txBox="1"/>
-          <p:nvPr/>
-        </p:nvSpPr>
-        <p:spPr>
-          <a:xfrm>
-            <a:off x="4086343" y="8416373"/>
-            <a:ext cx="555844" cy="461665"/>
-          </a:xfrm>
-          <a:prstGeom prst="rect">
-            <a:avLst/>
-          </a:prstGeom>
-          <a:noFill/>
-        </p:spPr>
-        <p:txBody>
-          <a:bodyPr wrap="square" rtlCol="0">
-            <a:spAutoFit/>
-          </a:bodyPr>
-          <a:lstStyle/>
-          <a:p>
-            <a:pPr algn="ctr"/>
-            <a:r>
-              <a:rPr lang="en-US" sz="1200" dirty="0">
-                <a:solidFill>
-                  <a:schemeClr val="bg1"/>
-                </a:solidFill>
-                <a:latin typeface="Arial" panose="020B0604020202020204" pitchFamily="34" charset="0"/>
-                <a:cs typeface="Arial" panose="020B0604020202020204" pitchFamily="34" charset="0"/>
-              </a:rPr>
-              <a:t>C 4:</a:t>
-            </a:r>
-          </a:p>
-          <a:p>
-            <a:pPr algn="ctr"/>
-            <a:r>
-              <a:rPr lang="en-US" sz="1200" dirty="0">
-                <a:solidFill>
-                  <a:schemeClr val="bg1"/>
-                </a:solidFill>
-                <a:latin typeface="Arial" panose="020B0604020202020204" pitchFamily="34" charset="0"/>
-                <a:cs typeface="Arial" panose="020B0604020202020204" pitchFamily="34" charset="0"/>
-              </a:rPr>
-              <a:t>8</a:t>
-            </a:r>
-          </a:p>
-        </p:txBody>
-      </p:sp>
-      <p:sp>
-        <p:nvSpPr>
-          <p:cNvPr id="139" name="TextBox 138">
-            <a:extLst>
-              <a:ext uri="{FF2B5EF4-FFF2-40B4-BE49-F238E27FC236}">
-                <a16:creationId xmlns:a16="http://schemas.microsoft.com/office/drawing/2014/main" id="{B2C7FAE5-9DE4-42CD-A63C-A024EE51B186}"/>
-              </a:ext>
-            </a:extLst>
-          </p:cNvPr>
-          <p:cNvSpPr txBox="1"/>
-          <p:nvPr/>
-        </p:nvSpPr>
-        <p:spPr>
-          <a:xfrm>
-            <a:off x="5270679" y="8416372"/>
-            <a:ext cx="555844" cy="461665"/>
-          </a:xfrm>
-          <a:prstGeom prst="rect">
-            <a:avLst/>
-          </a:prstGeom>
-          <a:noFill/>
-        </p:spPr>
-        <p:txBody>
-          <a:bodyPr wrap="square" rtlCol="0">
-            <a:spAutoFit/>
-          </a:bodyPr>
-          <a:lstStyle/>
-          <a:p>
-            <a:pPr algn="ctr"/>
-            <a:r>
-              <a:rPr lang="en-US" sz="1200" dirty="0">
-                <a:solidFill>
-                  <a:schemeClr val="bg1"/>
-                </a:solidFill>
-                <a:latin typeface="Arial" panose="020B0604020202020204" pitchFamily="34" charset="0"/>
-                <a:cs typeface="Arial" panose="020B0604020202020204" pitchFamily="34" charset="0"/>
-              </a:rPr>
-              <a:t>C 5:</a:t>
-            </a:r>
-          </a:p>
-          <a:p>
-            <a:pPr algn="ctr"/>
-            <a:r>
-              <a:rPr lang="en-US" sz="1200" dirty="0">
-                <a:solidFill>
-                  <a:schemeClr val="bg1"/>
-                </a:solidFill>
-                <a:latin typeface="Arial" panose="020B0604020202020204" pitchFamily="34" charset="0"/>
-                <a:cs typeface="Arial" panose="020B0604020202020204" pitchFamily="34" charset="0"/>
-              </a:rPr>
-              <a:t>8</a:t>
-            </a:r>
-          </a:p>
-        </p:txBody>
-      </p:sp>
-      <p:cxnSp>
-        <p:nvCxnSpPr>
-          <p:cNvPr id="140" name="Straight Arrow Connector 139">
-            <a:extLst>
-              <a:ext uri="{FF2B5EF4-FFF2-40B4-BE49-F238E27FC236}">
-                <a16:creationId xmlns:a16="http://schemas.microsoft.com/office/drawing/2014/main" id="{EC5F20D8-60A3-41A4-A2C0-F3062F42D303}"/>
-              </a:ext>
-            </a:extLst>
-          </p:cNvPr>
-          <p:cNvCxnSpPr>
-            <a:cxnSpLocks/>
-            <a:stCxn id="136" idx="0"/>
-            <a:endCxn id="134" idx="2"/>
-          </p:cNvCxnSpPr>
-          <p:nvPr/>
-        </p:nvCxnSpPr>
-        <p:spPr>
-          <a:xfrm flipV="1">
-            <a:off x="4364265" y="5755326"/>
-            <a:ext cx="0" cy="1016615"/>
-          </a:xfrm>
-          <a:prstGeom prst="straightConnector1">
-            <a:avLst/>
-          </a:prstGeom>
-          <a:ln>
-            <a:solidFill>
-              <a:srgbClr val="FF0000"/>
-            </a:solidFill>
-            <a:tailEnd type="triangle"/>
-          </a:ln>
-        </p:spPr>
-        <p:style>
-          <a:lnRef idx="1">
-            <a:schemeClr val="accent1"/>
-          </a:lnRef>
-          <a:fillRef idx="0">
-            <a:schemeClr val="accent1"/>
-          </a:fillRef>
-          <a:effectRef idx="0">
-            <a:schemeClr val="accent1"/>
-          </a:effectRef>
-          <a:fontRef idx="minor">
-            <a:schemeClr val="tx1"/>
-          </a:fontRef>
-        </p:style>
-      </p:cxnSp>
-      <p:cxnSp>
-        <p:nvCxnSpPr>
-          <p:cNvPr id="141" name="Straight Arrow Connector 140">
-            <a:extLst>
-              <a:ext uri="{FF2B5EF4-FFF2-40B4-BE49-F238E27FC236}">
-                <a16:creationId xmlns:a16="http://schemas.microsoft.com/office/drawing/2014/main" id="{7B5BB131-0ACF-4EC1-BB74-B71CBC87EF6D}"/>
-              </a:ext>
-            </a:extLst>
-          </p:cNvPr>
-          <p:cNvCxnSpPr>
-            <a:stCxn id="138" idx="0"/>
-            <a:endCxn id="136" idx="2"/>
-          </p:cNvCxnSpPr>
-          <p:nvPr/>
-        </p:nvCxnSpPr>
-        <p:spPr>
-          <a:xfrm flipV="1">
-            <a:off x="4364265" y="7233606"/>
-            <a:ext cx="0" cy="1182767"/>
-          </a:xfrm>
-          <a:prstGeom prst="straightConnector1">
-            <a:avLst/>
-          </a:prstGeom>
-          <a:ln>
-            <a:solidFill>
-              <a:srgbClr val="FF0000"/>
-            </a:solidFill>
-            <a:tailEnd type="triangle"/>
-          </a:ln>
-        </p:spPr>
-        <p:style>
-          <a:lnRef idx="1">
-            <a:schemeClr val="accent1"/>
-          </a:lnRef>
-          <a:fillRef idx="0">
-            <a:schemeClr val="accent1"/>
-          </a:fillRef>
-          <a:effectRef idx="0">
-            <a:schemeClr val="accent1"/>
-          </a:effectRef>
-          <a:fontRef idx="minor">
-            <a:schemeClr val="tx1"/>
-          </a:fontRef>
-        </p:style>
-      </p:cxnSp>
-      <p:cxnSp>
-        <p:nvCxnSpPr>
-          <p:cNvPr id="142" name="Straight Arrow Connector 141">
-            <a:extLst>
-              <a:ext uri="{FF2B5EF4-FFF2-40B4-BE49-F238E27FC236}">
-                <a16:creationId xmlns:a16="http://schemas.microsoft.com/office/drawing/2014/main" id="{3C76B478-2444-44B4-8DF4-F3F856A8BDB7}"/>
-              </a:ext>
-            </a:extLst>
-          </p:cNvPr>
-          <p:cNvCxnSpPr>
-            <a:cxnSpLocks/>
-            <a:stCxn id="139" idx="0"/>
-            <a:endCxn id="137" idx="2"/>
-          </p:cNvCxnSpPr>
-          <p:nvPr/>
-        </p:nvCxnSpPr>
-        <p:spPr>
-          <a:xfrm flipV="1">
-            <a:off x="5548601" y="7233606"/>
-            <a:ext cx="5003" cy="1182766"/>
-          </a:xfrm>
-          <a:prstGeom prst="straightConnector1">
-            <a:avLst/>
-          </a:prstGeom>
-          <a:ln>
-            <a:solidFill>
-              <a:srgbClr val="FF0000"/>
-            </a:solidFill>
-            <a:tailEnd type="triangle"/>
-          </a:ln>
-        </p:spPr>
-        <p:style>
-          <a:lnRef idx="1">
-            <a:schemeClr val="accent1"/>
-          </a:lnRef>
-          <a:fillRef idx="0">
-            <a:schemeClr val="accent1"/>
-          </a:fillRef>
-          <a:effectRef idx="0">
-            <a:schemeClr val="accent1"/>
-          </a:effectRef>
-          <a:fontRef idx="minor">
-            <a:schemeClr val="tx1"/>
-          </a:fontRef>
-        </p:style>
-      </p:cxnSp>
-      <p:cxnSp>
-        <p:nvCxnSpPr>
-          <p:cNvPr id="143" name="Straight Arrow Connector 142">
-            <a:extLst>
-              <a:ext uri="{FF2B5EF4-FFF2-40B4-BE49-F238E27FC236}">
-                <a16:creationId xmlns:a16="http://schemas.microsoft.com/office/drawing/2014/main" id="{B1BA7C4A-44B9-4046-8872-E7B19ECBA9F0}"/>
-              </a:ext>
-            </a:extLst>
-          </p:cNvPr>
-          <p:cNvCxnSpPr>
-            <a:stCxn id="137" idx="0"/>
-            <a:endCxn id="135" idx="2"/>
-          </p:cNvCxnSpPr>
-          <p:nvPr/>
-        </p:nvCxnSpPr>
-        <p:spPr>
-          <a:xfrm flipV="1">
-            <a:off x="5553604" y="5755326"/>
-            <a:ext cx="0" cy="1016615"/>
-          </a:xfrm>
-          <a:prstGeom prst="straightConnector1">
-            <a:avLst/>
-          </a:prstGeom>
-          <a:ln>
-            <a:solidFill>
-              <a:srgbClr val="FF0000"/>
-            </a:solidFill>
-            <a:tailEnd type="triangle"/>
-          </a:ln>
-        </p:spPr>
-        <p:style>
-          <a:lnRef idx="1">
-            <a:schemeClr val="accent1"/>
-          </a:lnRef>
-          <a:fillRef idx="0">
-            <a:schemeClr val="accent1"/>
-          </a:fillRef>
-          <a:effectRef idx="0">
-            <a:schemeClr val="accent1"/>
-          </a:effectRef>
-          <a:fontRef idx="minor">
-            <a:schemeClr val="tx1"/>
-          </a:fontRef>
-        </p:style>
-      </p:cxnSp>
-      <p:cxnSp>
-        <p:nvCxnSpPr>
-          <p:cNvPr id="144" name="Straight Arrow Connector 143">
-            <a:extLst>
-              <a:ext uri="{FF2B5EF4-FFF2-40B4-BE49-F238E27FC236}">
-                <a16:creationId xmlns:a16="http://schemas.microsoft.com/office/drawing/2014/main" id="{919F2E32-FB80-4292-A8ED-3BA2DA9D48B6}"/>
-              </a:ext>
-            </a:extLst>
-          </p:cNvPr>
-          <p:cNvCxnSpPr>
-            <a:stCxn id="135" idx="1"/>
-            <a:endCxn id="134" idx="3"/>
-          </p:cNvCxnSpPr>
-          <p:nvPr/>
-        </p:nvCxnSpPr>
-        <p:spPr>
-          <a:xfrm flipH="1">
-            <a:off x="4642187" y="5524494"/>
-            <a:ext cx="633495" cy="0"/>
-          </a:xfrm>
-          <a:prstGeom prst="straightConnector1">
-            <a:avLst/>
-          </a:prstGeom>
-          <a:ln>
-            <a:solidFill>
-              <a:srgbClr val="FF0000"/>
-            </a:solidFill>
-            <a:tailEnd type="triangle"/>
-          </a:ln>
-        </p:spPr>
-        <p:style>
-          <a:lnRef idx="1">
-            <a:schemeClr val="accent1"/>
-          </a:lnRef>
-          <a:fillRef idx="0">
-            <a:schemeClr val="accent1"/>
-          </a:fillRef>
-          <a:effectRef idx="0">
-            <a:schemeClr val="accent1"/>
-          </a:effectRef>
-          <a:fontRef idx="minor">
-            <a:schemeClr val="tx1"/>
-          </a:fontRef>
-        </p:style>
-      </p:cxnSp>
-      <p:cxnSp>
-        <p:nvCxnSpPr>
-          <p:cNvPr id="145" name="Straight Arrow Connector 144">
-            <a:extLst>
-              <a:ext uri="{FF2B5EF4-FFF2-40B4-BE49-F238E27FC236}">
-                <a16:creationId xmlns:a16="http://schemas.microsoft.com/office/drawing/2014/main" id="{E31FA885-FBA9-4F35-B030-B9E76D0CB07A}"/>
-              </a:ext>
-            </a:extLst>
-          </p:cNvPr>
-          <p:cNvCxnSpPr>
-            <a:stCxn id="137" idx="1"/>
-            <a:endCxn id="136" idx="3"/>
-          </p:cNvCxnSpPr>
-          <p:nvPr/>
-        </p:nvCxnSpPr>
-        <p:spPr>
-          <a:xfrm flipH="1">
-            <a:off x="4642187" y="7002774"/>
-            <a:ext cx="633495" cy="0"/>
-          </a:xfrm>
-          <a:prstGeom prst="straightConnector1">
-            <a:avLst/>
-          </a:prstGeom>
-          <a:ln>
-            <a:solidFill>
-              <a:srgbClr val="FF0000"/>
-            </a:solidFill>
-            <a:tailEnd type="triangle"/>
-          </a:ln>
-        </p:spPr>
-        <p:style>
-          <a:lnRef idx="1">
-            <a:schemeClr val="accent1"/>
-          </a:lnRef>
-          <a:fillRef idx="0">
-            <a:schemeClr val="accent1"/>
-          </a:fillRef>
-          <a:effectRef idx="0">
-            <a:schemeClr val="accent1"/>
-          </a:effectRef>
-          <a:fontRef idx="minor">
-            <a:schemeClr val="tx1"/>
-          </a:fontRef>
-        </p:style>
-      </p:cxnSp>
-      <p:cxnSp>
-        <p:nvCxnSpPr>
-          <p:cNvPr id="146" name="Straight Arrow Connector 145">
-            <a:extLst>
-              <a:ext uri="{FF2B5EF4-FFF2-40B4-BE49-F238E27FC236}">
-                <a16:creationId xmlns:a16="http://schemas.microsoft.com/office/drawing/2014/main" id="{9F241E04-876E-47DB-9D4D-AA09F40EEBC0}"/>
-              </a:ext>
-            </a:extLst>
-          </p:cNvPr>
-          <p:cNvCxnSpPr>
-            <a:cxnSpLocks/>
-            <a:stCxn id="139" idx="1"/>
-            <a:endCxn id="138" idx="3"/>
-          </p:cNvCxnSpPr>
-          <p:nvPr/>
-        </p:nvCxnSpPr>
-        <p:spPr>
-          <a:xfrm flipH="1">
-            <a:off x="4642187" y="8647205"/>
-            <a:ext cx="628492" cy="1"/>
-          </a:xfrm>
-          <a:prstGeom prst="straightConnector1">
-            <a:avLst/>
-          </a:prstGeom>
-          <a:ln>
-            <a:solidFill>
-              <a:srgbClr val="FF0000"/>
-            </a:solidFill>
-            <a:tailEnd type="triangle"/>
-          </a:ln>
-        </p:spPr>
-        <p:style>
-          <a:lnRef idx="1">
-            <a:schemeClr val="accent1"/>
-          </a:lnRef>
-          <a:fillRef idx="0">
-            <a:schemeClr val="accent1"/>
-          </a:fillRef>
-          <a:effectRef idx="0">
-            <a:schemeClr val="accent1"/>
-          </a:effectRef>
-          <a:fontRef idx="minor">
-            <a:schemeClr val="tx1"/>
-          </a:fontRef>
-        </p:style>
-      </p:cxnSp>
-      <p:sp>
-        <p:nvSpPr>
-          <p:cNvPr id="149" name="TextBox 148">
-            <a:extLst>
-              <a:ext uri="{FF2B5EF4-FFF2-40B4-BE49-F238E27FC236}">
-                <a16:creationId xmlns:a16="http://schemas.microsoft.com/office/drawing/2014/main" id="{6D943D1E-FEA5-402F-AC6B-A96661EF3D16}"/>
-              </a:ext>
-            </a:extLst>
-          </p:cNvPr>
-          <p:cNvSpPr txBox="1"/>
-          <p:nvPr/>
-        </p:nvSpPr>
-        <p:spPr>
-          <a:xfrm>
-            <a:off x="7015861" y="5956601"/>
-            <a:ext cx="555844" cy="461665"/>
-          </a:xfrm>
-          <a:prstGeom prst="rect">
-            <a:avLst/>
-          </a:prstGeom>
-          <a:noFill/>
-        </p:spPr>
-        <p:txBody>
-          <a:bodyPr wrap="square" rtlCol="0">
-            <a:spAutoFit/>
-          </a:bodyPr>
-          <a:lstStyle/>
-          <a:p>
-            <a:pPr algn="ctr"/>
-            <a:r>
-              <a:rPr lang="en-US" sz="1200" dirty="0">
-                <a:solidFill>
-                  <a:schemeClr val="bg1"/>
-                </a:solidFill>
-                <a:latin typeface="Arial" panose="020B0604020202020204" pitchFamily="34" charset="0"/>
-                <a:cs typeface="Arial" panose="020B0604020202020204" pitchFamily="34" charset="0"/>
-              </a:rPr>
-              <a:t>C 0:</a:t>
-            </a:r>
-          </a:p>
-          <a:p>
-            <a:pPr algn="ctr"/>
-            <a:r>
-              <a:rPr lang="en-US" sz="1200" dirty="0">
-                <a:solidFill>
-                  <a:schemeClr val="bg1"/>
-                </a:solidFill>
-                <a:latin typeface="Arial" panose="020B0604020202020204" pitchFamily="34" charset="0"/>
-                <a:cs typeface="Arial" panose="020B0604020202020204" pitchFamily="34" charset="0"/>
-              </a:rPr>
-              <a:t>729</a:t>
-            </a:r>
-          </a:p>
-        </p:txBody>
-      </p:sp>
-      <p:sp>
-        <p:nvSpPr>
-          <p:cNvPr id="150" name="TextBox 149">
-            <a:extLst>
-              <a:ext uri="{FF2B5EF4-FFF2-40B4-BE49-F238E27FC236}">
-                <a16:creationId xmlns:a16="http://schemas.microsoft.com/office/drawing/2014/main" id="{1B5E4EA7-511F-41BE-BF53-53253074C5E5}"/>
-              </a:ext>
-            </a:extLst>
-          </p:cNvPr>
-          <p:cNvSpPr txBox="1"/>
-          <p:nvPr/>
-        </p:nvSpPr>
-        <p:spPr>
-          <a:xfrm>
-            <a:off x="8205200" y="5956601"/>
-            <a:ext cx="555844" cy="461665"/>
-          </a:xfrm>
-          <a:prstGeom prst="rect">
-            <a:avLst/>
-          </a:prstGeom>
-          <a:noFill/>
-        </p:spPr>
-        <p:txBody>
-          <a:bodyPr wrap="square" rtlCol="0">
-            <a:spAutoFit/>
-          </a:bodyPr>
-          <a:lstStyle/>
-          <a:p>
-            <a:pPr algn="ctr"/>
-            <a:r>
-              <a:rPr lang="en-US" sz="1200" dirty="0">
-                <a:solidFill>
-                  <a:schemeClr val="bg1"/>
-                </a:solidFill>
-                <a:latin typeface="Arial" panose="020B0604020202020204" pitchFamily="34" charset="0"/>
-                <a:cs typeface="Arial" panose="020B0604020202020204" pitchFamily="34" charset="0"/>
-              </a:rPr>
-              <a:t>C 1:</a:t>
-            </a:r>
-          </a:p>
-          <a:p>
-            <a:pPr algn="ctr"/>
-            <a:r>
-              <a:rPr lang="en-US" sz="1200" dirty="0">
-                <a:solidFill>
-                  <a:schemeClr val="bg1"/>
-                </a:solidFill>
-                <a:latin typeface="Arial" panose="020B0604020202020204" pitchFamily="34" charset="0"/>
-                <a:cs typeface="Arial" panose="020B0604020202020204" pitchFamily="34" charset="0"/>
-              </a:rPr>
-              <a:t>86</a:t>
-            </a:r>
-          </a:p>
-        </p:txBody>
-      </p:sp>
-      <p:sp>
-        <p:nvSpPr>
-          <p:cNvPr id="151" name="TextBox 150">
-            <a:extLst>
-              <a:ext uri="{FF2B5EF4-FFF2-40B4-BE49-F238E27FC236}">
-                <a16:creationId xmlns:a16="http://schemas.microsoft.com/office/drawing/2014/main" id="{AA70D504-8154-4FBE-B94C-B65ADDF6FC7C}"/>
-              </a:ext>
-            </a:extLst>
-          </p:cNvPr>
-          <p:cNvSpPr txBox="1"/>
-          <p:nvPr/>
-        </p:nvSpPr>
-        <p:spPr>
-          <a:xfrm>
-            <a:off x="7015861" y="7434881"/>
-            <a:ext cx="555844" cy="461665"/>
-          </a:xfrm>
-          <a:prstGeom prst="rect">
-            <a:avLst/>
-          </a:prstGeom>
-          <a:noFill/>
-        </p:spPr>
-        <p:txBody>
-          <a:bodyPr wrap="square" rtlCol="0">
-            <a:spAutoFit/>
-          </a:bodyPr>
-          <a:lstStyle/>
-          <a:p>
-            <a:pPr algn="ctr"/>
-            <a:r>
-              <a:rPr lang="en-US" sz="1200" dirty="0">
-                <a:solidFill>
-                  <a:schemeClr val="bg1"/>
-                </a:solidFill>
-                <a:latin typeface="Arial" panose="020B0604020202020204" pitchFamily="34" charset="0"/>
-                <a:cs typeface="Arial" panose="020B0604020202020204" pitchFamily="34" charset="0"/>
-              </a:rPr>
-              <a:t>C 2:</a:t>
-            </a:r>
-          </a:p>
-          <a:p>
-            <a:pPr algn="ctr"/>
-            <a:r>
-              <a:rPr lang="en-US" sz="1200" dirty="0">
-                <a:solidFill>
-                  <a:schemeClr val="bg1"/>
-                </a:solidFill>
-                <a:latin typeface="Arial" panose="020B0604020202020204" pitchFamily="34" charset="0"/>
-                <a:cs typeface="Arial" panose="020B0604020202020204" pitchFamily="34" charset="0"/>
-              </a:rPr>
-              <a:t>561</a:t>
-            </a:r>
-          </a:p>
-        </p:txBody>
-      </p:sp>
-      <p:sp>
-        <p:nvSpPr>
-          <p:cNvPr id="152" name="TextBox 151">
-            <a:extLst>
-              <a:ext uri="{FF2B5EF4-FFF2-40B4-BE49-F238E27FC236}">
-                <a16:creationId xmlns:a16="http://schemas.microsoft.com/office/drawing/2014/main" id="{B0235F62-0429-41FD-AE6D-FB1694F6AAC4}"/>
-              </a:ext>
-            </a:extLst>
-          </p:cNvPr>
-          <p:cNvSpPr txBox="1"/>
-          <p:nvPr/>
-        </p:nvSpPr>
-        <p:spPr>
-          <a:xfrm>
-            <a:off x="8205200" y="7434881"/>
-            <a:ext cx="555844" cy="461665"/>
-          </a:xfrm>
-          <a:prstGeom prst="rect">
-            <a:avLst/>
-          </a:prstGeom>
-          <a:noFill/>
-        </p:spPr>
-        <p:txBody>
-          <a:bodyPr wrap="square" rtlCol="0">
-            <a:spAutoFit/>
-          </a:bodyPr>
-          <a:lstStyle/>
-          <a:p>
-            <a:pPr algn="ctr"/>
-            <a:r>
-              <a:rPr lang="en-US" sz="1200" dirty="0">
-                <a:solidFill>
-                  <a:schemeClr val="bg1"/>
-                </a:solidFill>
-                <a:latin typeface="Arial" panose="020B0604020202020204" pitchFamily="34" charset="0"/>
-                <a:cs typeface="Arial" panose="020B0604020202020204" pitchFamily="34" charset="0"/>
-              </a:rPr>
-              <a:t>C 3:</a:t>
-            </a:r>
-          </a:p>
-          <a:p>
-            <a:pPr algn="ctr"/>
-            <a:r>
-              <a:rPr lang="en-US" sz="1200" dirty="0">
-                <a:solidFill>
-                  <a:schemeClr val="bg1"/>
-                </a:solidFill>
-                <a:latin typeface="Arial" panose="020B0604020202020204" pitchFamily="34" charset="0"/>
-                <a:cs typeface="Arial" panose="020B0604020202020204" pitchFamily="34" charset="0"/>
-              </a:rPr>
-              <a:t>146</a:t>
-            </a:r>
-          </a:p>
-        </p:txBody>
-      </p:sp>
-      <p:cxnSp>
-        <p:nvCxnSpPr>
-          <p:cNvPr id="153" name="Straight Arrow Connector 152">
-            <a:extLst>
-              <a:ext uri="{FF2B5EF4-FFF2-40B4-BE49-F238E27FC236}">
-                <a16:creationId xmlns:a16="http://schemas.microsoft.com/office/drawing/2014/main" id="{B7C8AB68-9160-4B4C-9DEE-7838EA0DFA12}"/>
-              </a:ext>
-            </a:extLst>
-          </p:cNvPr>
-          <p:cNvCxnSpPr>
-            <a:cxnSpLocks/>
-            <a:stCxn id="151" idx="0"/>
-            <a:endCxn id="149" idx="2"/>
-          </p:cNvCxnSpPr>
-          <p:nvPr/>
-        </p:nvCxnSpPr>
-        <p:spPr>
-          <a:xfrm flipV="1">
-            <a:off x="7293783" y="6418266"/>
-            <a:ext cx="0" cy="1016615"/>
-          </a:xfrm>
-          <a:prstGeom prst="straightConnector1">
-            <a:avLst/>
-          </a:prstGeom>
-          <a:ln>
-            <a:solidFill>
-              <a:srgbClr val="FF0000"/>
-            </a:solidFill>
-            <a:tailEnd type="triangle"/>
-          </a:ln>
-        </p:spPr>
-        <p:style>
-          <a:lnRef idx="1">
-            <a:schemeClr val="accent1"/>
-          </a:lnRef>
-          <a:fillRef idx="0">
-            <a:schemeClr val="accent1"/>
-          </a:fillRef>
-          <a:effectRef idx="0">
-            <a:schemeClr val="accent1"/>
-          </a:effectRef>
-          <a:fontRef idx="minor">
-            <a:schemeClr val="tx1"/>
-          </a:fontRef>
-        </p:style>
-      </p:cxnSp>
-      <p:cxnSp>
-        <p:nvCxnSpPr>
-          <p:cNvPr id="154" name="Straight Arrow Connector 153">
-            <a:extLst>
-              <a:ext uri="{FF2B5EF4-FFF2-40B4-BE49-F238E27FC236}">
-                <a16:creationId xmlns:a16="http://schemas.microsoft.com/office/drawing/2014/main" id="{B434D761-ECD5-469B-AE1B-A85253A81BD8}"/>
-              </a:ext>
-            </a:extLst>
-          </p:cNvPr>
-          <p:cNvCxnSpPr>
-            <a:stCxn id="152" idx="0"/>
-            <a:endCxn id="150" idx="2"/>
-          </p:cNvCxnSpPr>
-          <p:nvPr/>
-        </p:nvCxnSpPr>
-        <p:spPr>
-          <a:xfrm flipV="1">
-            <a:off x="8483122" y="6418266"/>
-            <a:ext cx="0" cy="1016615"/>
-          </a:xfrm>
-          <a:prstGeom prst="straightConnector1">
-            <a:avLst/>
-          </a:prstGeom>
-          <a:ln>
-            <a:solidFill>
-              <a:srgbClr val="FF0000"/>
-            </a:solidFill>
-            <a:tailEnd type="triangle"/>
-          </a:ln>
-        </p:spPr>
-        <p:style>
-          <a:lnRef idx="1">
-            <a:schemeClr val="accent1"/>
-          </a:lnRef>
-          <a:fillRef idx="0">
-            <a:schemeClr val="accent1"/>
-          </a:fillRef>
-          <a:effectRef idx="0">
-            <a:schemeClr val="accent1"/>
-          </a:effectRef>
-          <a:fontRef idx="minor">
-            <a:schemeClr val="tx1"/>
-          </a:fontRef>
-        </p:style>
-      </p:cxnSp>
-      <p:cxnSp>
-        <p:nvCxnSpPr>
-          <p:cNvPr id="155" name="Straight Arrow Connector 154">
-            <a:extLst>
-              <a:ext uri="{FF2B5EF4-FFF2-40B4-BE49-F238E27FC236}">
-                <a16:creationId xmlns:a16="http://schemas.microsoft.com/office/drawing/2014/main" id="{469588BB-DE7F-4C40-B1EE-56604B60BBDD}"/>
-              </a:ext>
-            </a:extLst>
-          </p:cNvPr>
-          <p:cNvCxnSpPr>
-            <a:stCxn id="150" idx="1"/>
-            <a:endCxn id="149" idx="3"/>
-          </p:cNvCxnSpPr>
-          <p:nvPr/>
-        </p:nvCxnSpPr>
-        <p:spPr>
-          <a:xfrm flipH="1">
-            <a:off x="7571705" y="6187434"/>
-            <a:ext cx="633495" cy="0"/>
-          </a:xfrm>
-          <a:prstGeom prst="straightConnector1">
-            <a:avLst/>
-          </a:prstGeom>
-          <a:ln>
-            <a:solidFill>
-              <a:srgbClr val="FF0000"/>
-            </a:solidFill>
-            <a:tailEnd type="triangle"/>
-          </a:ln>
-        </p:spPr>
-        <p:style>
-          <a:lnRef idx="1">
-            <a:schemeClr val="accent1"/>
-          </a:lnRef>
-          <a:fillRef idx="0">
-            <a:schemeClr val="accent1"/>
-          </a:fillRef>
-          <a:effectRef idx="0">
-            <a:schemeClr val="accent1"/>
-          </a:effectRef>
-          <a:fontRef idx="minor">
-            <a:schemeClr val="tx1"/>
-          </a:fontRef>
-        </p:style>
-      </p:cxnSp>
-      <p:cxnSp>
-        <p:nvCxnSpPr>
-          <p:cNvPr id="156" name="Straight Arrow Connector 155">
-            <a:extLst>
-              <a:ext uri="{FF2B5EF4-FFF2-40B4-BE49-F238E27FC236}">
-                <a16:creationId xmlns:a16="http://schemas.microsoft.com/office/drawing/2014/main" id="{820AB605-3274-4B6D-9BD5-1576519CEC27}"/>
-              </a:ext>
-            </a:extLst>
-          </p:cNvPr>
-          <p:cNvCxnSpPr>
-            <a:stCxn id="152" idx="1"/>
-            <a:endCxn id="151" idx="3"/>
-          </p:cNvCxnSpPr>
-          <p:nvPr/>
-        </p:nvCxnSpPr>
-        <p:spPr>
-          <a:xfrm flipH="1">
-            <a:off x="7571705" y="7665714"/>
-            <a:ext cx="633495" cy="0"/>
-          </a:xfrm>
-          <a:prstGeom prst="straightConnector1">
-            <a:avLst/>
-          </a:prstGeom>
-          <a:ln>
-            <a:solidFill>
-              <a:srgbClr val="FF0000"/>
-            </a:solidFill>
-            <a:tailEnd type="triangle"/>
-          </a:ln>
-        </p:spPr>
-        <p:style>
-          <a:lnRef idx="1">
-            <a:schemeClr val="accent1"/>
-          </a:lnRef>
-          <a:fillRef idx="0">
-            <a:schemeClr val="accent1"/>
-          </a:fillRef>
-          <a:effectRef idx="0">
-            <a:schemeClr val="accent1"/>
-          </a:effectRef>
-          <a:fontRef idx="minor">
-            <a:schemeClr val="tx1"/>
-          </a:fontRef>
-        </p:style>
-      </p:cxnSp>
-      <p:sp>
-        <p:nvSpPr>
-          <p:cNvPr id="157" name="TextBox 156">
-            <a:extLst>
-              <a:ext uri="{FF2B5EF4-FFF2-40B4-BE49-F238E27FC236}">
-                <a16:creationId xmlns:a16="http://schemas.microsoft.com/office/drawing/2014/main" id="{6E0ED30F-C90F-4FE9-9525-A823FF045385}"/>
-              </a:ext>
-            </a:extLst>
-          </p:cNvPr>
-          <p:cNvSpPr txBox="1"/>
-          <p:nvPr/>
-        </p:nvSpPr>
-        <p:spPr>
-          <a:xfrm>
-            <a:off x="7649356" y="1287970"/>
-            <a:ext cx="555844" cy="461665"/>
-          </a:xfrm>
-          <a:prstGeom prst="rect">
-            <a:avLst/>
-          </a:prstGeom>
-          <a:noFill/>
-        </p:spPr>
-        <p:txBody>
-          <a:bodyPr wrap="square" rtlCol="0">
-            <a:spAutoFit/>
-          </a:bodyPr>
-          <a:lstStyle/>
-          <a:p>
-            <a:pPr algn="ctr"/>
-            <a:r>
-              <a:rPr lang="en-US" sz="1200" dirty="0">
-                <a:solidFill>
-                  <a:schemeClr val="bg1"/>
-                </a:solidFill>
-                <a:latin typeface="Arial" panose="020B0604020202020204" pitchFamily="34" charset="0"/>
-                <a:cs typeface="Arial" panose="020B0604020202020204" pitchFamily="34" charset="0"/>
-              </a:rPr>
-              <a:t>C 0:</a:t>
-            </a:r>
-          </a:p>
-          <a:p>
-            <a:pPr algn="ctr"/>
-            <a:r>
-              <a:rPr lang="en-US" sz="1200" dirty="0">
-                <a:solidFill>
-                  <a:schemeClr val="bg1"/>
-                </a:solidFill>
-                <a:latin typeface="Arial" panose="020B0604020202020204" pitchFamily="34" charset="0"/>
-                <a:cs typeface="Arial" panose="020B0604020202020204" pitchFamily="34" charset="0"/>
-              </a:rPr>
-              <a:t>1139</a:t>
-            </a:r>
-          </a:p>
-        </p:txBody>
-      </p:sp>
-      <p:sp>
-        <p:nvSpPr>
-          <p:cNvPr id="158" name="TextBox 157">
-            <a:extLst>
-              <a:ext uri="{FF2B5EF4-FFF2-40B4-BE49-F238E27FC236}">
-                <a16:creationId xmlns:a16="http://schemas.microsoft.com/office/drawing/2014/main" id="{40F3D039-D909-468F-9C8E-274798A9ED56}"/>
-              </a:ext>
-            </a:extLst>
-          </p:cNvPr>
-          <p:cNvSpPr txBox="1"/>
-          <p:nvPr/>
-        </p:nvSpPr>
-        <p:spPr>
-          <a:xfrm>
-            <a:off x="7649356" y="2384220"/>
-            <a:ext cx="555844" cy="461665"/>
-          </a:xfrm>
-          <a:prstGeom prst="rect">
-            <a:avLst/>
-          </a:prstGeom>
-          <a:noFill/>
-        </p:spPr>
-        <p:txBody>
-          <a:bodyPr wrap="square" rtlCol="0">
-            <a:spAutoFit/>
-          </a:bodyPr>
-          <a:lstStyle/>
-          <a:p>
-            <a:pPr algn="ctr"/>
-            <a:r>
-              <a:rPr lang="en-US" sz="1200" dirty="0">
-                <a:solidFill>
-                  <a:schemeClr val="bg1"/>
-                </a:solidFill>
-                <a:latin typeface="Arial" panose="020B0604020202020204" pitchFamily="34" charset="0"/>
-                <a:cs typeface="Arial" panose="020B0604020202020204" pitchFamily="34" charset="0"/>
-              </a:rPr>
-              <a:t>C 1:</a:t>
-            </a:r>
-          </a:p>
-          <a:p>
-            <a:pPr algn="ctr"/>
-            <a:r>
-              <a:rPr lang="en-US" sz="1200" dirty="0">
-                <a:solidFill>
-                  <a:schemeClr val="bg1"/>
-                </a:solidFill>
-                <a:latin typeface="Arial" panose="020B0604020202020204" pitchFamily="34" charset="0"/>
-                <a:cs typeface="Arial" panose="020B0604020202020204" pitchFamily="34" charset="0"/>
-              </a:rPr>
-              <a:t>81</a:t>
-            </a:r>
-          </a:p>
-        </p:txBody>
-      </p:sp>
-      <p:cxnSp>
-        <p:nvCxnSpPr>
-          <p:cNvPr id="159" name="Straight Arrow Connector 158">
-            <a:extLst>
-              <a:ext uri="{FF2B5EF4-FFF2-40B4-BE49-F238E27FC236}">
-                <a16:creationId xmlns:a16="http://schemas.microsoft.com/office/drawing/2014/main" id="{AB2B76A1-1ACB-438A-BAC4-C6F5331E1D4D}"/>
-              </a:ext>
-            </a:extLst>
-          </p:cNvPr>
-          <p:cNvCxnSpPr>
-            <a:cxnSpLocks/>
-            <a:stCxn id="158" idx="0"/>
-            <a:endCxn id="157" idx="2"/>
-          </p:cNvCxnSpPr>
-          <p:nvPr/>
-        </p:nvCxnSpPr>
-        <p:spPr>
-          <a:xfrm flipV="1">
-            <a:off x="7927278" y="1749635"/>
-            <a:ext cx="0" cy="634585"/>
-          </a:xfrm>
-          <a:prstGeom prst="straightConnector1">
-            <a:avLst/>
-          </a:prstGeom>
-          <a:ln>
-            <a:solidFill>
-              <a:srgbClr val="FF0000"/>
-            </a:solidFill>
-            <a:tailEnd type="triangle"/>
-          </a:ln>
-        </p:spPr>
-        <p:style>
-          <a:lnRef idx="1">
-            <a:schemeClr val="accent1"/>
-          </a:lnRef>
-          <a:fillRef idx="0">
-            <a:schemeClr val="accent1"/>
-          </a:fillRef>
-          <a:effectRef idx="0">
-            <a:schemeClr val="accent1"/>
-          </a:effectRef>
-          <a:fontRef idx="minor">
-            <a:schemeClr val="tx1"/>
-          </a:fontRef>
-        </p:style>
-      </p:cxnSp>
+              <a:t>Full Gene</a:t>
+            </a:r>
+          </a:p>
+        </p:txBody>
+      </p:sp>
     </p:spTree>
     <p:extLst>
       <p:ext uri="{BB962C8B-B14F-4D97-AF65-F5344CB8AC3E}">
-        <p14:creationId xmlns:p14="http://schemas.microsoft.com/office/powerpoint/2010/main" val="865836183"/>
+        <p14:creationId xmlns:p14="http://schemas.microsoft.com/office/powerpoint/2010/main" val="1873335351"/>
       </p:ext>
     </p:extLst>
   </p:cSld>
